--- a/Python Day 4 While Loops.pptx
+++ b/Python Day 4 While Loops.pptx
@@ -5,31 +5,34 @@
     <p:sldMasterId id="2147483696" r:id="rId1"/>
   </p:sldMasterIdLst>
   <p:notesMasterIdLst>
-    <p:notesMasterId r:id="rId24"/>
+    <p:notesMasterId r:id="rId27"/>
   </p:notesMasterIdLst>
   <p:sldIdLst>
     <p:sldId id="256" r:id="rId2"/>
     <p:sldId id="257" r:id="rId3"/>
     <p:sldId id="258" r:id="rId4"/>
     <p:sldId id="283" r:id="rId5"/>
-    <p:sldId id="260" r:id="rId6"/>
-    <p:sldId id="263" r:id="rId7"/>
-    <p:sldId id="282" r:id="rId8"/>
-    <p:sldId id="265" r:id="rId9"/>
-    <p:sldId id="264" r:id="rId10"/>
-    <p:sldId id="268" r:id="rId11"/>
-    <p:sldId id="269" r:id="rId12"/>
-    <p:sldId id="281" r:id="rId13"/>
-    <p:sldId id="275" r:id="rId14"/>
-    <p:sldId id="276" r:id="rId15"/>
-    <p:sldId id="277" r:id="rId16"/>
-    <p:sldId id="278" r:id="rId17"/>
-    <p:sldId id="280" r:id="rId18"/>
-    <p:sldId id="279" r:id="rId19"/>
-    <p:sldId id="270" r:id="rId20"/>
-    <p:sldId id="271" r:id="rId21"/>
-    <p:sldId id="272" r:id="rId22"/>
-    <p:sldId id="273" r:id="rId23"/>
+    <p:sldId id="284" r:id="rId6"/>
+    <p:sldId id="285" r:id="rId7"/>
+    <p:sldId id="286" r:id="rId8"/>
+    <p:sldId id="260" r:id="rId9"/>
+    <p:sldId id="263" r:id="rId10"/>
+    <p:sldId id="282" r:id="rId11"/>
+    <p:sldId id="265" r:id="rId12"/>
+    <p:sldId id="264" r:id="rId13"/>
+    <p:sldId id="268" r:id="rId14"/>
+    <p:sldId id="269" r:id="rId15"/>
+    <p:sldId id="281" r:id="rId16"/>
+    <p:sldId id="275" r:id="rId17"/>
+    <p:sldId id="276" r:id="rId18"/>
+    <p:sldId id="277" r:id="rId19"/>
+    <p:sldId id="278" r:id="rId20"/>
+    <p:sldId id="280" r:id="rId21"/>
+    <p:sldId id="279" r:id="rId22"/>
+    <p:sldId id="270" r:id="rId23"/>
+    <p:sldId id="271" r:id="rId24"/>
+    <p:sldId id="272" r:id="rId25"/>
+    <p:sldId id="273" r:id="rId26"/>
   </p:sldIdLst>
   <p:sldSz cx="12192000" cy="6858000"/>
   <p:notesSz cx="6858000" cy="9144000"/>
@@ -535,7 +538,7 @@
           <a:p>
             <a:r>
               <a:rPr lang="en-US" dirty="0"/>
-              <a:t>Add count=5. Then increment count.</a:t>
+              <a:t>Add count=1. Then increment count.</a:t>
             </a:r>
           </a:p>
         </p:txBody>
@@ -622,7 +625,7 @@
           <a:p>
             <a:r>
               <a:rPr lang="en-US" dirty="0"/>
-              <a:t>Talk about debugging</a:t>
+              <a:t>Change the condition to &lt;= 3 and see what happens.</a:t>
             </a:r>
           </a:p>
         </p:txBody>
@@ -644,7 +647,181 @@
           <a:p>
             <a:fld id="{FA2C7687-E1CA-4716-AF29-39F13B8D7E13}" type="slidenum">
               <a:rPr lang="en-US" smtClean="0"/>
-              <a:t>9</a:t>
+              <a:t>7</a:t>
+            </a:fld>
+            <a:endParaRPr lang="en-US"/>
+          </a:p>
+        </p:txBody>
+      </p:sp>
+    </p:spTree>
+    <p:extLst>
+      <p:ext uri="{BB962C8B-B14F-4D97-AF65-F5344CB8AC3E}">
+        <p14:creationId xmlns:p14="http://schemas.microsoft.com/office/powerpoint/2010/main" val="1604124727"/>
+      </p:ext>
+    </p:extLst>
+  </p:cSld>
+  <p:clrMapOvr>
+    <a:masterClrMapping/>
+  </p:clrMapOvr>
+</p:notes>
+</file>
+
+<file path=ppt/notesSlides/notesSlide3.xml><?xml version="1.0" encoding="utf-8"?>
+<p:notes xmlns:a="http://schemas.openxmlformats.org/drawingml/2006/main" xmlns:r="http://schemas.openxmlformats.org/officeDocument/2006/relationships" xmlns:p="http://schemas.openxmlformats.org/presentationml/2006/main">
+  <p:cSld>
+    <p:spTree>
+      <p:nvGrpSpPr>
+        <p:cNvPr id="1" name=""/>
+        <p:cNvGrpSpPr/>
+        <p:nvPr/>
+      </p:nvGrpSpPr>
+      <p:grpSpPr>
+        <a:xfrm>
+          <a:off x="0" y="0"/>
+          <a:ext cx="0" cy="0"/>
+          <a:chOff x="0" y="0"/>
+          <a:chExt cx="0" cy="0"/>
+        </a:xfrm>
+      </p:grpSpPr>
+      <p:sp>
+        <p:nvSpPr>
+          <p:cNvPr id="2" name="Slide Image Placeholder 1"/>
+          <p:cNvSpPr>
+            <a:spLocks noGrp="1" noRot="1" noChangeAspect="1"/>
+          </p:cNvSpPr>
+          <p:nvPr>
+            <p:ph type="sldImg"/>
+          </p:nvPr>
+        </p:nvSpPr>
+        <p:spPr/>
+      </p:sp>
+      <p:sp>
+        <p:nvSpPr>
+          <p:cNvPr id="3" name="Notes Placeholder 2"/>
+          <p:cNvSpPr>
+            <a:spLocks noGrp="1"/>
+          </p:cNvSpPr>
+          <p:nvPr>
+            <p:ph type="body" idx="1"/>
+          </p:nvPr>
+        </p:nvSpPr>
+        <p:spPr/>
+        <p:txBody>
+          <a:bodyPr/>
+          <a:lstStyle/>
+          <a:p>
+            <a:r>
+              <a:rPr lang="en-US" dirty="0"/>
+              <a:t>Trace this code. On the last iteration, count is 5, so the condition is false and the loop is not entered (which is why it doesn’t print 5)</a:t>
+            </a:r>
+          </a:p>
+        </p:txBody>
+      </p:sp>
+      <p:sp>
+        <p:nvSpPr>
+          <p:cNvPr id="4" name="Slide Number Placeholder 3"/>
+          <p:cNvSpPr>
+            <a:spLocks noGrp="1"/>
+          </p:cNvSpPr>
+          <p:nvPr>
+            <p:ph type="sldNum" sz="quarter" idx="10"/>
+          </p:nvPr>
+        </p:nvSpPr>
+        <p:spPr/>
+        <p:txBody>
+          <a:bodyPr/>
+          <a:lstStyle/>
+          <a:p>
+            <a:fld id="{FA2C7687-E1CA-4716-AF29-39F13B8D7E13}" type="slidenum">
+              <a:rPr lang="en-US" smtClean="0"/>
+              <a:t>8</a:t>
+            </a:fld>
+            <a:endParaRPr lang="en-US"/>
+          </a:p>
+        </p:txBody>
+      </p:sp>
+    </p:spTree>
+    <p:extLst>
+      <p:ext uri="{BB962C8B-B14F-4D97-AF65-F5344CB8AC3E}">
+        <p14:creationId xmlns:p14="http://schemas.microsoft.com/office/powerpoint/2010/main" val="2915530220"/>
+      </p:ext>
+    </p:extLst>
+  </p:cSld>
+  <p:clrMapOvr>
+    <a:masterClrMapping/>
+  </p:clrMapOvr>
+</p:notes>
+</file>
+
+<file path=ppt/notesSlides/notesSlide4.xml><?xml version="1.0" encoding="utf-8"?>
+<p:notes xmlns:a="http://schemas.openxmlformats.org/drawingml/2006/main" xmlns:r="http://schemas.openxmlformats.org/officeDocument/2006/relationships" xmlns:p="http://schemas.openxmlformats.org/presentationml/2006/main">
+  <p:cSld>
+    <p:spTree>
+      <p:nvGrpSpPr>
+        <p:cNvPr id="1" name=""/>
+        <p:cNvGrpSpPr/>
+        <p:nvPr/>
+      </p:nvGrpSpPr>
+      <p:grpSpPr>
+        <a:xfrm>
+          <a:off x="0" y="0"/>
+          <a:ext cx="0" cy="0"/>
+          <a:chOff x="0" y="0"/>
+          <a:chExt cx="0" cy="0"/>
+        </a:xfrm>
+      </p:grpSpPr>
+      <p:sp>
+        <p:nvSpPr>
+          <p:cNvPr id="2" name="Slide Image Placeholder 1"/>
+          <p:cNvSpPr>
+            <a:spLocks noGrp="1" noRot="1" noChangeAspect="1"/>
+          </p:cNvSpPr>
+          <p:nvPr>
+            <p:ph type="sldImg"/>
+          </p:nvPr>
+        </p:nvSpPr>
+        <p:spPr/>
+      </p:sp>
+      <p:sp>
+        <p:nvSpPr>
+          <p:cNvPr id="3" name="Notes Placeholder 2"/>
+          <p:cNvSpPr>
+            <a:spLocks noGrp="1"/>
+          </p:cNvSpPr>
+          <p:nvPr>
+            <p:ph type="body" idx="1"/>
+          </p:nvPr>
+        </p:nvSpPr>
+        <p:spPr/>
+        <p:txBody>
+          <a:bodyPr/>
+          <a:lstStyle/>
+          <a:p>
+            <a:r>
+              <a:rPr lang="en-US" dirty="0"/>
+              <a:t>Talk about debugging</a:t>
+            </a:r>
+          </a:p>
+        </p:txBody>
+      </p:sp>
+      <p:sp>
+        <p:nvSpPr>
+          <p:cNvPr id="4" name="Slide Number Placeholder 3"/>
+          <p:cNvSpPr>
+            <a:spLocks noGrp="1"/>
+          </p:cNvSpPr>
+          <p:nvPr>
+            <p:ph type="sldNum" sz="quarter" idx="10"/>
+          </p:nvPr>
+        </p:nvSpPr>
+        <p:spPr/>
+        <p:txBody>
+          <a:bodyPr/>
+          <a:lstStyle/>
+          <a:p>
+            <a:fld id="{FA2C7687-E1CA-4716-AF29-39F13B8D7E13}" type="slidenum">
+              <a:rPr lang="en-US" smtClean="0"/>
+              <a:t>12</a:t>
             </a:fld>
             <a:endParaRPr lang="en-US"/>
           </a:p>
@@ -3887,2652 +4064,6 @@
       </p:grpSpPr>
       <p:sp>
         <p:nvSpPr>
-          <p:cNvPr id="2" name="Title 1">
-            <a:extLst>
-              <a:ext uri="{FF2B5EF4-FFF2-40B4-BE49-F238E27FC236}">
-                <a16:creationId xmlns:a16="http://schemas.microsoft.com/office/drawing/2014/main" id="{DE6369C1-537D-41D4-8572-F6AC218B34F0}"/>
-              </a:ext>
-            </a:extLst>
-          </p:cNvPr>
-          <p:cNvSpPr>
-            <a:spLocks noGrp="1"/>
-          </p:cNvSpPr>
-          <p:nvPr>
-            <p:ph type="title"/>
-          </p:nvPr>
-        </p:nvSpPr>
-        <p:spPr/>
-        <p:txBody>
-          <a:bodyPr/>
-          <a:lstStyle/>
-          <a:p>
-            <a:r>
-              <a:rPr lang="en-US" dirty="0"/>
-              <a:t>Example Problems!</a:t>
-            </a:r>
-          </a:p>
-        </p:txBody>
-      </p:sp>
-      <p:sp>
-        <p:nvSpPr>
-          <p:cNvPr id="3" name="Content Placeholder 2">
-            <a:extLst>
-              <a:ext uri="{FF2B5EF4-FFF2-40B4-BE49-F238E27FC236}">
-                <a16:creationId xmlns:a16="http://schemas.microsoft.com/office/drawing/2014/main" id="{EC93E059-6775-40E5-A0DF-F36147EAE6A6}"/>
-              </a:ext>
-            </a:extLst>
-          </p:cNvPr>
-          <p:cNvSpPr>
-            <a:spLocks noGrp="1"/>
-          </p:cNvSpPr>
-          <p:nvPr>
-            <p:ph idx="1"/>
-          </p:nvPr>
-        </p:nvSpPr>
-        <p:spPr/>
-        <p:txBody>
-          <a:bodyPr/>
-          <a:lstStyle/>
-          <a:p>
-            <a:r>
-              <a:rPr lang="en-US" dirty="0"/>
-              <a:t>Write a program that prints out stars (*). Have the user enter how many stars wide and tall you should print.</a:t>
-            </a:r>
-          </a:p>
-          <a:p>
-            <a:pPr marL="0" indent="0">
-              <a:buNone/>
-            </a:pPr>
-            <a:r>
-              <a:rPr lang="en-US" dirty="0"/>
-              <a:t>Example:</a:t>
-            </a:r>
-          </a:p>
-          <a:p>
-            <a:pPr marL="0" indent="0">
-              <a:buNone/>
-            </a:pPr>
-            <a:r>
-              <a:rPr lang="en-US" dirty="0"/>
-              <a:t>Width = 6, height = 4 will print out:</a:t>
-            </a:r>
-          </a:p>
-          <a:p>
-            <a:pPr marL="0" indent="0">
-              <a:spcBef>
-                <a:spcPts val="0"/>
-              </a:spcBef>
-              <a:buNone/>
-            </a:pPr>
-            <a:r>
-              <a:rPr lang="en-US" dirty="0"/>
-              <a:t>	</a:t>
-            </a:r>
-          </a:p>
-          <a:p>
-            <a:pPr marL="0" indent="0">
-              <a:spcBef>
-                <a:spcPts val="0"/>
-              </a:spcBef>
-              <a:buNone/>
-            </a:pPr>
-            <a:r>
-              <a:rPr lang="en-US" dirty="0"/>
-              <a:t>******</a:t>
-            </a:r>
-          </a:p>
-          <a:p>
-            <a:pPr marL="0" indent="0">
-              <a:spcBef>
-                <a:spcPts val="0"/>
-              </a:spcBef>
-              <a:buNone/>
-            </a:pPr>
-            <a:r>
-              <a:rPr lang="en-US" dirty="0"/>
-              <a:t>******</a:t>
-            </a:r>
-          </a:p>
-          <a:p>
-            <a:pPr marL="0" indent="0">
-              <a:spcBef>
-                <a:spcPts val="0"/>
-              </a:spcBef>
-              <a:buNone/>
-            </a:pPr>
-            <a:r>
-              <a:rPr lang="en-US" dirty="0"/>
-              <a:t>******</a:t>
-            </a:r>
-          </a:p>
-          <a:p>
-            <a:pPr marL="0" indent="0">
-              <a:spcBef>
-                <a:spcPts val="0"/>
-              </a:spcBef>
-              <a:buNone/>
-            </a:pPr>
-            <a:r>
-              <a:rPr lang="en-US" dirty="0"/>
-              <a:t>******</a:t>
-            </a:r>
-          </a:p>
-        </p:txBody>
-      </p:sp>
-    </p:spTree>
-    <p:extLst>
-      <p:ext uri="{BB962C8B-B14F-4D97-AF65-F5344CB8AC3E}">
-        <p14:creationId xmlns:p14="http://schemas.microsoft.com/office/powerpoint/2010/main" val="2441336248"/>
-      </p:ext>
-    </p:extLst>
-  </p:cSld>
-  <p:clrMapOvr>
-    <a:masterClrMapping/>
-  </p:clrMapOvr>
-</p:sld>
-</file>
-
-<file path=ppt/slides/slide11.xml><?xml version="1.0" encoding="utf-8"?>
-<p:sld xmlns:a="http://schemas.openxmlformats.org/drawingml/2006/main" xmlns:r="http://schemas.openxmlformats.org/officeDocument/2006/relationships" xmlns:p="http://schemas.openxmlformats.org/presentationml/2006/main">
-  <p:cSld>
-    <p:bg>
-      <p:bgPr>
-        <a:solidFill>
-          <a:schemeClr val="bg1">
-            <a:lumMod val="95000"/>
-          </a:schemeClr>
-        </a:solidFill>
-        <a:effectLst/>
-      </p:bgPr>
-    </p:bg>
-    <p:spTree>
-      <p:nvGrpSpPr>
-        <p:cNvPr id="1" name=""/>
-        <p:cNvGrpSpPr/>
-        <p:nvPr/>
-      </p:nvGrpSpPr>
-      <p:grpSpPr>
-        <a:xfrm>
-          <a:off x="0" y="0"/>
-          <a:ext cx="0" cy="0"/>
-          <a:chOff x="0" y="0"/>
-          <a:chExt cx="0" cy="0"/>
-        </a:xfrm>
-      </p:grpSpPr>
-      <p:sp>
-        <p:nvSpPr>
-          <p:cNvPr id="11" name="Rectangle 10">
-            <a:extLst>
-              <a:ext uri="{FF2B5EF4-FFF2-40B4-BE49-F238E27FC236}">
-                <a16:creationId xmlns:a16="http://schemas.microsoft.com/office/drawing/2014/main" id="{04BEF3F1-2817-4593-8575-BCF2AAB42CF6}"/>
-              </a:ext>
-            </a:extLst>
-          </p:cNvPr>
-          <p:cNvSpPr>
-            <a:spLocks noGrp="1" noRot="1" noChangeAspect="1" noMove="1" noResize="1" noEditPoints="1" noAdjustHandles="1" noChangeArrowheads="1" noChangeShapeType="1" noTextEdit="1"/>
-          </p:cNvSpPr>
-          <p:nvPr>
-            <p:extLst>
-              <p:ext uri="{386F3935-93C4-4BCD-93E2-E3B085C9AB24}">
-                <p16:designElem xmlns:p16="http://schemas.microsoft.com/office/powerpoint/2015/main" val="1"/>
-              </p:ext>
-            </p:extLst>
-          </p:nvPr>
-        </p:nvSpPr>
-        <p:spPr>
-          <a:xfrm>
-            <a:off x="0" y="0"/>
-            <a:ext cx="12192000" cy="6858000"/>
-          </a:xfrm>
-          <a:prstGeom prst="rect">
-            <a:avLst/>
-          </a:prstGeom>
-          <a:solidFill>
-            <a:srgbClr val="856F4C"/>
-          </a:solidFill>
-          <a:ln>
-            <a:noFill/>
-          </a:ln>
-        </p:spPr>
-        <p:style>
-          <a:lnRef idx="2">
-            <a:schemeClr val="accent1">
-              <a:shade val="50000"/>
-            </a:schemeClr>
-          </a:lnRef>
-          <a:fillRef idx="1">
-            <a:schemeClr val="accent1"/>
-          </a:fillRef>
-          <a:effectRef idx="0">
-            <a:schemeClr val="accent1"/>
-          </a:effectRef>
-          <a:fontRef idx="minor">
-            <a:schemeClr val="lt1"/>
-          </a:fontRef>
-        </p:style>
-        <p:txBody>
-          <a:bodyPr rtlCol="0" anchor="ctr"/>
-          <a:lstStyle/>
-          <a:p>
-            <a:pPr algn="ctr"/>
-            <a:endParaRPr lang="en-US"/>
-          </a:p>
-        </p:txBody>
-      </p:sp>
-      <p:pic>
-        <p:nvPicPr>
-          <p:cNvPr id="6" name="Picture Placeholder 5">
-            <a:extLst>
-              <a:ext uri="{FF2B5EF4-FFF2-40B4-BE49-F238E27FC236}">
-                <a16:creationId xmlns:a16="http://schemas.microsoft.com/office/drawing/2014/main" id="{CFB226FB-FF80-472A-A025-2D0449D649E5}"/>
-              </a:ext>
-            </a:extLst>
-          </p:cNvPr>
-          <p:cNvPicPr>
-            <a:picLocks noGrp="1" noChangeAspect="1"/>
-          </p:cNvPicPr>
-          <p:nvPr>
-            <p:ph type="pic" idx="1"/>
-          </p:nvPr>
-        </p:nvPicPr>
-        <p:blipFill>
-          <a:blip r:embed="rId2"/>
-          <a:stretch>
-            <a:fillRect/>
-          </a:stretch>
-        </p:blipFill>
-        <p:spPr>
-          <a:xfrm>
-            <a:off x="1241748" y="969264"/>
-            <a:ext cx="9708504" cy="4919472"/>
-          </a:xfrm>
-          <a:prstGeom prst="rect">
-            <a:avLst/>
-          </a:prstGeom>
-        </p:spPr>
-      </p:pic>
-      <p:sp>
-        <p:nvSpPr>
-          <p:cNvPr id="13" name="Rectangle 12">
-            <a:extLst>
-              <a:ext uri="{FF2B5EF4-FFF2-40B4-BE49-F238E27FC236}">
-                <a16:creationId xmlns:a16="http://schemas.microsoft.com/office/drawing/2014/main" id="{1FF9A2C9-7772-4A25-A286-C89751B17DB3}"/>
-              </a:ext>
-            </a:extLst>
-          </p:cNvPr>
-          <p:cNvSpPr>
-            <a:spLocks noGrp="1" noRot="1" noChangeAspect="1" noMove="1" noResize="1" noEditPoints="1" noAdjustHandles="1" noChangeArrowheads="1" noChangeShapeType="1" noTextEdit="1"/>
-          </p:cNvSpPr>
-          <p:nvPr>
-            <p:extLst>
-              <p:ext uri="{386F3935-93C4-4BCD-93E2-E3B085C9AB24}">
-                <p16:designElem xmlns:p16="http://schemas.microsoft.com/office/powerpoint/2015/main" val="1"/>
-              </p:ext>
-            </p:extLst>
-          </p:nvPr>
-        </p:nvSpPr>
-        <p:spPr>
-          <a:xfrm>
-            <a:off x="806196" y="804672"/>
-            <a:ext cx="10579608" cy="5248656"/>
-          </a:xfrm>
-          <a:prstGeom prst="rect">
-            <a:avLst/>
-          </a:prstGeom>
-          <a:noFill/>
-          <a:ln w="25400" cap="sq">
-            <a:solidFill>
-              <a:srgbClr val="FFFFFF"/>
-            </a:solidFill>
-            <a:miter lim="800000"/>
-          </a:ln>
-        </p:spPr>
-        <p:style>
-          <a:lnRef idx="2">
-            <a:schemeClr val="accent1">
-              <a:shade val="50000"/>
-            </a:schemeClr>
-          </a:lnRef>
-          <a:fillRef idx="1">
-            <a:schemeClr val="accent1"/>
-          </a:fillRef>
-          <a:effectRef idx="0">
-            <a:schemeClr val="accent1"/>
-          </a:effectRef>
-          <a:fontRef idx="minor">
-            <a:schemeClr val="lt1"/>
-          </a:fontRef>
-        </p:style>
-        <p:txBody>
-          <a:bodyPr rtlCol="0" anchor="ctr"/>
-          <a:lstStyle/>
-          <a:p>
-            <a:pPr algn="ctr"/>
-            <a:endParaRPr lang="en-US"/>
-          </a:p>
-        </p:txBody>
-      </p:sp>
-      <p:sp>
-        <p:nvSpPr>
-          <p:cNvPr id="4" name="Text Placeholder 3">
-            <a:extLst>
-              <a:ext uri="{FF2B5EF4-FFF2-40B4-BE49-F238E27FC236}">
-                <a16:creationId xmlns:a16="http://schemas.microsoft.com/office/drawing/2014/main" id="{9A8C16F9-3767-45D1-BFEE-AE6A7AED6FED}"/>
-              </a:ext>
-            </a:extLst>
-          </p:cNvPr>
-          <p:cNvSpPr>
-            <a:spLocks noGrp="1"/>
-          </p:cNvSpPr>
-          <p:nvPr>
-            <p:ph type="body" sz="half" idx="2"/>
-          </p:nvPr>
-        </p:nvSpPr>
-        <p:spPr>
-          <a:xfrm>
-            <a:off x="7317586" y="1111518"/>
-            <a:ext cx="3794760" cy="2194037"/>
-          </a:xfrm>
-        </p:spPr>
-        <p:txBody>
-          <a:bodyPr/>
-          <a:lstStyle/>
-          <a:p>
-            <a:endParaRPr lang="en-US" dirty="0"/>
-          </a:p>
-        </p:txBody>
-      </p:sp>
-    </p:spTree>
-    <p:extLst>
-      <p:ext uri="{BB962C8B-B14F-4D97-AF65-F5344CB8AC3E}">
-        <p14:creationId xmlns:p14="http://schemas.microsoft.com/office/powerpoint/2010/main" val="3345410681"/>
-      </p:ext>
-    </p:extLst>
-  </p:cSld>
-  <p:clrMapOvr>
-    <a:masterClrMapping/>
-  </p:clrMapOvr>
-</p:sld>
-</file>
-
-<file path=ppt/slides/slide12.xml><?xml version="1.0" encoding="utf-8"?>
-<p:sld xmlns:a="http://schemas.openxmlformats.org/drawingml/2006/main" xmlns:r="http://schemas.openxmlformats.org/officeDocument/2006/relationships" xmlns:p="http://schemas.openxmlformats.org/presentationml/2006/main">
-  <p:cSld>
-    <p:spTree>
-      <p:nvGrpSpPr>
-        <p:cNvPr id="1" name=""/>
-        <p:cNvGrpSpPr/>
-        <p:nvPr/>
-      </p:nvGrpSpPr>
-      <p:grpSpPr>
-        <a:xfrm>
-          <a:off x="0" y="0"/>
-          <a:ext cx="0" cy="0"/>
-          <a:chOff x="0" y="0"/>
-          <a:chExt cx="0" cy="0"/>
-        </a:xfrm>
-      </p:grpSpPr>
-      <p:sp>
-        <p:nvSpPr>
-          <p:cNvPr id="2" name="Title 1">
-            <a:extLst>
-              <a:ext uri="{FF2B5EF4-FFF2-40B4-BE49-F238E27FC236}">
-                <a16:creationId xmlns:a16="http://schemas.microsoft.com/office/drawing/2014/main" id="{02E47EC5-9C2C-45FD-8B1A-2D15724F9C21}"/>
-              </a:ext>
-            </a:extLst>
-          </p:cNvPr>
-          <p:cNvSpPr>
-            <a:spLocks noGrp="1"/>
-          </p:cNvSpPr>
-          <p:nvPr>
-            <p:ph type="title"/>
-          </p:nvPr>
-        </p:nvSpPr>
-        <p:spPr/>
-        <p:txBody>
-          <a:bodyPr/>
-          <a:lstStyle/>
-          <a:p>
-            <a:r>
-              <a:rPr lang="en-US" dirty="0"/>
-              <a:t>Non-counting loops</a:t>
-            </a:r>
-          </a:p>
-        </p:txBody>
-      </p:sp>
-      <p:sp>
-        <p:nvSpPr>
-          <p:cNvPr id="3" name="Content Placeholder 2">
-            <a:extLst>
-              <a:ext uri="{FF2B5EF4-FFF2-40B4-BE49-F238E27FC236}">
-                <a16:creationId xmlns:a16="http://schemas.microsoft.com/office/drawing/2014/main" id="{FB0CF578-ED22-4FF6-A29D-42F74380C691}"/>
-              </a:ext>
-            </a:extLst>
-          </p:cNvPr>
-          <p:cNvSpPr>
-            <a:spLocks noGrp="1"/>
-          </p:cNvSpPr>
-          <p:nvPr>
-            <p:ph idx="1"/>
-          </p:nvPr>
-        </p:nvSpPr>
-        <p:spPr/>
-        <p:txBody>
-          <a:bodyPr/>
-          <a:lstStyle/>
-          <a:p>
-            <a:r>
-              <a:rPr lang="en-US" dirty="0"/>
-              <a:t>So far, the loops we’ve seen execute based on a count. They repeat until we’ve executed the loop a certain number of times.</a:t>
-            </a:r>
-          </a:p>
-          <a:p>
-            <a:r>
-              <a:rPr lang="en-US" dirty="0"/>
-              <a:t>While loops are particularly useful when you don’t know how many times you need to execute the loop</a:t>
-            </a:r>
-          </a:p>
-          <a:p>
-            <a:pPr lvl="1"/>
-            <a:r>
-              <a:rPr lang="en-US" dirty="0"/>
-              <a:t>Loop until reaching a particular value (“sentinel”)</a:t>
-            </a:r>
-          </a:p>
-          <a:p>
-            <a:pPr lvl="1"/>
-            <a:r>
-              <a:rPr lang="en-US" dirty="0"/>
-              <a:t>Loop until a final state is achieved (“flag”)</a:t>
-            </a:r>
-          </a:p>
-        </p:txBody>
-      </p:sp>
-    </p:spTree>
-    <p:extLst>
-      <p:ext uri="{BB962C8B-B14F-4D97-AF65-F5344CB8AC3E}">
-        <p14:creationId xmlns:p14="http://schemas.microsoft.com/office/powerpoint/2010/main" val="1677722654"/>
-      </p:ext>
-    </p:extLst>
-  </p:cSld>
-  <p:clrMapOvr>
-    <a:masterClrMapping/>
-  </p:clrMapOvr>
-</p:sld>
-</file>
-
-<file path=ppt/slides/slide13.xml><?xml version="1.0" encoding="utf-8"?>
-<p:sld xmlns:a="http://schemas.openxmlformats.org/drawingml/2006/main" xmlns:r="http://schemas.openxmlformats.org/officeDocument/2006/relationships" xmlns:p="http://schemas.openxmlformats.org/presentationml/2006/main">
-  <p:cSld>
-    <p:spTree>
-      <p:nvGrpSpPr>
-        <p:cNvPr id="1" name=""/>
-        <p:cNvGrpSpPr/>
-        <p:nvPr/>
-      </p:nvGrpSpPr>
-      <p:grpSpPr>
-        <a:xfrm>
-          <a:off x="0" y="0"/>
-          <a:ext cx="0" cy="0"/>
-          <a:chOff x="0" y="0"/>
-          <a:chExt cx="0" cy="0"/>
-        </a:xfrm>
-      </p:grpSpPr>
-      <p:sp>
-        <p:nvSpPr>
-          <p:cNvPr id="2" name="Title 1">
-            <a:extLst>
-              <a:ext uri="{FF2B5EF4-FFF2-40B4-BE49-F238E27FC236}">
-                <a16:creationId xmlns:a16="http://schemas.microsoft.com/office/drawing/2014/main" id="{D0A9572D-E36A-4D5C-9D68-F03C20CE12FE}"/>
-              </a:ext>
-            </a:extLst>
-          </p:cNvPr>
-          <p:cNvSpPr>
-            <a:spLocks noGrp="1"/>
-          </p:cNvSpPr>
-          <p:nvPr>
-            <p:ph type="title"/>
-          </p:nvPr>
-        </p:nvSpPr>
-        <p:spPr/>
-        <p:txBody>
-          <a:bodyPr/>
-          <a:lstStyle/>
-          <a:p>
-            <a:r>
-              <a:rPr lang="en-US" dirty="0"/>
-              <a:t>Sentinel Controlled Loop</a:t>
-            </a:r>
-          </a:p>
-        </p:txBody>
-      </p:sp>
-      <p:sp>
-        <p:nvSpPr>
-          <p:cNvPr id="3" name="Content Placeholder 2">
-            <a:extLst>
-              <a:ext uri="{FF2B5EF4-FFF2-40B4-BE49-F238E27FC236}">
-                <a16:creationId xmlns:a16="http://schemas.microsoft.com/office/drawing/2014/main" id="{BBCFEA85-6DC6-4EFB-9048-83F84FCC2B31}"/>
-              </a:ext>
-            </a:extLst>
-          </p:cNvPr>
-          <p:cNvSpPr>
-            <a:spLocks noGrp="1"/>
-          </p:cNvSpPr>
-          <p:nvPr>
-            <p:ph idx="1"/>
-          </p:nvPr>
-        </p:nvSpPr>
-        <p:spPr/>
-        <p:txBody>
-          <a:bodyPr/>
-          <a:lstStyle/>
-          <a:p>
-            <a:r>
-              <a:rPr lang="en-US" dirty="0"/>
-              <a:t>A “sentinel” is a value that indicates the loop should end (often user input value)</a:t>
-            </a:r>
-          </a:p>
-          <a:p>
-            <a:r>
-              <a:rPr lang="en-US" dirty="0"/>
-              <a:t>In this way, the loop won’t iterate a predetermined number of times; instead it will end once the “sentinel” value is reached</a:t>
-            </a:r>
-          </a:p>
-          <a:p>
-            <a:endParaRPr lang="en-US" dirty="0"/>
-          </a:p>
-        </p:txBody>
-      </p:sp>
-    </p:spTree>
-    <p:extLst>
-      <p:ext uri="{BB962C8B-B14F-4D97-AF65-F5344CB8AC3E}">
-        <p14:creationId xmlns:p14="http://schemas.microsoft.com/office/powerpoint/2010/main" val="3450426187"/>
-      </p:ext>
-    </p:extLst>
-  </p:cSld>
-  <p:clrMapOvr>
-    <a:masterClrMapping/>
-  </p:clrMapOvr>
-</p:sld>
-</file>
-
-<file path=ppt/slides/slide14.xml><?xml version="1.0" encoding="utf-8"?>
-<p:sld xmlns:a="http://schemas.openxmlformats.org/drawingml/2006/main" xmlns:r="http://schemas.openxmlformats.org/officeDocument/2006/relationships" xmlns:p="http://schemas.openxmlformats.org/presentationml/2006/main">
-  <p:cSld>
-    <p:spTree>
-      <p:nvGrpSpPr>
-        <p:cNvPr id="1" name=""/>
-        <p:cNvGrpSpPr/>
-        <p:nvPr/>
-      </p:nvGrpSpPr>
-      <p:grpSpPr>
-        <a:xfrm>
-          <a:off x="0" y="0"/>
-          <a:ext cx="0" cy="0"/>
-          <a:chOff x="0" y="0"/>
-          <a:chExt cx="0" cy="0"/>
-        </a:xfrm>
-      </p:grpSpPr>
-      <p:sp>
-        <p:nvSpPr>
-          <p:cNvPr id="2" name="Title 1">
-            <a:extLst>
-              <a:ext uri="{FF2B5EF4-FFF2-40B4-BE49-F238E27FC236}">
-                <a16:creationId xmlns:a16="http://schemas.microsoft.com/office/drawing/2014/main" id="{6F5961FC-70CD-49F6-8ABF-3335073E4E17}"/>
-              </a:ext>
-            </a:extLst>
-          </p:cNvPr>
-          <p:cNvSpPr>
-            <a:spLocks noGrp="1"/>
-          </p:cNvSpPr>
-          <p:nvPr>
-            <p:ph type="title"/>
-          </p:nvPr>
-        </p:nvSpPr>
-        <p:spPr/>
-        <p:txBody>
-          <a:bodyPr/>
-          <a:lstStyle/>
-          <a:p>
-            <a:r>
-              <a:rPr lang="en-US" dirty="0"/>
-              <a:t>Example:</a:t>
-            </a:r>
-            <a:br>
-              <a:rPr lang="en-US" dirty="0"/>
-            </a:br>
-            <a:r>
-              <a:rPr lang="en-US" dirty="0"/>
-              <a:t>Sum user input</a:t>
-            </a:r>
-          </a:p>
-        </p:txBody>
-      </p:sp>
-      <p:sp>
-        <p:nvSpPr>
-          <p:cNvPr id="3" name="Content Placeholder 2">
-            <a:extLst>
-              <a:ext uri="{FF2B5EF4-FFF2-40B4-BE49-F238E27FC236}">
-                <a16:creationId xmlns:a16="http://schemas.microsoft.com/office/drawing/2014/main" id="{4B375650-1223-47F3-92FD-0001FC4EC2D6}"/>
-              </a:ext>
-            </a:extLst>
-          </p:cNvPr>
-          <p:cNvSpPr>
-            <a:spLocks noGrp="1"/>
-          </p:cNvSpPr>
-          <p:nvPr>
-            <p:ph idx="1"/>
-          </p:nvPr>
-        </p:nvSpPr>
-        <p:spPr/>
-        <p:txBody>
-          <a:bodyPr/>
-          <a:lstStyle/>
-          <a:p>
-            <a:r>
-              <a:rPr lang="en-US" dirty="0"/>
-              <a:t>Write a program to add up numbers that the user enters.  When the user is finished entering numbers, they will enter the number “0” to indicate they are done. Print out the sum of all the numbers the user entered.</a:t>
-            </a:r>
-          </a:p>
-          <a:p>
-            <a:r>
-              <a:rPr lang="en-US" dirty="0"/>
-              <a:t>In this problem, we don’t know how many numbers the user will enter, so we can’t use a counter variable and stop it at some predetermined endpoint.</a:t>
-            </a:r>
-          </a:p>
-          <a:p>
-            <a:r>
-              <a:rPr lang="en-US" dirty="0"/>
-              <a:t>We will use “0” as our “sentinel” value to denote the end of their input.</a:t>
-            </a:r>
-          </a:p>
-        </p:txBody>
-      </p:sp>
-    </p:spTree>
-    <p:extLst>
-      <p:ext uri="{BB962C8B-B14F-4D97-AF65-F5344CB8AC3E}">
-        <p14:creationId xmlns:p14="http://schemas.microsoft.com/office/powerpoint/2010/main" val="1966113916"/>
-      </p:ext>
-    </p:extLst>
-  </p:cSld>
-  <p:clrMapOvr>
-    <a:masterClrMapping/>
-  </p:clrMapOvr>
-</p:sld>
-</file>
-
-<file path=ppt/slides/slide15.xml><?xml version="1.0" encoding="utf-8"?>
-<p:sld xmlns:a="http://schemas.openxmlformats.org/drawingml/2006/main" xmlns:r="http://schemas.openxmlformats.org/officeDocument/2006/relationships" xmlns:p="http://schemas.openxmlformats.org/presentationml/2006/main">
-  <p:cSld>
-    <p:bg>
-      <p:bgPr>
-        <a:solidFill>
-          <a:schemeClr val="bg1">
-            <a:lumMod val="95000"/>
-          </a:schemeClr>
-        </a:solidFill>
-        <a:effectLst/>
-      </p:bgPr>
-    </p:bg>
-    <p:spTree>
-      <p:nvGrpSpPr>
-        <p:cNvPr id="1" name=""/>
-        <p:cNvGrpSpPr/>
-        <p:nvPr/>
-      </p:nvGrpSpPr>
-      <p:grpSpPr>
-        <a:xfrm>
-          <a:off x="0" y="0"/>
-          <a:ext cx="0" cy="0"/>
-          <a:chOff x="0" y="0"/>
-          <a:chExt cx="0" cy="0"/>
-        </a:xfrm>
-      </p:grpSpPr>
-      <p:sp>
-        <p:nvSpPr>
-          <p:cNvPr id="11" name="Rectangle 10">
-            <a:extLst>
-              <a:ext uri="{FF2B5EF4-FFF2-40B4-BE49-F238E27FC236}">
-                <a16:creationId xmlns:a16="http://schemas.microsoft.com/office/drawing/2014/main" id="{04BEF3F1-2817-4593-8575-BCF2AAB42CF6}"/>
-              </a:ext>
-            </a:extLst>
-          </p:cNvPr>
-          <p:cNvSpPr>
-            <a:spLocks noGrp="1" noRot="1" noChangeAspect="1" noMove="1" noResize="1" noEditPoints="1" noAdjustHandles="1" noChangeArrowheads="1" noChangeShapeType="1" noTextEdit="1"/>
-          </p:cNvSpPr>
-          <p:nvPr>
-            <p:extLst>
-              <p:ext uri="{386F3935-93C4-4BCD-93E2-E3B085C9AB24}">
-                <p16:designElem xmlns:p16="http://schemas.microsoft.com/office/powerpoint/2015/main" val="1"/>
-              </p:ext>
-            </p:extLst>
-          </p:nvPr>
-        </p:nvSpPr>
-        <p:spPr>
-          <a:xfrm>
-            <a:off x="0" y="0"/>
-            <a:ext cx="12192000" cy="6858000"/>
-          </a:xfrm>
-          <a:prstGeom prst="rect">
-            <a:avLst/>
-          </a:prstGeom>
-          <a:solidFill>
-            <a:srgbClr val="856F4C"/>
-          </a:solidFill>
-          <a:ln>
-            <a:noFill/>
-          </a:ln>
-        </p:spPr>
-        <p:style>
-          <a:lnRef idx="2">
-            <a:schemeClr val="accent1">
-              <a:shade val="50000"/>
-            </a:schemeClr>
-          </a:lnRef>
-          <a:fillRef idx="1">
-            <a:schemeClr val="accent1"/>
-          </a:fillRef>
-          <a:effectRef idx="0">
-            <a:schemeClr val="accent1"/>
-          </a:effectRef>
-          <a:fontRef idx="minor">
-            <a:schemeClr val="lt1"/>
-          </a:fontRef>
-        </p:style>
-        <p:txBody>
-          <a:bodyPr rtlCol="0" anchor="ctr"/>
-          <a:lstStyle/>
-          <a:p>
-            <a:pPr algn="ctr"/>
-            <a:endParaRPr lang="en-US"/>
-          </a:p>
-        </p:txBody>
-      </p:sp>
-      <p:pic>
-        <p:nvPicPr>
-          <p:cNvPr id="6" name="Picture Placeholder 5">
-            <a:extLst>
-              <a:ext uri="{FF2B5EF4-FFF2-40B4-BE49-F238E27FC236}">
-                <a16:creationId xmlns:a16="http://schemas.microsoft.com/office/drawing/2014/main" id="{CFB226FB-FF80-472A-A025-2D0449D649E5}"/>
-              </a:ext>
-            </a:extLst>
-          </p:cNvPr>
-          <p:cNvPicPr>
-            <a:picLocks noGrp="1" noChangeAspect="1"/>
-          </p:cNvPicPr>
-          <p:nvPr>
-            <p:ph type="pic" idx="1"/>
-          </p:nvPr>
-        </p:nvPicPr>
-        <p:blipFill>
-          <a:blip r:embed="rId2"/>
-          <a:stretch>
-            <a:fillRect/>
-          </a:stretch>
-        </p:blipFill>
-        <p:spPr>
-          <a:xfrm>
-            <a:off x="2909038" y="969264"/>
-            <a:ext cx="6373924" cy="4919472"/>
-          </a:xfrm>
-          <a:prstGeom prst="rect">
-            <a:avLst/>
-          </a:prstGeom>
-        </p:spPr>
-      </p:pic>
-      <p:sp>
-        <p:nvSpPr>
-          <p:cNvPr id="13" name="Rectangle 12">
-            <a:extLst>
-              <a:ext uri="{FF2B5EF4-FFF2-40B4-BE49-F238E27FC236}">
-                <a16:creationId xmlns:a16="http://schemas.microsoft.com/office/drawing/2014/main" id="{1FF9A2C9-7772-4A25-A286-C89751B17DB3}"/>
-              </a:ext>
-            </a:extLst>
-          </p:cNvPr>
-          <p:cNvSpPr>
-            <a:spLocks noGrp="1" noRot="1" noChangeAspect="1" noMove="1" noResize="1" noEditPoints="1" noAdjustHandles="1" noChangeArrowheads="1" noChangeShapeType="1" noTextEdit="1"/>
-          </p:cNvSpPr>
-          <p:nvPr>
-            <p:extLst>
-              <p:ext uri="{386F3935-93C4-4BCD-93E2-E3B085C9AB24}">
-                <p16:designElem xmlns:p16="http://schemas.microsoft.com/office/powerpoint/2015/main" val="1"/>
-              </p:ext>
-            </p:extLst>
-          </p:nvPr>
-        </p:nvSpPr>
-        <p:spPr>
-          <a:xfrm>
-            <a:off x="806196" y="804672"/>
-            <a:ext cx="10579608" cy="5248656"/>
-          </a:xfrm>
-          <a:prstGeom prst="rect">
-            <a:avLst/>
-          </a:prstGeom>
-          <a:noFill/>
-          <a:ln w="25400" cap="sq">
-            <a:solidFill>
-              <a:srgbClr val="FFFFFF"/>
-            </a:solidFill>
-            <a:miter lim="800000"/>
-          </a:ln>
-        </p:spPr>
-        <p:style>
-          <a:lnRef idx="2">
-            <a:schemeClr val="accent1">
-              <a:shade val="50000"/>
-            </a:schemeClr>
-          </a:lnRef>
-          <a:fillRef idx="1">
-            <a:schemeClr val="accent1"/>
-          </a:fillRef>
-          <a:effectRef idx="0">
-            <a:schemeClr val="accent1"/>
-          </a:effectRef>
-          <a:fontRef idx="minor">
-            <a:schemeClr val="lt1"/>
-          </a:fontRef>
-        </p:style>
-        <p:txBody>
-          <a:bodyPr rtlCol="0" anchor="ctr"/>
-          <a:lstStyle/>
-          <a:p>
-            <a:pPr algn="ctr"/>
-            <a:endParaRPr lang="en-US"/>
-          </a:p>
-        </p:txBody>
-      </p:sp>
-    </p:spTree>
-    <p:extLst>
-      <p:ext uri="{BB962C8B-B14F-4D97-AF65-F5344CB8AC3E}">
-        <p14:creationId xmlns:p14="http://schemas.microsoft.com/office/powerpoint/2010/main" val="3943323334"/>
-      </p:ext>
-    </p:extLst>
-  </p:cSld>
-  <p:clrMapOvr>
-    <a:masterClrMapping/>
-  </p:clrMapOvr>
-</p:sld>
-</file>
-
-<file path=ppt/slides/slide16.xml><?xml version="1.0" encoding="utf-8"?>
-<p:sld xmlns:a="http://schemas.openxmlformats.org/drawingml/2006/main" xmlns:r="http://schemas.openxmlformats.org/officeDocument/2006/relationships" xmlns:p="http://schemas.openxmlformats.org/presentationml/2006/main">
-  <p:cSld>
-    <p:spTree>
-      <p:nvGrpSpPr>
-        <p:cNvPr id="1" name=""/>
-        <p:cNvGrpSpPr/>
-        <p:nvPr/>
-      </p:nvGrpSpPr>
-      <p:grpSpPr>
-        <a:xfrm>
-          <a:off x="0" y="0"/>
-          <a:ext cx="0" cy="0"/>
-          <a:chOff x="0" y="0"/>
-          <a:chExt cx="0" cy="0"/>
-        </a:xfrm>
-      </p:grpSpPr>
-      <p:sp>
-        <p:nvSpPr>
-          <p:cNvPr id="2" name="Title 1">
-            <a:extLst>
-              <a:ext uri="{FF2B5EF4-FFF2-40B4-BE49-F238E27FC236}">
-                <a16:creationId xmlns:a16="http://schemas.microsoft.com/office/drawing/2014/main" id="{0FC489B7-6D59-4F3C-9A4B-3DC95450DEA9}"/>
-              </a:ext>
-            </a:extLst>
-          </p:cNvPr>
-          <p:cNvSpPr>
-            <a:spLocks noGrp="1"/>
-          </p:cNvSpPr>
-          <p:nvPr>
-            <p:ph type="title"/>
-          </p:nvPr>
-        </p:nvSpPr>
-        <p:spPr/>
-        <p:txBody>
-          <a:bodyPr/>
-          <a:lstStyle/>
-          <a:p>
-            <a:r>
-              <a:rPr lang="en-US" dirty="0"/>
-              <a:t>Flag Controlled Loop</a:t>
-            </a:r>
-          </a:p>
-        </p:txBody>
-      </p:sp>
-      <p:sp>
-        <p:nvSpPr>
-          <p:cNvPr id="3" name="Content Placeholder 2">
-            <a:extLst>
-              <a:ext uri="{FF2B5EF4-FFF2-40B4-BE49-F238E27FC236}">
-                <a16:creationId xmlns:a16="http://schemas.microsoft.com/office/drawing/2014/main" id="{64683ECA-4E2A-4E4D-80E9-110A1554EA6F}"/>
-              </a:ext>
-            </a:extLst>
-          </p:cNvPr>
-          <p:cNvSpPr>
-            <a:spLocks noGrp="1"/>
-          </p:cNvSpPr>
-          <p:nvPr>
-            <p:ph idx="1"/>
-          </p:nvPr>
-        </p:nvSpPr>
-        <p:spPr/>
-        <p:txBody>
-          <a:bodyPr/>
-          <a:lstStyle/>
-          <a:p>
-            <a:r>
-              <a:rPr lang="en-US" dirty="0"/>
-              <a:t>If we write a loop as “while True:” or “while False:” it will either run forever,  or never run, respectively.</a:t>
-            </a:r>
-          </a:p>
-          <a:p>
-            <a:r>
-              <a:rPr lang="en-US" dirty="0"/>
-              <a:t>If we use a variable that’s first set to True and then we change it to False when we’ve reached whatever condition should end the loop, we can run the loop as many times as necessary to reach that goal.</a:t>
-            </a:r>
-          </a:p>
-          <a:p>
-            <a:r>
-              <a:rPr lang="en-US" dirty="0"/>
-              <a:t>That’s the idea behind a “flag.” We’ll set the flag variable to True or False and change its value based on whether we’ve need to execute the loop or not.</a:t>
-            </a:r>
-          </a:p>
-        </p:txBody>
-      </p:sp>
-    </p:spTree>
-    <p:extLst>
-      <p:ext uri="{BB962C8B-B14F-4D97-AF65-F5344CB8AC3E}">
-        <p14:creationId xmlns:p14="http://schemas.microsoft.com/office/powerpoint/2010/main" val="3806656407"/>
-      </p:ext>
-    </p:extLst>
-  </p:cSld>
-  <p:clrMapOvr>
-    <a:masterClrMapping/>
-  </p:clrMapOvr>
-</p:sld>
-</file>
-
-<file path=ppt/slides/slide17.xml><?xml version="1.0" encoding="utf-8"?>
-<p:sld xmlns:a="http://schemas.openxmlformats.org/drawingml/2006/main" xmlns:r="http://schemas.openxmlformats.org/officeDocument/2006/relationships" xmlns:p="http://schemas.openxmlformats.org/presentationml/2006/main">
-  <p:cSld>
-    <p:spTree>
-      <p:nvGrpSpPr>
-        <p:cNvPr id="1" name=""/>
-        <p:cNvGrpSpPr/>
-        <p:nvPr/>
-      </p:nvGrpSpPr>
-      <p:grpSpPr>
-        <a:xfrm>
-          <a:off x="0" y="0"/>
-          <a:ext cx="0" cy="0"/>
-          <a:chOff x="0" y="0"/>
-          <a:chExt cx="0" cy="0"/>
-        </a:xfrm>
-      </p:grpSpPr>
-      <p:sp>
-        <p:nvSpPr>
-          <p:cNvPr id="2" name="Title 1">
-            <a:extLst>
-              <a:ext uri="{FF2B5EF4-FFF2-40B4-BE49-F238E27FC236}">
-                <a16:creationId xmlns:a16="http://schemas.microsoft.com/office/drawing/2014/main" id="{6F5961FC-70CD-49F6-8ABF-3335073E4E17}"/>
-              </a:ext>
-            </a:extLst>
-          </p:cNvPr>
-          <p:cNvSpPr>
-            <a:spLocks noGrp="1"/>
-          </p:cNvSpPr>
-          <p:nvPr>
-            <p:ph type="title"/>
-          </p:nvPr>
-        </p:nvSpPr>
-        <p:spPr/>
-        <p:txBody>
-          <a:bodyPr/>
-          <a:lstStyle/>
-          <a:p>
-            <a:r>
-              <a:rPr lang="en-US" dirty="0"/>
-              <a:t>Example:</a:t>
-            </a:r>
-            <a:br>
-              <a:rPr lang="en-US" dirty="0"/>
-            </a:br>
-            <a:r>
-              <a:rPr lang="en-US" dirty="0"/>
-              <a:t>Snake eyes</a:t>
-            </a:r>
-          </a:p>
-        </p:txBody>
-      </p:sp>
-      <p:sp>
-        <p:nvSpPr>
-          <p:cNvPr id="3" name="Content Placeholder 2">
-            <a:extLst>
-              <a:ext uri="{FF2B5EF4-FFF2-40B4-BE49-F238E27FC236}">
-                <a16:creationId xmlns:a16="http://schemas.microsoft.com/office/drawing/2014/main" id="{4B375650-1223-47F3-92FD-0001FC4EC2D6}"/>
-              </a:ext>
-            </a:extLst>
-          </p:cNvPr>
-          <p:cNvSpPr>
-            <a:spLocks noGrp="1"/>
-          </p:cNvSpPr>
-          <p:nvPr>
-            <p:ph idx="1"/>
-          </p:nvPr>
-        </p:nvSpPr>
-        <p:spPr/>
-        <p:txBody>
-          <a:bodyPr/>
-          <a:lstStyle/>
-          <a:p>
-            <a:r>
-              <a:rPr lang="en-US" dirty="0"/>
-              <a:t>Write a program to simulate rolling 2 6-sided dice and continue rolling until you get the sum on the dice to be 2.</a:t>
-            </a:r>
-          </a:p>
-          <a:p>
-            <a:r>
-              <a:rPr lang="en-US" dirty="0"/>
-              <a:t>In this problem, we don’t know how many rolls it will take to get the sum to be 2, so a while loop with a flag to indicate that we’ve reached our goal of 2 will work well</a:t>
-            </a:r>
-          </a:p>
-        </p:txBody>
-      </p:sp>
-    </p:spTree>
-    <p:extLst>
-      <p:ext uri="{BB962C8B-B14F-4D97-AF65-F5344CB8AC3E}">
-        <p14:creationId xmlns:p14="http://schemas.microsoft.com/office/powerpoint/2010/main" val="838518903"/>
-      </p:ext>
-    </p:extLst>
-  </p:cSld>
-  <p:clrMapOvr>
-    <a:masterClrMapping/>
-  </p:clrMapOvr>
-</p:sld>
-</file>
-
-<file path=ppt/slides/slide18.xml><?xml version="1.0" encoding="utf-8"?>
-<p:sld xmlns:a="http://schemas.openxmlformats.org/drawingml/2006/main" xmlns:r="http://schemas.openxmlformats.org/officeDocument/2006/relationships" xmlns:p="http://schemas.openxmlformats.org/presentationml/2006/main">
-  <p:cSld>
-    <p:bg>
-      <p:bgPr>
-        <a:solidFill>
-          <a:schemeClr val="bg1">
-            <a:lumMod val="95000"/>
-          </a:schemeClr>
-        </a:solidFill>
-        <a:effectLst/>
-      </p:bgPr>
-    </p:bg>
-    <p:spTree>
-      <p:nvGrpSpPr>
-        <p:cNvPr id="1" name=""/>
-        <p:cNvGrpSpPr/>
-        <p:nvPr/>
-      </p:nvGrpSpPr>
-      <p:grpSpPr>
-        <a:xfrm>
-          <a:off x="0" y="0"/>
-          <a:ext cx="0" cy="0"/>
-          <a:chOff x="0" y="0"/>
-          <a:chExt cx="0" cy="0"/>
-        </a:xfrm>
-      </p:grpSpPr>
-      <p:sp>
-        <p:nvSpPr>
-          <p:cNvPr id="11" name="Rectangle 10">
-            <a:extLst>
-              <a:ext uri="{FF2B5EF4-FFF2-40B4-BE49-F238E27FC236}">
-                <a16:creationId xmlns:a16="http://schemas.microsoft.com/office/drawing/2014/main" id="{04BEF3F1-2817-4593-8575-BCF2AAB42CF6}"/>
-              </a:ext>
-            </a:extLst>
-          </p:cNvPr>
-          <p:cNvSpPr>
-            <a:spLocks noGrp="1" noRot="1" noChangeAspect="1" noMove="1" noResize="1" noEditPoints="1" noAdjustHandles="1" noChangeArrowheads="1" noChangeShapeType="1" noTextEdit="1"/>
-          </p:cNvSpPr>
-          <p:nvPr>
-            <p:extLst>
-              <p:ext uri="{386F3935-93C4-4BCD-93E2-E3B085C9AB24}">
-                <p16:designElem xmlns:p16="http://schemas.microsoft.com/office/powerpoint/2015/main" val="1"/>
-              </p:ext>
-            </p:extLst>
-          </p:nvPr>
-        </p:nvSpPr>
-        <p:spPr>
-          <a:xfrm>
-            <a:off x="0" y="0"/>
-            <a:ext cx="12192000" cy="6858000"/>
-          </a:xfrm>
-          <a:prstGeom prst="rect">
-            <a:avLst/>
-          </a:prstGeom>
-          <a:solidFill>
-            <a:srgbClr val="856F4C"/>
-          </a:solidFill>
-          <a:ln>
-            <a:noFill/>
-          </a:ln>
-        </p:spPr>
-        <p:style>
-          <a:lnRef idx="2">
-            <a:schemeClr val="accent1">
-              <a:shade val="50000"/>
-            </a:schemeClr>
-          </a:lnRef>
-          <a:fillRef idx="1">
-            <a:schemeClr val="accent1"/>
-          </a:fillRef>
-          <a:effectRef idx="0">
-            <a:schemeClr val="accent1"/>
-          </a:effectRef>
-          <a:fontRef idx="minor">
-            <a:schemeClr val="lt1"/>
-          </a:fontRef>
-        </p:style>
-        <p:txBody>
-          <a:bodyPr rtlCol="0" anchor="ctr"/>
-          <a:lstStyle/>
-          <a:p>
-            <a:pPr algn="ctr"/>
-            <a:endParaRPr lang="en-US"/>
-          </a:p>
-        </p:txBody>
-      </p:sp>
-      <p:pic>
-        <p:nvPicPr>
-          <p:cNvPr id="6" name="Picture Placeholder 5">
-            <a:extLst>
-              <a:ext uri="{FF2B5EF4-FFF2-40B4-BE49-F238E27FC236}">
-                <a16:creationId xmlns:a16="http://schemas.microsoft.com/office/drawing/2014/main" id="{CFB226FB-FF80-472A-A025-2D0449D649E5}"/>
-              </a:ext>
-            </a:extLst>
-          </p:cNvPr>
-          <p:cNvPicPr>
-            <a:picLocks noGrp="1" noChangeAspect="1"/>
-          </p:cNvPicPr>
-          <p:nvPr>
-            <p:ph type="pic" idx="1"/>
-          </p:nvPr>
-        </p:nvPicPr>
-        <p:blipFill>
-          <a:blip r:embed="rId2"/>
-          <a:stretch>
-            <a:fillRect/>
-          </a:stretch>
-        </p:blipFill>
-        <p:spPr>
-          <a:xfrm>
-            <a:off x="4432982" y="1059817"/>
-            <a:ext cx="3326035" cy="4738364"/>
-          </a:xfrm>
-          <a:prstGeom prst="rect">
-            <a:avLst/>
-          </a:prstGeom>
-        </p:spPr>
-      </p:pic>
-      <p:sp>
-        <p:nvSpPr>
-          <p:cNvPr id="13" name="Rectangle 12">
-            <a:extLst>
-              <a:ext uri="{FF2B5EF4-FFF2-40B4-BE49-F238E27FC236}">
-                <a16:creationId xmlns:a16="http://schemas.microsoft.com/office/drawing/2014/main" id="{1FF9A2C9-7772-4A25-A286-C89751B17DB3}"/>
-              </a:ext>
-            </a:extLst>
-          </p:cNvPr>
-          <p:cNvSpPr>
-            <a:spLocks noGrp="1" noRot="1" noChangeAspect="1" noMove="1" noResize="1" noEditPoints="1" noAdjustHandles="1" noChangeArrowheads="1" noChangeShapeType="1" noTextEdit="1"/>
-          </p:cNvSpPr>
-          <p:nvPr>
-            <p:extLst>
-              <p:ext uri="{386F3935-93C4-4BCD-93E2-E3B085C9AB24}">
-                <p16:designElem xmlns:p16="http://schemas.microsoft.com/office/powerpoint/2015/main" val="1"/>
-              </p:ext>
-            </p:extLst>
-          </p:nvPr>
-        </p:nvSpPr>
-        <p:spPr>
-          <a:xfrm>
-            <a:off x="806196" y="804672"/>
-            <a:ext cx="10579608" cy="5248656"/>
-          </a:xfrm>
-          <a:prstGeom prst="rect">
-            <a:avLst/>
-          </a:prstGeom>
-          <a:noFill/>
-          <a:ln w="25400" cap="sq">
-            <a:solidFill>
-              <a:srgbClr val="FFFFFF"/>
-            </a:solidFill>
-            <a:miter lim="800000"/>
-          </a:ln>
-        </p:spPr>
-        <p:style>
-          <a:lnRef idx="2">
-            <a:schemeClr val="accent1">
-              <a:shade val="50000"/>
-            </a:schemeClr>
-          </a:lnRef>
-          <a:fillRef idx="1">
-            <a:schemeClr val="accent1"/>
-          </a:fillRef>
-          <a:effectRef idx="0">
-            <a:schemeClr val="accent1"/>
-          </a:effectRef>
-          <a:fontRef idx="minor">
-            <a:schemeClr val="lt1"/>
-          </a:fontRef>
-        </p:style>
-        <p:txBody>
-          <a:bodyPr rtlCol="0" anchor="ctr"/>
-          <a:lstStyle/>
-          <a:p>
-            <a:pPr algn="ctr"/>
-            <a:endParaRPr lang="en-US"/>
-          </a:p>
-        </p:txBody>
-      </p:sp>
-    </p:spTree>
-    <p:extLst>
-      <p:ext uri="{BB962C8B-B14F-4D97-AF65-F5344CB8AC3E}">
-        <p14:creationId xmlns:p14="http://schemas.microsoft.com/office/powerpoint/2010/main" val="2191182412"/>
-      </p:ext>
-    </p:extLst>
-  </p:cSld>
-  <p:clrMapOvr>
-    <a:masterClrMapping/>
-  </p:clrMapOvr>
-</p:sld>
-</file>
-
-<file path=ppt/slides/slide19.xml><?xml version="1.0" encoding="utf-8"?>
-<p:sld xmlns:a="http://schemas.openxmlformats.org/drawingml/2006/main" xmlns:r="http://schemas.openxmlformats.org/officeDocument/2006/relationships" xmlns:p="http://schemas.openxmlformats.org/presentationml/2006/main">
-  <p:cSld>
-    <p:spTree>
-      <p:nvGrpSpPr>
-        <p:cNvPr id="1" name=""/>
-        <p:cNvGrpSpPr/>
-        <p:nvPr/>
-      </p:nvGrpSpPr>
-      <p:grpSpPr>
-        <a:xfrm>
-          <a:off x="0" y="0"/>
-          <a:ext cx="0" cy="0"/>
-          <a:chOff x="0" y="0"/>
-          <a:chExt cx="0" cy="0"/>
-        </a:xfrm>
-      </p:grpSpPr>
-      <p:sp>
-        <p:nvSpPr>
-          <p:cNvPr id="2" name="Title 1">
-            <a:extLst>
-              <a:ext uri="{FF2B5EF4-FFF2-40B4-BE49-F238E27FC236}">
-                <a16:creationId xmlns:a16="http://schemas.microsoft.com/office/drawing/2014/main" id="{8621EB94-5B22-4940-BAFB-EFB522742991}"/>
-              </a:ext>
-            </a:extLst>
-          </p:cNvPr>
-          <p:cNvSpPr>
-            <a:spLocks noGrp="1"/>
-          </p:cNvSpPr>
-          <p:nvPr>
-            <p:ph type="title"/>
-          </p:nvPr>
-        </p:nvSpPr>
-        <p:spPr/>
-        <p:txBody>
-          <a:bodyPr/>
-          <a:lstStyle/>
-          <a:p>
-            <a:r>
-              <a:rPr lang="en-US" dirty="0"/>
-              <a:t>Hints for Problems</a:t>
-            </a:r>
-          </a:p>
-        </p:txBody>
-      </p:sp>
-      <p:sp>
-        <p:nvSpPr>
-          <p:cNvPr id="3" name="Content Placeholder 2">
-            <a:extLst>
-              <a:ext uri="{FF2B5EF4-FFF2-40B4-BE49-F238E27FC236}">
-                <a16:creationId xmlns:a16="http://schemas.microsoft.com/office/drawing/2014/main" id="{A0ADBA72-396B-45D0-94D0-3978BCDA47A2}"/>
-              </a:ext>
-            </a:extLst>
-          </p:cNvPr>
-          <p:cNvSpPr>
-            <a:spLocks noGrp="1"/>
-          </p:cNvSpPr>
-          <p:nvPr>
-            <p:ph idx="1"/>
-          </p:nvPr>
-        </p:nvSpPr>
-        <p:spPr/>
-        <p:txBody>
-          <a:bodyPr/>
-          <a:lstStyle/>
-          <a:p>
-            <a:r>
-              <a:rPr lang="en-US" dirty="0"/>
-              <a:t>In the above examples, we changed our variable that controls the loop by one (e.g. count = count + 1)</a:t>
-            </a:r>
-          </a:p>
-          <a:p>
-            <a:r>
-              <a:rPr lang="en-US" dirty="0"/>
-              <a:t>However, you can change that variable by any amount, including subtracting from it.</a:t>
-            </a:r>
-          </a:p>
-          <a:p>
-            <a:r>
-              <a:rPr lang="en-US" dirty="0"/>
-              <a:t>Recall “modulus.” Mod is the remainder when you divide 2 numbers. If the number divide evenly, then the mod of the 2 numbers (remainder) is 0.</a:t>
-            </a:r>
-          </a:p>
-        </p:txBody>
-      </p:sp>
-    </p:spTree>
-    <p:extLst>
-      <p:ext uri="{BB962C8B-B14F-4D97-AF65-F5344CB8AC3E}">
-        <p14:creationId xmlns:p14="http://schemas.microsoft.com/office/powerpoint/2010/main" val="2025216280"/>
-      </p:ext>
-    </p:extLst>
-  </p:cSld>
-  <p:clrMapOvr>
-    <a:masterClrMapping/>
-  </p:clrMapOvr>
-</p:sld>
-</file>
-
-<file path=ppt/slides/slide2.xml><?xml version="1.0" encoding="utf-8"?>
-<p:sld xmlns:a="http://schemas.openxmlformats.org/drawingml/2006/main" xmlns:r="http://schemas.openxmlformats.org/officeDocument/2006/relationships" xmlns:p="http://schemas.openxmlformats.org/presentationml/2006/main">
-  <p:cSld>
-    <p:spTree>
-      <p:nvGrpSpPr>
-        <p:cNvPr id="1" name=""/>
-        <p:cNvGrpSpPr/>
-        <p:nvPr/>
-      </p:nvGrpSpPr>
-      <p:grpSpPr>
-        <a:xfrm>
-          <a:off x="0" y="0"/>
-          <a:ext cx="0" cy="0"/>
-          <a:chOff x="0" y="0"/>
-          <a:chExt cx="0" cy="0"/>
-        </a:xfrm>
-      </p:grpSpPr>
-      <p:sp>
-        <p:nvSpPr>
-          <p:cNvPr id="2" name="Title 1">
-            <a:extLst>
-              <a:ext uri="{FF2B5EF4-FFF2-40B4-BE49-F238E27FC236}">
-                <a16:creationId xmlns:a16="http://schemas.microsoft.com/office/drawing/2014/main" id="{0C9DAE7E-37DE-4C5D-908F-55B8D87F3B2E}"/>
-              </a:ext>
-            </a:extLst>
-          </p:cNvPr>
-          <p:cNvSpPr>
-            <a:spLocks noGrp="1"/>
-          </p:cNvSpPr>
-          <p:nvPr>
-            <p:ph type="title"/>
-          </p:nvPr>
-        </p:nvSpPr>
-        <p:spPr/>
-        <p:txBody>
-          <a:bodyPr/>
-          <a:lstStyle/>
-          <a:p>
-            <a:r>
-              <a:rPr lang="en-US" dirty="0"/>
-              <a:t>If Review</a:t>
-            </a:r>
-          </a:p>
-        </p:txBody>
-      </p:sp>
-      <p:sp>
-        <p:nvSpPr>
-          <p:cNvPr id="3" name="Content Placeholder 2">
-            <a:extLst>
-              <a:ext uri="{FF2B5EF4-FFF2-40B4-BE49-F238E27FC236}">
-                <a16:creationId xmlns:a16="http://schemas.microsoft.com/office/drawing/2014/main" id="{CA01F07D-FD15-486E-9BAC-F39579B06C00}"/>
-              </a:ext>
-            </a:extLst>
-          </p:cNvPr>
-          <p:cNvSpPr>
-            <a:spLocks noGrp="1"/>
-          </p:cNvSpPr>
-          <p:nvPr>
-            <p:ph idx="1"/>
-          </p:nvPr>
-        </p:nvSpPr>
-        <p:spPr/>
-        <p:txBody>
-          <a:bodyPr/>
-          <a:lstStyle/>
-          <a:p>
-            <a:r>
-              <a:rPr lang="en-US" dirty="0"/>
-              <a:t>If Statements evaluate a “Boolean” condition</a:t>
-            </a:r>
-          </a:p>
-          <a:p>
-            <a:pPr lvl="1"/>
-            <a:r>
-              <a:rPr lang="en-US" dirty="0"/>
-              <a:t>Boolean condition – evaluates to True or False</a:t>
-            </a:r>
-          </a:p>
-          <a:p>
-            <a:r>
-              <a:rPr lang="en-US" dirty="0"/>
-              <a:t>If the condition is true, the code inside the If Statement will execute</a:t>
-            </a:r>
-          </a:p>
-          <a:p>
-            <a:pPr lvl="1"/>
-            <a:r>
-              <a:rPr lang="en-US" dirty="0"/>
-              <a:t>Use indentation to indicate what code is controlled by the If Statement</a:t>
-            </a:r>
-          </a:p>
-          <a:p>
-            <a:r>
-              <a:rPr lang="en-US" dirty="0"/>
-              <a:t>So far our code executes top to bottom and never goes back up</a:t>
-            </a:r>
-          </a:p>
-          <a:p>
-            <a:pPr lvl="1"/>
-            <a:r>
-              <a:rPr lang="en-US" dirty="0"/>
-              <a:t>Loops let us go back up and repeat code</a:t>
-            </a:r>
-          </a:p>
-          <a:p>
-            <a:endParaRPr lang="en-US" dirty="0"/>
-          </a:p>
-        </p:txBody>
-      </p:sp>
-    </p:spTree>
-    <p:extLst>
-      <p:ext uri="{BB962C8B-B14F-4D97-AF65-F5344CB8AC3E}">
-        <p14:creationId xmlns:p14="http://schemas.microsoft.com/office/powerpoint/2010/main" val="2673233627"/>
-      </p:ext>
-    </p:extLst>
-  </p:cSld>
-  <p:clrMapOvr>
-    <a:masterClrMapping/>
-  </p:clrMapOvr>
-</p:sld>
-</file>
-
-<file path=ppt/slides/slide20.xml><?xml version="1.0" encoding="utf-8"?>
-<p:sld xmlns:a="http://schemas.openxmlformats.org/drawingml/2006/main" xmlns:r="http://schemas.openxmlformats.org/officeDocument/2006/relationships" xmlns:p="http://schemas.openxmlformats.org/presentationml/2006/main">
-  <p:cSld>
-    <p:spTree>
-      <p:nvGrpSpPr>
-        <p:cNvPr id="1" name=""/>
-        <p:cNvGrpSpPr/>
-        <p:nvPr/>
-      </p:nvGrpSpPr>
-      <p:grpSpPr>
-        <a:xfrm>
-          <a:off x="0" y="0"/>
-          <a:ext cx="0" cy="0"/>
-          <a:chOff x="0" y="0"/>
-          <a:chExt cx="0" cy="0"/>
-        </a:xfrm>
-      </p:grpSpPr>
-      <p:sp>
-        <p:nvSpPr>
-          <p:cNvPr id="2" name="Title 1">
-            <a:extLst>
-              <a:ext uri="{FF2B5EF4-FFF2-40B4-BE49-F238E27FC236}">
-                <a16:creationId xmlns:a16="http://schemas.microsoft.com/office/drawing/2014/main" id="{E6AA549E-CEB9-4612-84DC-E44A7C2C8AD1}"/>
-              </a:ext>
-            </a:extLst>
-          </p:cNvPr>
-          <p:cNvSpPr>
-            <a:spLocks noGrp="1"/>
-          </p:cNvSpPr>
-          <p:nvPr>
-            <p:ph type="title"/>
-          </p:nvPr>
-        </p:nvSpPr>
-        <p:spPr/>
-        <p:txBody>
-          <a:bodyPr/>
-          <a:lstStyle/>
-          <a:p>
-            <a:r>
-              <a:rPr lang="en-US" dirty="0"/>
-              <a:t>KEY POINTs</a:t>
-            </a:r>
-          </a:p>
-        </p:txBody>
-      </p:sp>
-      <p:sp>
-        <p:nvSpPr>
-          <p:cNvPr id="3" name="Content Placeholder 2">
-            <a:extLst>
-              <a:ext uri="{FF2B5EF4-FFF2-40B4-BE49-F238E27FC236}">
-                <a16:creationId xmlns:a16="http://schemas.microsoft.com/office/drawing/2014/main" id="{7C3857BA-3EF1-49F5-A637-1A13E0BA0968}"/>
-              </a:ext>
-            </a:extLst>
-          </p:cNvPr>
-          <p:cNvSpPr>
-            <a:spLocks noGrp="1"/>
-          </p:cNvSpPr>
-          <p:nvPr>
-            <p:ph idx="1"/>
-          </p:nvPr>
-        </p:nvSpPr>
-        <p:spPr/>
-        <p:txBody>
-          <a:bodyPr>
-            <a:normAutofit lnSpcReduction="10000"/>
-          </a:bodyPr>
-          <a:lstStyle/>
-          <a:p>
-            <a:r>
-              <a:rPr lang="en-US" dirty="0"/>
-              <a:t>Syntax: </a:t>
-            </a:r>
-          </a:p>
-          <a:p>
-            <a:pPr marL="0" indent="0">
-              <a:buNone/>
-            </a:pPr>
-            <a:r>
-              <a:rPr lang="en-US" dirty="0"/>
-              <a:t>	while &lt;condition&gt;:</a:t>
-            </a:r>
-          </a:p>
-          <a:p>
-            <a:pPr marL="0" indent="0">
-              <a:buNone/>
-            </a:pPr>
-            <a:r>
-              <a:rPr lang="en-US" dirty="0"/>
-              <a:t>	     statement1</a:t>
-            </a:r>
-          </a:p>
-          <a:p>
-            <a:pPr marL="0" indent="0">
-              <a:buNone/>
-            </a:pPr>
-            <a:r>
-              <a:rPr lang="en-US" dirty="0"/>
-              <a:t>	statement2</a:t>
-            </a:r>
-          </a:p>
-          <a:p>
-            <a:pPr lvl="1"/>
-            <a:r>
-              <a:rPr lang="en-US" dirty="0"/>
-              <a:t>Everything indented below the while is repeated every time we enter the loop (statement1 in the example above)</a:t>
-            </a:r>
-          </a:p>
-          <a:p>
-            <a:pPr lvl="1"/>
-            <a:r>
-              <a:rPr lang="en-US" dirty="0"/>
-              <a:t>Once you indent back to the left, the code is outside the while; it’s what happens once the while condition is false (statement2 in the example above)</a:t>
-            </a:r>
-          </a:p>
-          <a:p>
-            <a:pPr lvl="1"/>
-            <a:r>
-              <a:rPr lang="en-US" dirty="0"/>
-              <a:t>&lt;condition&gt; is a Boolean condition (evaluates to true or false)</a:t>
-            </a:r>
-          </a:p>
-          <a:p>
-            <a:endParaRPr lang="en-US" dirty="0"/>
-          </a:p>
-        </p:txBody>
-      </p:sp>
-    </p:spTree>
-    <p:extLst>
-      <p:ext uri="{BB962C8B-B14F-4D97-AF65-F5344CB8AC3E}">
-        <p14:creationId xmlns:p14="http://schemas.microsoft.com/office/powerpoint/2010/main" val="515540744"/>
-      </p:ext>
-    </p:extLst>
-  </p:cSld>
-  <p:clrMapOvr>
-    <a:masterClrMapping/>
-  </p:clrMapOvr>
-</p:sld>
-</file>
-
-<file path=ppt/slides/slide21.xml><?xml version="1.0" encoding="utf-8"?>
-<p:sld xmlns:a="http://schemas.openxmlformats.org/drawingml/2006/main" xmlns:r="http://schemas.openxmlformats.org/officeDocument/2006/relationships" xmlns:p="http://schemas.openxmlformats.org/presentationml/2006/main">
-  <p:cSld>
-    <p:spTree>
-      <p:nvGrpSpPr>
-        <p:cNvPr id="1" name=""/>
-        <p:cNvGrpSpPr/>
-        <p:nvPr/>
-      </p:nvGrpSpPr>
-      <p:grpSpPr>
-        <a:xfrm>
-          <a:off x="0" y="0"/>
-          <a:ext cx="0" cy="0"/>
-          <a:chOff x="0" y="0"/>
-          <a:chExt cx="0" cy="0"/>
-        </a:xfrm>
-      </p:grpSpPr>
-      <p:sp>
-        <p:nvSpPr>
-          <p:cNvPr id="2" name="Title 1">
-            <a:extLst>
-              <a:ext uri="{FF2B5EF4-FFF2-40B4-BE49-F238E27FC236}">
-                <a16:creationId xmlns:a16="http://schemas.microsoft.com/office/drawing/2014/main" id="{557F8143-063C-4B9A-B6A2-FAB6AF71A486}"/>
-              </a:ext>
-            </a:extLst>
-          </p:cNvPr>
-          <p:cNvSpPr>
-            <a:spLocks noGrp="1"/>
-          </p:cNvSpPr>
-          <p:nvPr>
-            <p:ph type="title"/>
-          </p:nvPr>
-        </p:nvSpPr>
-        <p:spPr/>
-        <p:txBody>
-          <a:bodyPr/>
-          <a:lstStyle/>
-          <a:p>
-            <a:r>
-              <a:rPr lang="en-US" dirty="0"/>
-              <a:t>Key Points</a:t>
-            </a:r>
-          </a:p>
-        </p:txBody>
-      </p:sp>
-      <p:sp>
-        <p:nvSpPr>
-          <p:cNvPr id="3" name="Content Placeholder 2">
-            <a:extLst>
-              <a:ext uri="{FF2B5EF4-FFF2-40B4-BE49-F238E27FC236}">
-                <a16:creationId xmlns:a16="http://schemas.microsoft.com/office/drawing/2014/main" id="{EE3DA0BC-6B34-418C-8E89-97CE68EED6D6}"/>
-              </a:ext>
-            </a:extLst>
-          </p:cNvPr>
-          <p:cNvSpPr>
-            <a:spLocks noGrp="1"/>
-          </p:cNvSpPr>
-          <p:nvPr>
-            <p:ph idx="1"/>
-          </p:nvPr>
-        </p:nvSpPr>
-        <p:spPr/>
-        <p:txBody>
-          <a:bodyPr>
-            <a:normAutofit fontScale="92500" lnSpcReduction="20000"/>
-          </a:bodyPr>
-          <a:lstStyle/>
-          <a:p>
-            <a:r>
-              <a:rPr lang="en-US" dirty="0"/>
-              <a:t>The format of &lt;condition&gt; is:</a:t>
-            </a:r>
-          </a:p>
-          <a:p>
-            <a:pPr lvl="1"/>
-            <a:r>
-              <a:rPr lang="en-US" dirty="0"/>
-              <a:t>&lt;value&gt; &lt;operator&gt; &lt;value&gt;</a:t>
-            </a:r>
-          </a:p>
-          <a:p>
-            <a:pPr lvl="1"/>
-            <a:r>
-              <a:rPr lang="en-US" dirty="0"/>
-              <a:t>Where “value” is a variable or expression that evaluates to a number</a:t>
-            </a:r>
-          </a:p>
-          <a:p>
-            <a:pPr lvl="1"/>
-            <a:r>
-              <a:rPr lang="en-US" dirty="0"/>
-              <a:t>And where “operator” is one of the following:</a:t>
-            </a:r>
-          </a:p>
-          <a:p>
-            <a:pPr lvl="2"/>
-            <a:r>
-              <a:rPr lang="en-US" dirty="0"/>
-              <a:t>==</a:t>
-            </a:r>
-          </a:p>
-          <a:p>
-            <a:pPr lvl="2"/>
-            <a:r>
-              <a:rPr lang="en-US" dirty="0"/>
-              <a:t>!= </a:t>
-            </a:r>
-          </a:p>
-          <a:p>
-            <a:pPr lvl="2"/>
-            <a:r>
-              <a:rPr lang="en-US" dirty="0"/>
-              <a:t>&lt; </a:t>
-            </a:r>
-          </a:p>
-          <a:p>
-            <a:pPr lvl="2"/>
-            <a:r>
-              <a:rPr lang="en-US" dirty="0"/>
-              <a:t>&lt;= </a:t>
-            </a:r>
-          </a:p>
-          <a:p>
-            <a:pPr lvl="2"/>
-            <a:r>
-              <a:rPr lang="en-US" dirty="0"/>
-              <a:t>&gt; </a:t>
-            </a:r>
-          </a:p>
-          <a:p>
-            <a:pPr lvl="2"/>
-            <a:r>
-              <a:rPr lang="en-US" dirty="0"/>
-              <a:t>&gt;=</a:t>
-            </a:r>
-          </a:p>
-          <a:p>
-            <a:endParaRPr lang="en-US" dirty="0"/>
-          </a:p>
-        </p:txBody>
-      </p:sp>
-    </p:spTree>
-    <p:extLst>
-      <p:ext uri="{BB962C8B-B14F-4D97-AF65-F5344CB8AC3E}">
-        <p14:creationId xmlns:p14="http://schemas.microsoft.com/office/powerpoint/2010/main" val="993507420"/>
-      </p:ext>
-    </p:extLst>
-  </p:cSld>
-  <p:clrMapOvr>
-    <a:masterClrMapping/>
-  </p:clrMapOvr>
-</p:sld>
-</file>
-
-<file path=ppt/slides/slide22.xml><?xml version="1.0" encoding="utf-8"?>
-<p:sld xmlns:a="http://schemas.openxmlformats.org/drawingml/2006/main" xmlns:r="http://schemas.openxmlformats.org/officeDocument/2006/relationships" xmlns:p="http://schemas.openxmlformats.org/presentationml/2006/main">
-  <p:cSld>
-    <p:spTree>
-      <p:nvGrpSpPr>
-        <p:cNvPr id="1" name=""/>
-        <p:cNvGrpSpPr/>
-        <p:nvPr/>
-      </p:nvGrpSpPr>
-      <p:grpSpPr>
-        <a:xfrm>
-          <a:off x="0" y="0"/>
-          <a:ext cx="0" cy="0"/>
-          <a:chOff x="0" y="0"/>
-          <a:chExt cx="0" cy="0"/>
-        </a:xfrm>
-      </p:grpSpPr>
-      <p:sp>
-        <p:nvSpPr>
-          <p:cNvPr id="2" name="Title 1">
-            <a:extLst>
-              <a:ext uri="{FF2B5EF4-FFF2-40B4-BE49-F238E27FC236}">
-                <a16:creationId xmlns:a16="http://schemas.microsoft.com/office/drawing/2014/main" id="{E6AA549E-CEB9-4612-84DC-E44A7C2C8AD1}"/>
-              </a:ext>
-            </a:extLst>
-          </p:cNvPr>
-          <p:cNvSpPr>
-            <a:spLocks noGrp="1"/>
-          </p:cNvSpPr>
-          <p:nvPr>
-            <p:ph type="title"/>
-          </p:nvPr>
-        </p:nvSpPr>
-        <p:spPr/>
-        <p:txBody>
-          <a:bodyPr/>
-          <a:lstStyle/>
-          <a:p>
-            <a:r>
-              <a:rPr lang="en-US" dirty="0"/>
-              <a:t>KEY POINTs</a:t>
-            </a:r>
-          </a:p>
-        </p:txBody>
-      </p:sp>
-      <p:sp>
-        <p:nvSpPr>
-          <p:cNvPr id="3" name="Content Placeholder 2">
-            <a:extLst>
-              <a:ext uri="{FF2B5EF4-FFF2-40B4-BE49-F238E27FC236}">
-                <a16:creationId xmlns:a16="http://schemas.microsoft.com/office/drawing/2014/main" id="{7C3857BA-3EF1-49F5-A637-1A13E0BA0968}"/>
-              </a:ext>
-            </a:extLst>
-          </p:cNvPr>
-          <p:cNvSpPr>
-            <a:spLocks noGrp="1"/>
-          </p:cNvSpPr>
-          <p:nvPr>
-            <p:ph idx="1"/>
-          </p:nvPr>
-        </p:nvSpPr>
-        <p:spPr/>
-        <p:txBody>
-          <a:bodyPr>
-            <a:normAutofit/>
-          </a:bodyPr>
-          <a:lstStyle/>
-          <a:p>
-            <a:r>
-              <a:rPr lang="en-US" dirty="0"/>
-              <a:t>You must always change at least one of the values in the condition. Otherwise, the condition will either always be true (loop will run forever) or always be false (loop will never execute).</a:t>
-            </a:r>
-          </a:p>
-        </p:txBody>
-      </p:sp>
-    </p:spTree>
-    <p:extLst>
-      <p:ext uri="{BB962C8B-B14F-4D97-AF65-F5344CB8AC3E}">
-        <p14:creationId xmlns:p14="http://schemas.microsoft.com/office/powerpoint/2010/main" val="4017047721"/>
-      </p:ext>
-    </p:extLst>
-  </p:cSld>
-  <p:clrMapOvr>
-    <a:masterClrMapping/>
-  </p:clrMapOvr>
-</p:sld>
-</file>
-
-<file path=ppt/slides/slide3.xml><?xml version="1.0" encoding="utf-8"?>
-<p:sld xmlns:a="http://schemas.openxmlformats.org/drawingml/2006/main" xmlns:r="http://schemas.openxmlformats.org/officeDocument/2006/relationships" xmlns:p="http://schemas.openxmlformats.org/presentationml/2006/main">
-  <p:cSld>
-    <p:spTree>
-      <p:nvGrpSpPr>
-        <p:cNvPr id="1" name=""/>
-        <p:cNvGrpSpPr/>
-        <p:nvPr/>
-      </p:nvGrpSpPr>
-      <p:grpSpPr>
-        <a:xfrm>
-          <a:off x="0" y="0"/>
-          <a:ext cx="0" cy="0"/>
-          <a:chOff x="0" y="0"/>
-          <a:chExt cx="0" cy="0"/>
-        </a:xfrm>
-      </p:grpSpPr>
-      <p:sp>
-        <p:nvSpPr>
-          <p:cNvPr id="2" name="Title 1">
-            <a:extLst>
-              <a:ext uri="{FF2B5EF4-FFF2-40B4-BE49-F238E27FC236}">
-                <a16:creationId xmlns:a16="http://schemas.microsoft.com/office/drawing/2014/main" id="{F75E3E16-CD5B-4002-AEF9-D5260B123CE0}"/>
-              </a:ext>
-            </a:extLst>
-          </p:cNvPr>
-          <p:cNvSpPr>
-            <a:spLocks noGrp="1"/>
-          </p:cNvSpPr>
-          <p:nvPr>
-            <p:ph type="title"/>
-          </p:nvPr>
-        </p:nvSpPr>
-        <p:spPr/>
-        <p:txBody>
-          <a:bodyPr/>
-          <a:lstStyle/>
-          <a:p>
-            <a:r>
-              <a:rPr lang="en-US" dirty="0"/>
-              <a:t>While Loop</a:t>
-            </a:r>
-          </a:p>
-        </p:txBody>
-      </p:sp>
-      <p:sp>
-        <p:nvSpPr>
-          <p:cNvPr id="3" name="Content Placeholder 2">
-            <a:extLst>
-              <a:ext uri="{FF2B5EF4-FFF2-40B4-BE49-F238E27FC236}">
-                <a16:creationId xmlns:a16="http://schemas.microsoft.com/office/drawing/2014/main" id="{0223C210-5BE8-4B10-A248-2333C8C8F8F4}"/>
-              </a:ext>
-            </a:extLst>
-          </p:cNvPr>
-          <p:cNvSpPr>
-            <a:spLocks noGrp="1"/>
-          </p:cNvSpPr>
-          <p:nvPr>
-            <p:ph idx="1"/>
-          </p:nvPr>
-        </p:nvSpPr>
-        <p:spPr/>
-        <p:txBody>
-          <a:bodyPr>
-            <a:normAutofit/>
-          </a:bodyPr>
-          <a:lstStyle/>
-          <a:p>
-            <a:r>
-              <a:rPr lang="en-US" dirty="0"/>
-              <a:t>Like if-statements, Loops have a Boolean condition</a:t>
-            </a:r>
-          </a:p>
-          <a:p>
-            <a:r>
-              <a:rPr lang="en-US" dirty="0"/>
-              <a:t>If-statements execute the code one if the condition is true; while-loops execute the code as long as (“while”) the condition is true</a:t>
-            </a:r>
-          </a:p>
-          <a:p>
-            <a:r>
-              <a:rPr lang="en-US" dirty="0"/>
-              <a:t>Thus, if we don’t want the code inside to execute indefinitely, we need to change the value of the variable that’s evaluated in the Boolean condition inside the loop</a:t>
-            </a:r>
-          </a:p>
-          <a:p>
-            <a:r>
-              <a:rPr lang="en-US" dirty="0"/>
-              <a:t>Like with if-statements, use a colon at the end of the condition and use indentation to show what code is included in the loop</a:t>
-            </a:r>
-          </a:p>
-        </p:txBody>
-      </p:sp>
-    </p:spTree>
-    <p:extLst>
-      <p:ext uri="{BB962C8B-B14F-4D97-AF65-F5344CB8AC3E}">
-        <p14:creationId xmlns:p14="http://schemas.microsoft.com/office/powerpoint/2010/main" val="4235364402"/>
-      </p:ext>
-    </p:extLst>
-  </p:cSld>
-  <p:clrMapOvr>
-    <a:masterClrMapping/>
-  </p:clrMapOvr>
-</p:sld>
-</file>
-
-<file path=ppt/slides/slide4.xml><?xml version="1.0" encoding="utf-8"?>
-<p:sld xmlns:a="http://schemas.openxmlformats.org/drawingml/2006/main" xmlns:r="http://schemas.openxmlformats.org/officeDocument/2006/relationships" xmlns:p="http://schemas.openxmlformats.org/presentationml/2006/main">
-  <p:cSld>
-    <p:bg>
-      <p:bgPr>
-        <a:solidFill>
-          <a:schemeClr val="bg1">
-            <a:lumMod val="95000"/>
-          </a:schemeClr>
-        </a:solidFill>
-        <a:effectLst/>
-      </p:bgPr>
-    </p:bg>
-    <p:spTree>
-      <p:nvGrpSpPr>
-        <p:cNvPr id="1" name=""/>
-        <p:cNvGrpSpPr/>
-        <p:nvPr/>
-      </p:nvGrpSpPr>
-      <p:grpSpPr>
-        <a:xfrm>
-          <a:off x="0" y="0"/>
-          <a:ext cx="0" cy="0"/>
-          <a:chOff x="0" y="0"/>
-          <a:chExt cx="0" cy="0"/>
-        </a:xfrm>
-      </p:grpSpPr>
-      <p:sp>
-        <p:nvSpPr>
-          <p:cNvPr id="43" name="Rectangle 42">
-            <a:extLst>
-              <a:ext uri="{FF2B5EF4-FFF2-40B4-BE49-F238E27FC236}">
-                <a16:creationId xmlns:a16="http://schemas.microsoft.com/office/drawing/2014/main" id="{343EE4E4-4F6E-4D0C-8241-7422485C5917}"/>
-              </a:ext>
-            </a:extLst>
-          </p:cNvPr>
-          <p:cNvSpPr>
-            <a:spLocks noGrp="1" noRot="1" noChangeAspect="1" noMove="1" noResize="1" noEditPoints="1" noAdjustHandles="1" noChangeArrowheads="1" noChangeShapeType="1" noTextEdit="1"/>
-          </p:cNvSpPr>
-          <p:nvPr>
-            <p:extLst>
-              <p:ext uri="{386F3935-93C4-4BCD-93E2-E3B085C9AB24}">
-                <p16:designElem xmlns:p16="http://schemas.microsoft.com/office/powerpoint/2015/main" val="1"/>
-              </p:ext>
-            </p:extLst>
-          </p:nvPr>
-        </p:nvSpPr>
-        <p:spPr>
-          <a:xfrm>
-            <a:off x="6119085" y="-2"/>
-            <a:ext cx="6072915" cy="6858002"/>
-          </a:xfrm>
-          <a:prstGeom prst="rect">
-            <a:avLst/>
-          </a:prstGeom>
-          <a:solidFill>
-            <a:schemeClr val="accent2"/>
-          </a:solidFill>
-          <a:ln>
-            <a:noFill/>
-          </a:ln>
-        </p:spPr>
-        <p:style>
-          <a:lnRef idx="2">
-            <a:schemeClr val="accent1">
-              <a:shade val="50000"/>
-            </a:schemeClr>
-          </a:lnRef>
-          <a:fillRef idx="1">
-            <a:schemeClr val="accent1"/>
-          </a:fillRef>
-          <a:effectRef idx="0">
-            <a:schemeClr val="accent1"/>
-          </a:effectRef>
-          <a:fontRef idx="minor">
-            <a:schemeClr val="lt1"/>
-          </a:fontRef>
-        </p:style>
-        <p:txBody>
-          <a:bodyPr rtlCol="0" anchor="ctr"/>
-          <a:lstStyle/>
-          <a:p>
-            <a:pPr algn="ctr"/>
-            <a:endParaRPr lang="en-US"/>
-          </a:p>
-        </p:txBody>
-      </p:sp>
-      <p:sp>
-        <p:nvSpPr>
-          <p:cNvPr id="45" name="Rectangle 44">
-            <a:extLst>
-              <a:ext uri="{FF2B5EF4-FFF2-40B4-BE49-F238E27FC236}">
-                <a16:creationId xmlns:a16="http://schemas.microsoft.com/office/drawing/2014/main" id="{39CDFF21-67C6-4C4C-9A1C-C7726D3D3970}"/>
-              </a:ext>
-            </a:extLst>
-          </p:cNvPr>
-          <p:cNvSpPr>
-            <a:spLocks noGrp="1" noRot="1" noChangeAspect="1" noMove="1" noResize="1" noEditPoints="1" noAdjustHandles="1" noChangeArrowheads="1" noChangeShapeType="1" noTextEdit="1"/>
-          </p:cNvSpPr>
-          <p:nvPr>
-            <p:extLst>
-              <p:ext uri="{386F3935-93C4-4BCD-93E2-E3B085C9AB24}">
-                <p16:designElem xmlns:p16="http://schemas.microsoft.com/office/powerpoint/2015/main" val="1"/>
-              </p:ext>
-            </p:extLst>
-          </p:nvPr>
-        </p:nvSpPr>
-        <p:spPr>
-          <a:xfrm>
-            <a:off x="656966" y="640080"/>
-            <a:ext cx="4818888" cy="5261170"/>
-          </a:xfrm>
-          <a:prstGeom prst="rect">
-            <a:avLst/>
-          </a:prstGeom>
-          <a:noFill/>
-          <a:ln w="31750" cap="sq">
-            <a:solidFill>
-              <a:srgbClr val="FFFFFF"/>
-            </a:solidFill>
-            <a:miter lim="800000"/>
-          </a:ln>
-        </p:spPr>
-        <p:style>
-          <a:lnRef idx="2">
-            <a:schemeClr val="accent1">
-              <a:shade val="50000"/>
-            </a:schemeClr>
-          </a:lnRef>
-          <a:fillRef idx="1">
-            <a:schemeClr val="accent1"/>
-          </a:fillRef>
-          <a:effectRef idx="0">
-            <a:schemeClr val="accent1"/>
-          </a:effectRef>
-          <a:fontRef idx="minor">
-            <a:schemeClr val="lt1"/>
-          </a:fontRef>
-        </p:style>
-        <p:txBody>
-          <a:bodyPr rtlCol="0" anchor="ctr"/>
-          <a:lstStyle/>
-          <a:p>
-            <a:pPr algn="ctr"/>
-            <a:endParaRPr lang="en-US" dirty="0">
-              <a:solidFill>
-                <a:schemeClr val="bg1"/>
-              </a:solidFill>
-            </a:endParaRPr>
-          </a:p>
-        </p:txBody>
-      </p:sp>
-      <p:sp>
-        <p:nvSpPr>
-          <p:cNvPr id="47" name="Rectangle 46">
-            <a:extLst>
-              <a:ext uri="{FF2B5EF4-FFF2-40B4-BE49-F238E27FC236}">
-                <a16:creationId xmlns:a16="http://schemas.microsoft.com/office/drawing/2014/main" id="{E98F8D60-BC6F-4B41-9481-5F49C96A1053}"/>
-              </a:ext>
-            </a:extLst>
-          </p:cNvPr>
-          <p:cNvSpPr>
-            <a:spLocks noGrp="1" noRot="1" noChangeAspect="1" noMove="1" noResize="1" noEditPoints="1" noAdjustHandles="1" noChangeArrowheads="1" noChangeShapeType="1" noTextEdit="1"/>
-          </p:cNvSpPr>
-          <p:nvPr>
-            <p:extLst>
-              <p:ext uri="{386F3935-93C4-4BCD-93E2-E3B085C9AB24}">
-                <p16:designElem xmlns:p16="http://schemas.microsoft.com/office/powerpoint/2015/main" val="1"/>
-              </p:ext>
-            </p:extLst>
-          </p:nvPr>
-        </p:nvSpPr>
-        <p:spPr>
-          <a:xfrm>
-            <a:off x="801520" y="806357"/>
-            <a:ext cx="4511266" cy="4928616"/>
-          </a:xfrm>
-          <a:prstGeom prst="rect">
-            <a:avLst/>
-          </a:prstGeom>
-          <a:solidFill>
-            <a:schemeClr val="bg1"/>
-          </a:solidFill>
-          <a:ln>
-            <a:noFill/>
-          </a:ln>
-        </p:spPr>
-        <p:style>
-          <a:lnRef idx="2">
-            <a:schemeClr val="accent1">
-              <a:shade val="50000"/>
-            </a:schemeClr>
-          </a:lnRef>
-          <a:fillRef idx="1">
-            <a:schemeClr val="accent1"/>
-          </a:fillRef>
-          <a:effectRef idx="0">
-            <a:schemeClr val="accent1"/>
-          </a:effectRef>
-          <a:fontRef idx="minor">
-            <a:schemeClr val="lt1"/>
-          </a:fontRef>
-        </p:style>
-        <p:txBody>
-          <a:bodyPr rtlCol="0" anchor="ctr"/>
-          <a:lstStyle/>
-          <a:p>
-            <a:pPr algn="ctr"/>
-            <a:endParaRPr lang="en-US"/>
-          </a:p>
-        </p:txBody>
-      </p:sp>
-      <p:pic>
-        <p:nvPicPr>
-          <p:cNvPr id="4" name="Picture 3">
-            <a:extLst>
-              <a:ext uri="{FF2B5EF4-FFF2-40B4-BE49-F238E27FC236}">
-                <a16:creationId xmlns:a16="http://schemas.microsoft.com/office/drawing/2014/main" id="{A5E43A71-BB75-469F-99DB-00DB0DA5ACE5}"/>
-              </a:ext>
-            </a:extLst>
-          </p:cNvPr>
-          <p:cNvPicPr>
-            <a:picLocks noChangeAspect="1"/>
-          </p:cNvPicPr>
-          <p:nvPr/>
-        </p:nvPicPr>
-        <p:blipFill>
-          <a:blip r:embed="rId3"/>
-          <a:stretch>
-            <a:fillRect/>
-          </a:stretch>
-        </p:blipFill>
-        <p:spPr>
-          <a:xfrm>
-            <a:off x="988626" y="2227199"/>
-            <a:ext cx="4159568" cy="2086931"/>
-          </a:xfrm>
-          <a:prstGeom prst="rect">
-            <a:avLst/>
-          </a:prstGeom>
-        </p:spPr>
-      </p:pic>
-      <p:sp>
-        <p:nvSpPr>
-          <p:cNvPr id="2" name="Title 1">
-            <a:extLst>
-              <a:ext uri="{FF2B5EF4-FFF2-40B4-BE49-F238E27FC236}">
-                <a16:creationId xmlns:a16="http://schemas.microsoft.com/office/drawing/2014/main" id="{AEFE5DAF-E2D6-437D-9627-44239545CAD9}"/>
-              </a:ext>
-            </a:extLst>
-          </p:cNvPr>
-          <p:cNvSpPr>
-            <a:spLocks noGrp="1"/>
-          </p:cNvSpPr>
-          <p:nvPr>
-            <p:ph type="title"/>
-          </p:nvPr>
-        </p:nvSpPr>
-        <p:spPr>
-          <a:xfrm>
-            <a:off x="6923757" y="1290025"/>
-            <a:ext cx="4475892" cy="1188720"/>
-          </a:xfrm>
-          <a:solidFill>
-            <a:srgbClr val="FFFFFF"/>
-          </a:solidFill>
-          <a:ln>
-            <a:solidFill>
-              <a:srgbClr val="404040"/>
-            </a:solidFill>
-          </a:ln>
-        </p:spPr>
-        <p:txBody>
-          <a:bodyPr>
-            <a:normAutofit/>
-          </a:bodyPr>
-          <a:lstStyle/>
-          <a:p>
-            <a:r>
-              <a:rPr lang="en-US"/>
-              <a:t>While loop</a:t>
-            </a:r>
-          </a:p>
-        </p:txBody>
-      </p:sp>
-      <p:sp>
-        <p:nvSpPr>
-          <p:cNvPr id="13" name="Content Placeholder 8"/>
-          <p:cNvSpPr>
-            <a:spLocks noGrp="1"/>
-          </p:cNvSpPr>
-          <p:nvPr>
-            <p:ph idx="1"/>
-          </p:nvPr>
-        </p:nvSpPr>
-        <p:spPr>
-          <a:xfrm>
-            <a:off x="6923757" y="2858703"/>
-            <a:ext cx="4475892" cy="3042547"/>
-          </a:xfrm>
-        </p:spPr>
-        <p:txBody>
-          <a:bodyPr>
-            <a:normAutofit/>
-          </a:bodyPr>
-          <a:lstStyle/>
-          <a:p>
-            <a:r>
-              <a:rPr lang="en-US">
-                <a:solidFill>
-                  <a:srgbClr val="FFFFFF"/>
-                </a:solidFill>
-              </a:rPr>
-              <a:t>The prompt to enter an animal will continue indefinitely because 5 &lt;= 5 is always true</a:t>
-            </a:r>
-          </a:p>
-          <a:p>
-            <a:r>
-              <a:rPr lang="en-US">
-                <a:solidFill>
-                  <a:srgbClr val="FFFFFF"/>
-                </a:solidFill>
-              </a:rPr>
-              <a:t>Use a variable so the condition can be changed</a:t>
-            </a:r>
-          </a:p>
-          <a:p>
-            <a:endParaRPr lang="en-US">
-              <a:solidFill>
-                <a:srgbClr val="FFFFFF"/>
-              </a:solidFill>
-            </a:endParaRPr>
-          </a:p>
-        </p:txBody>
-      </p:sp>
-    </p:spTree>
-    <p:extLst>
-      <p:ext uri="{BB962C8B-B14F-4D97-AF65-F5344CB8AC3E}">
-        <p14:creationId xmlns:p14="http://schemas.microsoft.com/office/powerpoint/2010/main" val="2906822811"/>
-      </p:ext>
-    </p:extLst>
-  </p:cSld>
-  <p:clrMapOvr>
-    <a:masterClrMapping/>
-  </p:clrMapOvr>
-</p:sld>
-</file>
-
-<file path=ppt/slides/slide5.xml><?xml version="1.0" encoding="utf-8"?>
-<p:sld xmlns:a="http://schemas.openxmlformats.org/drawingml/2006/main" xmlns:r="http://schemas.openxmlformats.org/officeDocument/2006/relationships" xmlns:p="http://schemas.openxmlformats.org/presentationml/2006/main">
-  <p:cSld>
-    <p:bg>
-      <p:bgPr>
-        <a:solidFill>
-          <a:schemeClr val="bg1">
-            <a:lumMod val="95000"/>
-          </a:schemeClr>
-        </a:solidFill>
-        <a:effectLst/>
-      </p:bgPr>
-    </p:bg>
-    <p:spTree>
-      <p:nvGrpSpPr>
-        <p:cNvPr id="1" name=""/>
-        <p:cNvGrpSpPr/>
-        <p:nvPr/>
-      </p:nvGrpSpPr>
-      <p:grpSpPr>
-        <a:xfrm>
-          <a:off x="0" y="0"/>
-          <a:ext cx="0" cy="0"/>
-          <a:chOff x="0" y="0"/>
-          <a:chExt cx="0" cy="0"/>
-        </a:xfrm>
-      </p:grpSpPr>
-      <p:pic>
-        <p:nvPicPr>
-          <p:cNvPr id="6" name="Picture Placeholder 5">
-            <a:extLst>
-              <a:ext uri="{FF2B5EF4-FFF2-40B4-BE49-F238E27FC236}">
-                <a16:creationId xmlns:a16="http://schemas.microsoft.com/office/drawing/2014/main" id="{CD87010A-38DC-4E60-912E-85B23AF68B3B}"/>
-              </a:ext>
-            </a:extLst>
-          </p:cNvPr>
-          <p:cNvPicPr>
-            <a:picLocks noGrp="1" noChangeAspect="1"/>
-          </p:cNvPicPr>
-          <p:nvPr>
-            <p:ph type="pic" idx="1"/>
-          </p:nvPr>
-        </p:nvPicPr>
-        <p:blipFill rotWithShape="1">
-          <a:blip r:embed="rId2"/>
-          <a:srcRect r="3" b="2253"/>
-          <a:stretch/>
-        </p:blipFill>
-        <p:spPr>
-          <a:xfrm>
-            <a:off x="4654296" y="10"/>
-            <a:ext cx="7537704" cy="6857990"/>
-          </a:xfrm>
-          <a:prstGeom prst="rect">
-            <a:avLst/>
-          </a:prstGeom>
-        </p:spPr>
-      </p:pic>
-      <p:sp>
-        <p:nvSpPr>
-          <p:cNvPr id="2" name="Title 1">
-            <a:extLst>
-              <a:ext uri="{FF2B5EF4-FFF2-40B4-BE49-F238E27FC236}">
-                <a16:creationId xmlns:a16="http://schemas.microsoft.com/office/drawing/2014/main" id="{FB9F2568-DA22-4262-B1EE-A2564BB40C61}"/>
-              </a:ext>
-            </a:extLst>
-          </p:cNvPr>
-          <p:cNvSpPr>
-            <a:spLocks noGrp="1"/>
-          </p:cNvSpPr>
-          <p:nvPr>
-            <p:ph type="title"/>
-          </p:nvPr>
-        </p:nvSpPr>
-        <p:spPr>
-          <a:xfrm>
-            <a:off x="804670" y="978776"/>
-            <a:ext cx="3044953" cy="1174991"/>
-          </a:xfrm>
-        </p:spPr>
-        <p:txBody>
-          <a:bodyPr vert="horz" lIns="182880" tIns="182880" rIns="182880" bIns="182880" rtlCol="0" anchor="ctr">
-            <a:normAutofit/>
-          </a:bodyPr>
-          <a:lstStyle/>
-          <a:p>
-            <a:r>
-              <a:rPr lang="en-US" sz="2000" dirty="0"/>
-              <a:t>While Syntax</a:t>
-            </a:r>
-          </a:p>
-        </p:txBody>
-      </p:sp>
-      <p:sp>
-        <p:nvSpPr>
-          <p:cNvPr id="4" name="Text Placeholder 3">
-            <a:extLst>
-              <a:ext uri="{FF2B5EF4-FFF2-40B4-BE49-F238E27FC236}">
-                <a16:creationId xmlns:a16="http://schemas.microsoft.com/office/drawing/2014/main" id="{C032600D-5AD7-49A2-A0FA-130B0548CCF7}"/>
-              </a:ext>
-            </a:extLst>
-          </p:cNvPr>
-          <p:cNvSpPr>
-            <a:spLocks noGrp="1"/>
-          </p:cNvSpPr>
-          <p:nvPr>
-            <p:ph type="body" sz="half" idx="2"/>
-          </p:nvPr>
-        </p:nvSpPr>
-        <p:spPr>
-          <a:xfrm>
-            <a:off x="804670" y="2640692"/>
-            <a:ext cx="3044952" cy="3255252"/>
-          </a:xfrm>
-        </p:spPr>
-        <p:txBody>
-          <a:bodyPr vert="horz" lIns="91440" tIns="45720" rIns="91440" bIns="45720" rtlCol="0">
-            <a:normAutofit lnSpcReduction="10000"/>
-          </a:bodyPr>
-          <a:lstStyle/>
-          <a:p>
-            <a:pPr indent="-228600" algn="l">
-              <a:buFont typeface="Arial" panose="020B0604020202020204" pitchFamily="34" charset="0"/>
-              <a:buChar char="•"/>
-            </a:pPr>
-            <a:r>
-              <a:rPr lang="en-US" sz="1600" dirty="0">
-                <a:solidFill>
-                  <a:schemeClr val="tx1">
-                    <a:lumMod val="85000"/>
-                    <a:lumOff val="15000"/>
-                  </a:schemeClr>
-                </a:solidFill>
-              </a:rPr>
-              <a:t>Note the Boolean condition and the incrementation of the variable. Those are key elements of a While Loop.</a:t>
-            </a:r>
-          </a:p>
-          <a:p>
-            <a:pPr indent="-228600" algn="l">
-              <a:buFont typeface="Arial" panose="020B0604020202020204" pitchFamily="34" charset="0"/>
-              <a:buChar char="•"/>
-            </a:pPr>
-            <a:r>
-              <a:rPr lang="en-US" sz="1600" dirty="0">
-                <a:solidFill>
-                  <a:schemeClr val="tx1">
-                    <a:lumMod val="85000"/>
-                    <a:lumOff val="15000"/>
-                  </a:schemeClr>
-                </a:solidFill>
-              </a:rPr>
-              <a:t>If we don’t increment x, then the loop would run forever (it would also run forever if we write “while True:” because it’s always true).</a:t>
-            </a:r>
-          </a:p>
-          <a:p>
-            <a:pPr indent="-228600" algn="l">
-              <a:buFont typeface="Arial" panose="020B0604020202020204" pitchFamily="34" charset="0"/>
-              <a:buChar char="•"/>
-            </a:pPr>
-            <a:r>
-              <a:rPr lang="en-US" sz="1600" dirty="0">
-                <a:solidFill>
-                  <a:schemeClr val="tx1">
-                    <a:lumMod val="85000"/>
-                    <a:lumOff val="15000"/>
-                  </a:schemeClr>
-                </a:solidFill>
-              </a:rPr>
-              <a:t>Notice how the value of x changes with each iteration of the loop.</a:t>
-            </a:r>
-          </a:p>
-          <a:p>
-            <a:pPr indent="-228600" algn="l">
-              <a:buFont typeface="Arial" panose="020B0604020202020204" pitchFamily="34" charset="0"/>
-              <a:buChar char="•"/>
-            </a:pPr>
-            <a:endParaRPr lang="en-US" sz="1600" dirty="0">
-              <a:solidFill>
-                <a:schemeClr val="tx1">
-                  <a:lumMod val="85000"/>
-                  <a:lumOff val="15000"/>
-                </a:schemeClr>
-              </a:solidFill>
-            </a:endParaRPr>
-          </a:p>
-        </p:txBody>
-      </p:sp>
-    </p:spTree>
-    <p:extLst>
-      <p:ext uri="{BB962C8B-B14F-4D97-AF65-F5344CB8AC3E}">
-        <p14:creationId xmlns:p14="http://schemas.microsoft.com/office/powerpoint/2010/main" val="1792660194"/>
-      </p:ext>
-    </p:extLst>
-  </p:cSld>
-  <p:clrMapOvr>
-    <a:masterClrMapping/>
-  </p:clrMapOvr>
-</p:sld>
-</file>
-
-<file path=ppt/slides/slide6.xml><?xml version="1.0" encoding="utf-8"?>
-<p:sld xmlns:a="http://schemas.openxmlformats.org/drawingml/2006/main" xmlns:r="http://schemas.openxmlformats.org/officeDocument/2006/relationships" xmlns:p="http://schemas.openxmlformats.org/presentationml/2006/main">
-  <p:cSld>
-    <p:spTree>
-      <p:nvGrpSpPr>
-        <p:cNvPr id="1" name=""/>
-        <p:cNvGrpSpPr/>
-        <p:nvPr/>
-      </p:nvGrpSpPr>
-      <p:grpSpPr>
-        <a:xfrm>
-          <a:off x="0" y="0"/>
-          <a:ext cx="0" cy="0"/>
-          <a:chOff x="0" y="0"/>
-          <a:chExt cx="0" cy="0"/>
-        </a:xfrm>
-      </p:grpSpPr>
-      <p:sp>
-        <p:nvSpPr>
-          <p:cNvPr id="2" name="Title 1">
-            <a:extLst>
-              <a:ext uri="{FF2B5EF4-FFF2-40B4-BE49-F238E27FC236}">
-                <a16:creationId xmlns:a16="http://schemas.microsoft.com/office/drawing/2014/main" id="{FF9DF8C9-77EF-4571-AE36-84A7DCF22B64}"/>
-              </a:ext>
-            </a:extLst>
-          </p:cNvPr>
-          <p:cNvSpPr>
-            <a:spLocks noGrp="1"/>
-          </p:cNvSpPr>
-          <p:nvPr>
-            <p:ph type="title"/>
-          </p:nvPr>
-        </p:nvSpPr>
-        <p:spPr/>
-        <p:txBody>
-          <a:bodyPr/>
-          <a:lstStyle/>
-          <a:p>
-            <a:r>
-              <a:rPr lang="en-US" dirty="0"/>
-              <a:t>Loop Flowchart</a:t>
-            </a:r>
-          </a:p>
-        </p:txBody>
-      </p:sp>
-      <p:pic>
-        <p:nvPicPr>
-          <p:cNvPr id="6" name="Picture Placeholder 5">
-            <a:extLst>
-              <a:ext uri="{FF2B5EF4-FFF2-40B4-BE49-F238E27FC236}">
-                <a16:creationId xmlns:a16="http://schemas.microsoft.com/office/drawing/2014/main" id="{66A67607-D96B-4B33-968F-3C218C2B3379}"/>
-              </a:ext>
-            </a:extLst>
-          </p:cNvPr>
-          <p:cNvPicPr>
-            <a:picLocks noGrp="1" noChangeAspect="1"/>
-          </p:cNvPicPr>
-          <p:nvPr>
-            <p:ph type="pic" idx="1"/>
-          </p:nvPr>
-        </p:nvPicPr>
-        <p:blipFill>
-          <a:blip r:embed="rId2"/>
-          <a:stretch>
-            <a:fillRect/>
-          </a:stretch>
-        </p:blipFill>
-        <p:spPr>
-          <a:xfrm>
-            <a:off x="6334133" y="0"/>
-            <a:ext cx="5625829" cy="6858000"/>
-          </a:xfrm>
-        </p:spPr>
-      </p:pic>
-      <p:sp>
-        <p:nvSpPr>
-          <p:cNvPr id="4" name="Text Placeholder 3">
-            <a:extLst>
-              <a:ext uri="{FF2B5EF4-FFF2-40B4-BE49-F238E27FC236}">
-                <a16:creationId xmlns:a16="http://schemas.microsoft.com/office/drawing/2014/main" id="{19E88889-8F1E-4F6A-A0A4-C200B5C2C4D3}"/>
-              </a:ext>
-            </a:extLst>
-          </p:cNvPr>
-          <p:cNvSpPr>
-            <a:spLocks noGrp="1"/>
-          </p:cNvSpPr>
-          <p:nvPr>
-            <p:ph type="body" sz="half" idx="2"/>
-          </p:nvPr>
-        </p:nvSpPr>
-        <p:spPr/>
-        <p:txBody>
-          <a:bodyPr/>
-          <a:lstStyle/>
-          <a:p>
-            <a:r>
-              <a:rPr lang="en-US" dirty="0"/>
-              <a:t>Image Credit: Arup Guha</a:t>
-            </a:r>
-          </a:p>
-        </p:txBody>
-      </p:sp>
-    </p:spTree>
-    <p:extLst>
-      <p:ext uri="{BB962C8B-B14F-4D97-AF65-F5344CB8AC3E}">
-        <p14:creationId xmlns:p14="http://schemas.microsoft.com/office/powerpoint/2010/main" val="3281785242"/>
-      </p:ext>
-    </p:extLst>
-  </p:cSld>
-  <p:clrMapOvr>
-    <a:masterClrMapping/>
-  </p:clrMapOvr>
-</p:sld>
-</file>
-
-<file path=ppt/slides/slide7.xml><?xml version="1.0" encoding="utf-8"?>
-<p:sld xmlns:a="http://schemas.openxmlformats.org/drawingml/2006/main" xmlns:r="http://schemas.openxmlformats.org/officeDocument/2006/relationships" xmlns:p="http://schemas.openxmlformats.org/presentationml/2006/main">
-  <p:cSld>
-    <p:spTree>
-      <p:nvGrpSpPr>
-        <p:cNvPr id="1" name=""/>
-        <p:cNvGrpSpPr/>
-        <p:nvPr/>
-      </p:nvGrpSpPr>
-      <p:grpSpPr>
-        <a:xfrm>
-          <a:off x="0" y="0"/>
-          <a:ext cx="0" cy="0"/>
-          <a:chOff x="0" y="0"/>
-          <a:chExt cx="0" cy="0"/>
-        </a:xfrm>
-      </p:grpSpPr>
-      <p:sp>
-        <p:nvSpPr>
           <p:cNvPr id="9" name="Text Placeholder 8">
             <a:extLst>
               <a:ext uri="{FF2B5EF4-FFF2-40B4-BE49-F238E27FC236}">
@@ -6547,15 +4078,25 @@
             <p:ph type="body" idx="1"/>
           </p:nvPr>
         </p:nvSpPr>
-        <p:spPr/>
+        <p:spPr>
+          <a:xfrm>
+            <a:off x="1583436" y="2313433"/>
+            <a:ext cx="4270248" cy="415699"/>
+          </a:xfrm>
+        </p:spPr>
         <p:txBody>
           <a:bodyPr/>
           <a:lstStyle/>
           <a:p>
             <a:r>
               <a:rPr lang="en-US" dirty="0"/>
-              <a:t>How are our values changing?</a:t>
-            </a:r>
+              <a:t>Values of </a:t>
+            </a:r>
+            <a:r>
+              <a:rPr lang="en-US" cap="none" dirty="0" err="1"/>
+              <a:t>i</a:t>
+            </a:r>
+            <a:endParaRPr lang="en-US" dirty="0"/>
           </a:p>
         </p:txBody>
       </p:sp>
@@ -6575,14 +4116,14 @@
             <p:ph sz="half" idx="2"/>
             <p:extLst>
               <p:ext uri="{D42A27DB-BD31-4B8C-83A1-F6EECF244321}">
-                <p14:modId xmlns:p14="http://schemas.microsoft.com/office/powerpoint/2010/main" val="2296968159"/>
+                <p14:modId xmlns:p14="http://schemas.microsoft.com/office/powerpoint/2010/main" val="398855581"/>
               </p:ext>
             </p:extLst>
           </p:nvPr>
         </p:nvGraphicFramePr>
         <p:xfrm>
-          <a:off x="1582738" y="3143250"/>
-          <a:ext cx="4270377" cy="2595880"/>
+          <a:off x="1322367" y="3143247"/>
+          <a:ext cx="4783971" cy="2689190"/>
         </p:xfrm>
         <a:graphic>
           <a:graphicData uri="http://schemas.openxmlformats.org/drawingml/2006/table">
@@ -6591,21 +4132,21 @@
                 <a:tableStyleId>{5C22544A-7EE6-4342-B048-85BDC9FD1C3A}</a:tableStyleId>
               </a:tblPr>
               <a:tblGrid>
-                <a:gridCol w="1423459">
+                <a:gridCol w="1594657">
                   <a:extLst>
                     <a:ext uri="{9D8B030D-6E8A-4147-A177-3AD203B41FA5}">
                       <a16:colId xmlns:a16="http://schemas.microsoft.com/office/drawing/2014/main" val="625139575"/>
                     </a:ext>
                   </a:extLst>
                 </a:gridCol>
-                <a:gridCol w="1423459">
+                <a:gridCol w="1594657">
                   <a:extLst>
                     <a:ext uri="{9D8B030D-6E8A-4147-A177-3AD203B41FA5}">
                       <a16:colId xmlns:a16="http://schemas.microsoft.com/office/drawing/2014/main" val="1568690361"/>
                     </a:ext>
                   </a:extLst>
                 </a:gridCol>
-                <a:gridCol w="1423459">
+                <a:gridCol w="1594657">
                   <a:extLst>
                     <a:ext uri="{9D8B030D-6E8A-4147-A177-3AD203B41FA5}">
                       <a16:colId xmlns:a16="http://schemas.microsoft.com/office/drawing/2014/main" val="2629994568"/>
@@ -6613,7 +4154,7 @@
                   </a:extLst>
                 </a:gridCol>
               </a:tblGrid>
-              <a:tr h="370840">
+              <a:tr h="384170">
                 <a:tc>
                   <a:txBody>
                     <a:bodyPr/>
@@ -6663,7 +4204,7 @@
                   </a:ext>
                 </a:extLst>
               </a:tr>
-              <a:tr h="370840">
+              <a:tr h="384170">
                 <a:tc>
                   <a:txBody>
                     <a:bodyPr/>
@@ -6709,7 +4250,7 @@
                   </a:ext>
                 </a:extLst>
               </a:tr>
-              <a:tr h="370840">
+              <a:tr h="384170">
                 <a:tc>
                   <a:txBody>
                     <a:bodyPr/>
@@ -6755,7 +4296,7 @@
                   </a:ext>
                 </a:extLst>
               </a:tr>
-              <a:tr h="370840">
+              <a:tr h="384170">
                 <a:tc>
                   <a:txBody>
                     <a:bodyPr/>
@@ -6801,7 +4342,7 @@
                   </a:ext>
                 </a:extLst>
               </a:tr>
-              <a:tr h="370840">
+              <a:tr h="384170">
                 <a:tc>
                   <a:txBody>
                     <a:bodyPr/>
@@ -6847,7 +4388,7 @@
                   </a:ext>
                 </a:extLst>
               </a:tr>
-              <a:tr h="370840">
+              <a:tr h="384170">
                 <a:tc>
                   <a:txBody>
                     <a:bodyPr/>
@@ -6893,7 +4434,7 @@
                   </a:ext>
                 </a:extLst>
               </a:tr>
-              <a:tr h="370840">
+              <a:tr h="384170">
                 <a:tc>
                   <a:txBody>
                     <a:bodyPr/>
@@ -6943,12 +4484,83 @@
           </a:graphicData>
         </a:graphic>
       </p:graphicFrame>
+      <p:sp>
+        <p:nvSpPr>
+          <p:cNvPr id="11" name="Text Placeholder 10">
+            <a:extLst>
+              <a:ext uri="{FF2B5EF4-FFF2-40B4-BE49-F238E27FC236}">
+                <a16:creationId xmlns:a16="http://schemas.microsoft.com/office/drawing/2014/main" id="{298D85F0-7BB0-4FB9-A2CF-2841FDFF1DED}"/>
+              </a:ext>
+            </a:extLst>
+          </p:cNvPr>
+          <p:cNvSpPr>
+            <a:spLocks noGrp="1"/>
+          </p:cNvSpPr>
+          <p:nvPr>
+            <p:ph type="body" sz="quarter" idx="13"/>
+          </p:nvPr>
+        </p:nvSpPr>
+        <p:spPr>
+          <a:xfrm>
+            <a:off x="6338316" y="2313433"/>
+            <a:ext cx="4270248" cy="415699"/>
+          </a:xfrm>
+        </p:spPr>
+        <p:txBody>
+          <a:bodyPr>
+            <a:normAutofit/>
+          </a:bodyPr>
+          <a:lstStyle/>
+          <a:p>
+            <a:r>
+              <a:rPr lang="en-US" dirty="0"/>
+              <a:t>Code</a:t>
+            </a:r>
+          </a:p>
+        </p:txBody>
+      </p:sp>
+      <p:sp>
+        <p:nvSpPr>
+          <p:cNvPr id="8" name="Title 7">
+            <a:extLst>
+              <a:ext uri="{FF2B5EF4-FFF2-40B4-BE49-F238E27FC236}">
+                <a16:creationId xmlns:a16="http://schemas.microsoft.com/office/drawing/2014/main" id="{841E4BB3-2815-4E64-B26E-F56F94D66322}"/>
+              </a:ext>
+            </a:extLst>
+          </p:cNvPr>
+          <p:cNvSpPr>
+            <a:spLocks noGrp="1"/>
+          </p:cNvSpPr>
+          <p:nvPr>
+            <p:ph type="title"/>
+          </p:nvPr>
+        </p:nvSpPr>
+        <p:spPr/>
+        <p:txBody>
+          <a:bodyPr/>
+          <a:lstStyle/>
+          <a:p>
+            <a:r>
+              <a:rPr lang="en-US" dirty="0"/>
+              <a:t>How is </a:t>
+            </a:r>
+            <a:r>
+              <a:rPr lang="en-US" cap="none" dirty="0" err="1"/>
+              <a:t>i</a:t>
+            </a:r>
+            <a:r>
+              <a:rPr lang="en-US" dirty="0"/>
+              <a:t> changing</a:t>
+            </a:r>
+          </a:p>
+        </p:txBody>
+      </p:sp>
       <p:pic>
         <p:nvPicPr>
-          <p:cNvPr id="13" name="Content Placeholder 12">
+          <p:cNvPr id="5" name="Content Placeholder 4">
             <a:extLst>
               <a:ext uri="{FF2B5EF4-FFF2-40B4-BE49-F238E27FC236}">
-                <a16:creationId xmlns:a16="http://schemas.microsoft.com/office/drawing/2014/main" id="{15CE1841-CB57-45F8-97C8-C1B5A2349FBC}"/>
+                <a16:creationId xmlns:a16="http://schemas.microsoft.com/office/drawing/2014/main" id="{32EDA86C-DFD9-4443-ABE7-EC7D430C8CE8}"/>
               </a:ext>
             </a:extLst>
           </p:cNvPr>
@@ -6967,75 +4579,11 @@
         </p:blipFill>
         <p:spPr>
           <a:xfrm>
-            <a:off x="7070181" y="3143250"/>
-            <a:ext cx="2790326" cy="2597150"/>
+            <a:off x="7087612" y="2889153"/>
+            <a:ext cx="2676304" cy="2943284"/>
           </a:xfrm>
         </p:spPr>
       </p:pic>
-      <p:sp>
-        <p:nvSpPr>
-          <p:cNvPr id="11" name="Text Placeholder 10">
-            <a:extLst>
-              <a:ext uri="{FF2B5EF4-FFF2-40B4-BE49-F238E27FC236}">
-                <a16:creationId xmlns:a16="http://schemas.microsoft.com/office/drawing/2014/main" id="{298D85F0-7BB0-4FB9-A2CF-2841FDFF1DED}"/>
-              </a:ext>
-            </a:extLst>
-          </p:cNvPr>
-          <p:cNvSpPr>
-            <a:spLocks noGrp="1"/>
-          </p:cNvSpPr>
-          <p:nvPr>
-            <p:ph type="body" sz="quarter" idx="13"/>
-          </p:nvPr>
-        </p:nvSpPr>
-        <p:spPr/>
-        <p:txBody>
-          <a:bodyPr>
-            <a:normAutofit fontScale="92500" lnSpcReduction="20000"/>
-          </a:bodyPr>
-          <a:lstStyle/>
-          <a:p>
-            <a:r>
-              <a:rPr lang="en-US" dirty="0"/>
-              <a:t>Code from </a:t>
-            </a:r>
-          </a:p>
-          <a:p>
-            <a:r>
-              <a:rPr lang="en-US" dirty="0"/>
-              <a:t>previous example</a:t>
-            </a:r>
-          </a:p>
-        </p:txBody>
-      </p:sp>
-      <p:sp>
-        <p:nvSpPr>
-          <p:cNvPr id="8" name="Title 7">
-            <a:extLst>
-              <a:ext uri="{FF2B5EF4-FFF2-40B4-BE49-F238E27FC236}">
-                <a16:creationId xmlns:a16="http://schemas.microsoft.com/office/drawing/2014/main" id="{841E4BB3-2815-4E64-B26E-F56F94D66322}"/>
-              </a:ext>
-            </a:extLst>
-          </p:cNvPr>
-          <p:cNvSpPr>
-            <a:spLocks noGrp="1"/>
-          </p:cNvSpPr>
-          <p:nvPr>
-            <p:ph type="title"/>
-          </p:nvPr>
-        </p:nvSpPr>
-        <p:spPr/>
-        <p:txBody>
-          <a:bodyPr/>
-          <a:lstStyle/>
-          <a:p>
-            <a:r>
-              <a:rPr lang="en-US" dirty="0"/>
-              <a:t>While loop</a:t>
-            </a:r>
-          </a:p>
-        </p:txBody>
-      </p:sp>
     </p:spTree>
     <p:extLst>
       <p:ext uri="{BB962C8B-B14F-4D97-AF65-F5344CB8AC3E}">
@@ -7049,7 +4597,7 @@
 </p:sld>
 </file>
 
-<file path=ppt/slides/slide8.xml><?xml version="1.0" encoding="utf-8"?>
+<file path=ppt/slides/slide11.xml><?xml version="1.0" encoding="utf-8"?>
 <p:sld xmlns:a="http://schemas.openxmlformats.org/drawingml/2006/main" xmlns:r="http://schemas.openxmlformats.org/officeDocument/2006/relationships" xmlns:p="http://schemas.openxmlformats.org/presentationml/2006/main">
   <p:cSld>
     <p:spTree>
@@ -7119,7 +4667,29 @@
           <a:p>
             <a:r>
               <a:rPr lang="en-US" dirty="0"/>
-              <a:t>Write a program that asks the user for a number and then prints the sum of all numbers from 1 to that number. For example, if the number is 4, then you calculate 1+ 2+ 3+ 4 = 10.</a:t>
+              <a:t>Write a program that asks the user for a number and then prints the sum of all numbers from </a:t>
+            </a:r>
+            <a:r>
+              <a:rPr lang="en-US" dirty="0">
+                <a:latin typeface="Arial" panose="020B0604020202020204" pitchFamily="34" charset="0"/>
+                <a:cs typeface="Arial" panose="020B0604020202020204" pitchFamily="34" charset="0"/>
+              </a:rPr>
+              <a:t>1</a:t>
+            </a:r>
+            <a:r>
+              <a:rPr lang="en-US" dirty="0"/>
+              <a:t> to that number. For example, if the number is 4, then you calculate </a:t>
+            </a:r>
+            <a:r>
+              <a:rPr lang="en-US" dirty="0">
+                <a:latin typeface="Arial" panose="020B0604020202020204" pitchFamily="34" charset="0"/>
+                <a:cs typeface="Arial" panose="020B0604020202020204" pitchFamily="34" charset="0"/>
+              </a:rPr>
+              <a:t>1</a:t>
+            </a:r>
+            <a:r>
+              <a:rPr lang="en-US" dirty="0"/>
+              <a:t>+ 2+ 3+ 4 = 10.</a:t>
             </a:r>
           </a:p>
           <a:p>
@@ -7159,7 +4729,29 @@
             </a:pPr>
             <a:r>
               <a:rPr lang="en-US" dirty="0"/>
-              <a:t>The sum from 1 through 5 is 15</a:t>
+              <a:t>The sum from </a:t>
+            </a:r>
+            <a:r>
+              <a:rPr lang="en-US" dirty="0">
+                <a:latin typeface="Arial" panose="020B0604020202020204" pitchFamily="34" charset="0"/>
+                <a:cs typeface="Arial" panose="020B0604020202020204" pitchFamily="34" charset="0"/>
+              </a:rPr>
+              <a:t>1</a:t>
+            </a:r>
+            <a:r>
+              <a:rPr lang="en-US" dirty="0"/>
+              <a:t> through 5 is </a:t>
+            </a:r>
+            <a:r>
+              <a:rPr lang="en-US" dirty="0">
+                <a:latin typeface="Arial" panose="020B0604020202020204" pitchFamily="34" charset="0"/>
+                <a:cs typeface="Arial" panose="020B0604020202020204" pitchFamily="34" charset="0"/>
+              </a:rPr>
+              <a:t>1</a:t>
+            </a:r>
+            <a:r>
+              <a:rPr lang="en-US" dirty="0"/>
+              <a:t>5</a:t>
             </a:r>
           </a:p>
           <a:p>
@@ -7186,7 +4778,7 @@
 </p:sld>
 </file>
 
-<file path=ppt/slides/slide9.xml><?xml version="1.0" encoding="utf-8"?>
+<file path=ppt/slides/slide12.xml><?xml version="1.0" encoding="utf-8"?>
 <p:sld xmlns:a="http://schemas.openxmlformats.org/drawingml/2006/main" xmlns:r="http://schemas.openxmlformats.org/officeDocument/2006/relationships" xmlns:p="http://schemas.openxmlformats.org/presentationml/2006/main">
   <p:cSld>
     <p:bg>
@@ -7399,6 +4991,5034 @@
     <p:extLst>
       <p:ext uri="{BB962C8B-B14F-4D97-AF65-F5344CB8AC3E}">
         <p14:creationId xmlns:p14="http://schemas.microsoft.com/office/powerpoint/2010/main" val="1164611691"/>
+      </p:ext>
+    </p:extLst>
+  </p:cSld>
+  <p:clrMapOvr>
+    <a:masterClrMapping/>
+  </p:clrMapOvr>
+</p:sld>
+</file>
+
+<file path=ppt/slides/slide13.xml><?xml version="1.0" encoding="utf-8"?>
+<p:sld xmlns:a="http://schemas.openxmlformats.org/drawingml/2006/main" xmlns:r="http://schemas.openxmlformats.org/officeDocument/2006/relationships" xmlns:p="http://schemas.openxmlformats.org/presentationml/2006/main">
+  <p:cSld>
+    <p:spTree>
+      <p:nvGrpSpPr>
+        <p:cNvPr id="1" name=""/>
+        <p:cNvGrpSpPr/>
+        <p:nvPr/>
+      </p:nvGrpSpPr>
+      <p:grpSpPr>
+        <a:xfrm>
+          <a:off x="0" y="0"/>
+          <a:ext cx="0" cy="0"/>
+          <a:chOff x="0" y="0"/>
+          <a:chExt cx="0" cy="0"/>
+        </a:xfrm>
+      </p:grpSpPr>
+      <p:sp>
+        <p:nvSpPr>
+          <p:cNvPr id="2" name="Title 1">
+            <a:extLst>
+              <a:ext uri="{FF2B5EF4-FFF2-40B4-BE49-F238E27FC236}">
+                <a16:creationId xmlns:a16="http://schemas.microsoft.com/office/drawing/2014/main" id="{DE6369C1-537D-41D4-8572-F6AC218B34F0}"/>
+              </a:ext>
+            </a:extLst>
+          </p:cNvPr>
+          <p:cNvSpPr>
+            <a:spLocks noGrp="1"/>
+          </p:cNvSpPr>
+          <p:nvPr>
+            <p:ph type="title"/>
+          </p:nvPr>
+        </p:nvSpPr>
+        <p:spPr/>
+        <p:txBody>
+          <a:bodyPr/>
+          <a:lstStyle/>
+          <a:p>
+            <a:r>
+              <a:rPr lang="en-US" dirty="0"/>
+              <a:t>Example Problems!</a:t>
+            </a:r>
+          </a:p>
+        </p:txBody>
+      </p:sp>
+      <p:sp>
+        <p:nvSpPr>
+          <p:cNvPr id="3" name="Content Placeholder 2">
+            <a:extLst>
+              <a:ext uri="{FF2B5EF4-FFF2-40B4-BE49-F238E27FC236}">
+                <a16:creationId xmlns:a16="http://schemas.microsoft.com/office/drawing/2014/main" id="{EC93E059-6775-40E5-A0DF-F36147EAE6A6}"/>
+              </a:ext>
+            </a:extLst>
+          </p:cNvPr>
+          <p:cNvSpPr>
+            <a:spLocks noGrp="1"/>
+          </p:cNvSpPr>
+          <p:nvPr>
+            <p:ph idx="1"/>
+          </p:nvPr>
+        </p:nvSpPr>
+        <p:spPr/>
+        <p:txBody>
+          <a:bodyPr/>
+          <a:lstStyle/>
+          <a:p>
+            <a:r>
+              <a:rPr lang="en-US" dirty="0"/>
+              <a:t>Write a program that prints out stars (*). Have the user enter how many stars wide and tall you should print.</a:t>
+            </a:r>
+          </a:p>
+          <a:p>
+            <a:pPr marL="0" indent="0">
+              <a:buNone/>
+            </a:pPr>
+            <a:r>
+              <a:rPr lang="en-US" dirty="0"/>
+              <a:t>Example:</a:t>
+            </a:r>
+          </a:p>
+          <a:p>
+            <a:pPr marL="0" indent="0">
+              <a:buNone/>
+            </a:pPr>
+            <a:r>
+              <a:rPr lang="en-US" dirty="0"/>
+              <a:t>Width = 6, height = 4 will print out:</a:t>
+            </a:r>
+          </a:p>
+          <a:p>
+            <a:pPr marL="0" indent="0">
+              <a:spcBef>
+                <a:spcPts val="0"/>
+              </a:spcBef>
+              <a:buNone/>
+            </a:pPr>
+            <a:r>
+              <a:rPr lang="en-US" dirty="0"/>
+              <a:t>	</a:t>
+            </a:r>
+          </a:p>
+          <a:p>
+            <a:pPr marL="0" indent="0">
+              <a:spcBef>
+                <a:spcPts val="0"/>
+              </a:spcBef>
+              <a:buNone/>
+            </a:pPr>
+            <a:r>
+              <a:rPr lang="en-US" dirty="0"/>
+              <a:t>******</a:t>
+            </a:r>
+          </a:p>
+          <a:p>
+            <a:pPr marL="0" indent="0">
+              <a:spcBef>
+                <a:spcPts val="0"/>
+              </a:spcBef>
+              <a:buNone/>
+            </a:pPr>
+            <a:r>
+              <a:rPr lang="en-US" dirty="0"/>
+              <a:t>******</a:t>
+            </a:r>
+          </a:p>
+          <a:p>
+            <a:pPr marL="0" indent="0">
+              <a:spcBef>
+                <a:spcPts val="0"/>
+              </a:spcBef>
+              <a:buNone/>
+            </a:pPr>
+            <a:r>
+              <a:rPr lang="en-US" dirty="0"/>
+              <a:t>******</a:t>
+            </a:r>
+          </a:p>
+          <a:p>
+            <a:pPr marL="0" indent="0">
+              <a:spcBef>
+                <a:spcPts val="0"/>
+              </a:spcBef>
+              <a:buNone/>
+            </a:pPr>
+            <a:r>
+              <a:rPr lang="en-US" dirty="0"/>
+              <a:t>******</a:t>
+            </a:r>
+          </a:p>
+        </p:txBody>
+      </p:sp>
+    </p:spTree>
+    <p:extLst>
+      <p:ext uri="{BB962C8B-B14F-4D97-AF65-F5344CB8AC3E}">
+        <p14:creationId xmlns:p14="http://schemas.microsoft.com/office/powerpoint/2010/main" val="2441336248"/>
+      </p:ext>
+    </p:extLst>
+  </p:cSld>
+  <p:clrMapOvr>
+    <a:masterClrMapping/>
+  </p:clrMapOvr>
+</p:sld>
+</file>
+
+<file path=ppt/slides/slide14.xml><?xml version="1.0" encoding="utf-8"?>
+<p:sld xmlns:a="http://schemas.openxmlformats.org/drawingml/2006/main" xmlns:r="http://schemas.openxmlformats.org/officeDocument/2006/relationships" xmlns:p="http://schemas.openxmlformats.org/presentationml/2006/main">
+  <p:cSld>
+    <p:bg>
+      <p:bgPr>
+        <a:solidFill>
+          <a:schemeClr val="bg1">
+            <a:lumMod val="95000"/>
+          </a:schemeClr>
+        </a:solidFill>
+        <a:effectLst/>
+      </p:bgPr>
+    </p:bg>
+    <p:spTree>
+      <p:nvGrpSpPr>
+        <p:cNvPr id="1" name=""/>
+        <p:cNvGrpSpPr/>
+        <p:nvPr/>
+      </p:nvGrpSpPr>
+      <p:grpSpPr>
+        <a:xfrm>
+          <a:off x="0" y="0"/>
+          <a:ext cx="0" cy="0"/>
+          <a:chOff x="0" y="0"/>
+          <a:chExt cx="0" cy="0"/>
+        </a:xfrm>
+      </p:grpSpPr>
+      <p:sp>
+        <p:nvSpPr>
+          <p:cNvPr id="11" name="Rectangle 10">
+            <a:extLst>
+              <a:ext uri="{FF2B5EF4-FFF2-40B4-BE49-F238E27FC236}">
+                <a16:creationId xmlns:a16="http://schemas.microsoft.com/office/drawing/2014/main" id="{04BEF3F1-2817-4593-8575-BCF2AAB42CF6}"/>
+              </a:ext>
+            </a:extLst>
+          </p:cNvPr>
+          <p:cNvSpPr>
+            <a:spLocks noGrp="1" noRot="1" noChangeAspect="1" noMove="1" noResize="1" noEditPoints="1" noAdjustHandles="1" noChangeArrowheads="1" noChangeShapeType="1" noTextEdit="1"/>
+          </p:cNvSpPr>
+          <p:nvPr>
+            <p:extLst>
+              <p:ext uri="{386F3935-93C4-4BCD-93E2-E3B085C9AB24}">
+                <p16:designElem xmlns:p16="http://schemas.microsoft.com/office/powerpoint/2015/main" val="1"/>
+              </p:ext>
+            </p:extLst>
+          </p:nvPr>
+        </p:nvSpPr>
+        <p:spPr>
+          <a:xfrm>
+            <a:off x="0" y="0"/>
+            <a:ext cx="12192000" cy="6858000"/>
+          </a:xfrm>
+          <a:prstGeom prst="rect">
+            <a:avLst/>
+          </a:prstGeom>
+          <a:solidFill>
+            <a:srgbClr val="856F4C"/>
+          </a:solidFill>
+          <a:ln>
+            <a:noFill/>
+          </a:ln>
+        </p:spPr>
+        <p:style>
+          <a:lnRef idx="2">
+            <a:schemeClr val="accent1">
+              <a:shade val="50000"/>
+            </a:schemeClr>
+          </a:lnRef>
+          <a:fillRef idx="1">
+            <a:schemeClr val="accent1"/>
+          </a:fillRef>
+          <a:effectRef idx="0">
+            <a:schemeClr val="accent1"/>
+          </a:effectRef>
+          <a:fontRef idx="minor">
+            <a:schemeClr val="lt1"/>
+          </a:fontRef>
+        </p:style>
+        <p:txBody>
+          <a:bodyPr rtlCol="0" anchor="ctr"/>
+          <a:lstStyle/>
+          <a:p>
+            <a:pPr algn="ctr"/>
+            <a:endParaRPr lang="en-US"/>
+          </a:p>
+        </p:txBody>
+      </p:sp>
+      <p:pic>
+        <p:nvPicPr>
+          <p:cNvPr id="6" name="Picture Placeholder 5">
+            <a:extLst>
+              <a:ext uri="{FF2B5EF4-FFF2-40B4-BE49-F238E27FC236}">
+                <a16:creationId xmlns:a16="http://schemas.microsoft.com/office/drawing/2014/main" id="{CFB226FB-FF80-472A-A025-2D0449D649E5}"/>
+              </a:ext>
+            </a:extLst>
+          </p:cNvPr>
+          <p:cNvPicPr>
+            <a:picLocks noGrp="1" noChangeAspect="1"/>
+          </p:cNvPicPr>
+          <p:nvPr>
+            <p:ph type="pic" idx="1"/>
+          </p:nvPr>
+        </p:nvPicPr>
+        <p:blipFill>
+          <a:blip r:embed="rId2"/>
+          <a:stretch>
+            <a:fillRect/>
+          </a:stretch>
+        </p:blipFill>
+        <p:spPr>
+          <a:xfrm>
+            <a:off x="1241748" y="969264"/>
+            <a:ext cx="9708504" cy="4919472"/>
+          </a:xfrm>
+          <a:prstGeom prst="rect">
+            <a:avLst/>
+          </a:prstGeom>
+        </p:spPr>
+      </p:pic>
+      <p:sp>
+        <p:nvSpPr>
+          <p:cNvPr id="13" name="Rectangle 12">
+            <a:extLst>
+              <a:ext uri="{FF2B5EF4-FFF2-40B4-BE49-F238E27FC236}">
+                <a16:creationId xmlns:a16="http://schemas.microsoft.com/office/drawing/2014/main" id="{1FF9A2C9-7772-4A25-A286-C89751B17DB3}"/>
+              </a:ext>
+            </a:extLst>
+          </p:cNvPr>
+          <p:cNvSpPr>
+            <a:spLocks noGrp="1" noRot="1" noChangeAspect="1" noMove="1" noResize="1" noEditPoints="1" noAdjustHandles="1" noChangeArrowheads="1" noChangeShapeType="1" noTextEdit="1"/>
+          </p:cNvSpPr>
+          <p:nvPr>
+            <p:extLst>
+              <p:ext uri="{386F3935-93C4-4BCD-93E2-E3B085C9AB24}">
+                <p16:designElem xmlns:p16="http://schemas.microsoft.com/office/powerpoint/2015/main" val="1"/>
+              </p:ext>
+            </p:extLst>
+          </p:nvPr>
+        </p:nvSpPr>
+        <p:spPr>
+          <a:xfrm>
+            <a:off x="806196" y="804672"/>
+            <a:ext cx="10579608" cy="5248656"/>
+          </a:xfrm>
+          <a:prstGeom prst="rect">
+            <a:avLst/>
+          </a:prstGeom>
+          <a:noFill/>
+          <a:ln w="25400" cap="sq">
+            <a:solidFill>
+              <a:srgbClr val="FFFFFF"/>
+            </a:solidFill>
+            <a:miter lim="800000"/>
+          </a:ln>
+        </p:spPr>
+        <p:style>
+          <a:lnRef idx="2">
+            <a:schemeClr val="accent1">
+              <a:shade val="50000"/>
+            </a:schemeClr>
+          </a:lnRef>
+          <a:fillRef idx="1">
+            <a:schemeClr val="accent1"/>
+          </a:fillRef>
+          <a:effectRef idx="0">
+            <a:schemeClr val="accent1"/>
+          </a:effectRef>
+          <a:fontRef idx="minor">
+            <a:schemeClr val="lt1"/>
+          </a:fontRef>
+        </p:style>
+        <p:txBody>
+          <a:bodyPr rtlCol="0" anchor="ctr"/>
+          <a:lstStyle/>
+          <a:p>
+            <a:pPr algn="ctr"/>
+            <a:endParaRPr lang="en-US"/>
+          </a:p>
+        </p:txBody>
+      </p:sp>
+      <p:sp>
+        <p:nvSpPr>
+          <p:cNvPr id="4" name="Text Placeholder 3">
+            <a:extLst>
+              <a:ext uri="{FF2B5EF4-FFF2-40B4-BE49-F238E27FC236}">
+                <a16:creationId xmlns:a16="http://schemas.microsoft.com/office/drawing/2014/main" id="{9A8C16F9-3767-45D1-BFEE-AE6A7AED6FED}"/>
+              </a:ext>
+            </a:extLst>
+          </p:cNvPr>
+          <p:cNvSpPr>
+            <a:spLocks noGrp="1"/>
+          </p:cNvSpPr>
+          <p:nvPr>
+            <p:ph type="body" sz="half" idx="2"/>
+          </p:nvPr>
+        </p:nvSpPr>
+        <p:spPr>
+          <a:xfrm>
+            <a:off x="7317586" y="1111518"/>
+            <a:ext cx="3794760" cy="2194037"/>
+          </a:xfrm>
+        </p:spPr>
+        <p:txBody>
+          <a:bodyPr/>
+          <a:lstStyle/>
+          <a:p>
+            <a:endParaRPr lang="en-US" dirty="0"/>
+          </a:p>
+        </p:txBody>
+      </p:sp>
+    </p:spTree>
+    <p:extLst>
+      <p:ext uri="{BB962C8B-B14F-4D97-AF65-F5344CB8AC3E}">
+        <p14:creationId xmlns:p14="http://schemas.microsoft.com/office/powerpoint/2010/main" val="3345410681"/>
+      </p:ext>
+    </p:extLst>
+  </p:cSld>
+  <p:clrMapOvr>
+    <a:masterClrMapping/>
+  </p:clrMapOvr>
+</p:sld>
+</file>
+
+<file path=ppt/slides/slide15.xml><?xml version="1.0" encoding="utf-8"?>
+<p:sld xmlns:a="http://schemas.openxmlformats.org/drawingml/2006/main" xmlns:r="http://schemas.openxmlformats.org/officeDocument/2006/relationships" xmlns:p="http://schemas.openxmlformats.org/presentationml/2006/main">
+  <p:cSld>
+    <p:spTree>
+      <p:nvGrpSpPr>
+        <p:cNvPr id="1" name=""/>
+        <p:cNvGrpSpPr/>
+        <p:nvPr/>
+      </p:nvGrpSpPr>
+      <p:grpSpPr>
+        <a:xfrm>
+          <a:off x="0" y="0"/>
+          <a:ext cx="0" cy="0"/>
+          <a:chOff x="0" y="0"/>
+          <a:chExt cx="0" cy="0"/>
+        </a:xfrm>
+      </p:grpSpPr>
+      <p:sp>
+        <p:nvSpPr>
+          <p:cNvPr id="2" name="Title 1">
+            <a:extLst>
+              <a:ext uri="{FF2B5EF4-FFF2-40B4-BE49-F238E27FC236}">
+                <a16:creationId xmlns:a16="http://schemas.microsoft.com/office/drawing/2014/main" id="{02E47EC5-9C2C-45FD-8B1A-2D15724F9C21}"/>
+              </a:ext>
+            </a:extLst>
+          </p:cNvPr>
+          <p:cNvSpPr>
+            <a:spLocks noGrp="1"/>
+          </p:cNvSpPr>
+          <p:nvPr>
+            <p:ph type="title"/>
+          </p:nvPr>
+        </p:nvSpPr>
+        <p:spPr/>
+        <p:txBody>
+          <a:bodyPr/>
+          <a:lstStyle/>
+          <a:p>
+            <a:r>
+              <a:rPr lang="en-US" dirty="0"/>
+              <a:t>Non-counting loops</a:t>
+            </a:r>
+          </a:p>
+        </p:txBody>
+      </p:sp>
+      <p:sp>
+        <p:nvSpPr>
+          <p:cNvPr id="3" name="Content Placeholder 2">
+            <a:extLst>
+              <a:ext uri="{FF2B5EF4-FFF2-40B4-BE49-F238E27FC236}">
+                <a16:creationId xmlns:a16="http://schemas.microsoft.com/office/drawing/2014/main" id="{FB0CF578-ED22-4FF6-A29D-42F74380C691}"/>
+              </a:ext>
+            </a:extLst>
+          </p:cNvPr>
+          <p:cNvSpPr>
+            <a:spLocks noGrp="1"/>
+          </p:cNvSpPr>
+          <p:nvPr>
+            <p:ph idx="1"/>
+          </p:nvPr>
+        </p:nvSpPr>
+        <p:spPr/>
+        <p:txBody>
+          <a:bodyPr/>
+          <a:lstStyle/>
+          <a:p>
+            <a:r>
+              <a:rPr lang="en-US" dirty="0"/>
+              <a:t>So far, the loops we’ve seen execute based on a count. They repeat until we’ve executed the loop a certain number of times.</a:t>
+            </a:r>
+          </a:p>
+          <a:p>
+            <a:r>
+              <a:rPr lang="en-US" dirty="0"/>
+              <a:t>While loops are particularly useful when you don’t know how many times you need to execute the loop</a:t>
+            </a:r>
+          </a:p>
+          <a:p>
+            <a:pPr lvl="1"/>
+            <a:r>
+              <a:rPr lang="en-US" dirty="0"/>
+              <a:t>Loop until reaching a particular value (“sentinel”)</a:t>
+            </a:r>
+          </a:p>
+          <a:p>
+            <a:pPr lvl="1"/>
+            <a:r>
+              <a:rPr lang="en-US" dirty="0"/>
+              <a:t>Loop until a final state is achieved (“flag”)</a:t>
+            </a:r>
+          </a:p>
+        </p:txBody>
+      </p:sp>
+    </p:spTree>
+    <p:extLst>
+      <p:ext uri="{BB962C8B-B14F-4D97-AF65-F5344CB8AC3E}">
+        <p14:creationId xmlns:p14="http://schemas.microsoft.com/office/powerpoint/2010/main" val="1677722654"/>
+      </p:ext>
+    </p:extLst>
+  </p:cSld>
+  <p:clrMapOvr>
+    <a:masterClrMapping/>
+  </p:clrMapOvr>
+</p:sld>
+</file>
+
+<file path=ppt/slides/slide16.xml><?xml version="1.0" encoding="utf-8"?>
+<p:sld xmlns:a="http://schemas.openxmlformats.org/drawingml/2006/main" xmlns:r="http://schemas.openxmlformats.org/officeDocument/2006/relationships" xmlns:p="http://schemas.openxmlformats.org/presentationml/2006/main">
+  <p:cSld>
+    <p:spTree>
+      <p:nvGrpSpPr>
+        <p:cNvPr id="1" name=""/>
+        <p:cNvGrpSpPr/>
+        <p:nvPr/>
+      </p:nvGrpSpPr>
+      <p:grpSpPr>
+        <a:xfrm>
+          <a:off x="0" y="0"/>
+          <a:ext cx="0" cy="0"/>
+          <a:chOff x="0" y="0"/>
+          <a:chExt cx="0" cy="0"/>
+        </a:xfrm>
+      </p:grpSpPr>
+      <p:sp>
+        <p:nvSpPr>
+          <p:cNvPr id="2" name="Title 1">
+            <a:extLst>
+              <a:ext uri="{FF2B5EF4-FFF2-40B4-BE49-F238E27FC236}">
+                <a16:creationId xmlns:a16="http://schemas.microsoft.com/office/drawing/2014/main" id="{D0A9572D-E36A-4D5C-9D68-F03C20CE12FE}"/>
+              </a:ext>
+            </a:extLst>
+          </p:cNvPr>
+          <p:cNvSpPr>
+            <a:spLocks noGrp="1"/>
+          </p:cNvSpPr>
+          <p:nvPr>
+            <p:ph type="title"/>
+          </p:nvPr>
+        </p:nvSpPr>
+        <p:spPr/>
+        <p:txBody>
+          <a:bodyPr/>
+          <a:lstStyle/>
+          <a:p>
+            <a:r>
+              <a:rPr lang="en-US" dirty="0"/>
+              <a:t>Sentinel Controlled Loop</a:t>
+            </a:r>
+          </a:p>
+        </p:txBody>
+      </p:sp>
+      <p:sp>
+        <p:nvSpPr>
+          <p:cNvPr id="3" name="Content Placeholder 2">
+            <a:extLst>
+              <a:ext uri="{FF2B5EF4-FFF2-40B4-BE49-F238E27FC236}">
+                <a16:creationId xmlns:a16="http://schemas.microsoft.com/office/drawing/2014/main" id="{BBCFEA85-6DC6-4EFB-9048-83F84FCC2B31}"/>
+              </a:ext>
+            </a:extLst>
+          </p:cNvPr>
+          <p:cNvSpPr>
+            <a:spLocks noGrp="1"/>
+          </p:cNvSpPr>
+          <p:nvPr>
+            <p:ph idx="1"/>
+          </p:nvPr>
+        </p:nvSpPr>
+        <p:spPr/>
+        <p:txBody>
+          <a:bodyPr/>
+          <a:lstStyle/>
+          <a:p>
+            <a:r>
+              <a:rPr lang="en-US" dirty="0"/>
+              <a:t>A “sentinel” is a value that indicates the loop should end (often user input value)</a:t>
+            </a:r>
+          </a:p>
+          <a:p>
+            <a:r>
+              <a:rPr lang="en-US" dirty="0"/>
+              <a:t>In this way, the loop won’t iterate a predetermined number of times; instead it will end once the “sentinel” value is reached</a:t>
+            </a:r>
+          </a:p>
+          <a:p>
+            <a:endParaRPr lang="en-US" dirty="0"/>
+          </a:p>
+        </p:txBody>
+      </p:sp>
+    </p:spTree>
+    <p:extLst>
+      <p:ext uri="{BB962C8B-B14F-4D97-AF65-F5344CB8AC3E}">
+        <p14:creationId xmlns:p14="http://schemas.microsoft.com/office/powerpoint/2010/main" val="3450426187"/>
+      </p:ext>
+    </p:extLst>
+  </p:cSld>
+  <p:clrMapOvr>
+    <a:masterClrMapping/>
+  </p:clrMapOvr>
+</p:sld>
+</file>
+
+<file path=ppt/slides/slide17.xml><?xml version="1.0" encoding="utf-8"?>
+<p:sld xmlns:a="http://schemas.openxmlformats.org/drawingml/2006/main" xmlns:r="http://schemas.openxmlformats.org/officeDocument/2006/relationships" xmlns:p="http://schemas.openxmlformats.org/presentationml/2006/main">
+  <p:cSld>
+    <p:spTree>
+      <p:nvGrpSpPr>
+        <p:cNvPr id="1" name=""/>
+        <p:cNvGrpSpPr/>
+        <p:nvPr/>
+      </p:nvGrpSpPr>
+      <p:grpSpPr>
+        <a:xfrm>
+          <a:off x="0" y="0"/>
+          <a:ext cx="0" cy="0"/>
+          <a:chOff x="0" y="0"/>
+          <a:chExt cx="0" cy="0"/>
+        </a:xfrm>
+      </p:grpSpPr>
+      <p:sp>
+        <p:nvSpPr>
+          <p:cNvPr id="2" name="Title 1">
+            <a:extLst>
+              <a:ext uri="{FF2B5EF4-FFF2-40B4-BE49-F238E27FC236}">
+                <a16:creationId xmlns:a16="http://schemas.microsoft.com/office/drawing/2014/main" id="{6F5961FC-70CD-49F6-8ABF-3335073E4E17}"/>
+              </a:ext>
+            </a:extLst>
+          </p:cNvPr>
+          <p:cNvSpPr>
+            <a:spLocks noGrp="1"/>
+          </p:cNvSpPr>
+          <p:nvPr>
+            <p:ph type="title"/>
+          </p:nvPr>
+        </p:nvSpPr>
+        <p:spPr/>
+        <p:txBody>
+          <a:bodyPr/>
+          <a:lstStyle/>
+          <a:p>
+            <a:r>
+              <a:rPr lang="en-US" dirty="0"/>
+              <a:t>Example:</a:t>
+            </a:r>
+            <a:br>
+              <a:rPr lang="en-US" dirty="0"/>
+            </a:br>
+            <a:r>
+              <a:rPr lang="en-US" dirty="0"/>
+              <a:t>Sum user input</a:t>
+            </a:r>
+          </a:p>
+        </p:txBody>
+      </p:sp>
+      <p:sp>
+        <p:nvSpPr>
+          <p:cNvPr id="3" name="Content Placeholder 2">
+            <a:extLst>
+              <a:ext uri="{FF2B5EF4-FFF2-40B4-BE49-F238E27FC236}">
+                <a16:creationId xmlns:a16="http://schemas.microsoft.com/office/drawing/2014/main" id="{4B375650-1223-47F3-92FD-0001FC4EC2D6}"/>
+              </a:ext>
+            </a:extLst>
+          </p:cNvPr>
+          <p:cNvSpPr>
+            <a:spLocks noGrp="1"/>
+          </p:cNvSpPr>
+          <p:nvPr>
+            <p:ph idx="1"/>
+          </p:nvPr>
+        </p:nvSpPr>
+        <p:spPr/>
+        <p:txBody>
+          <a:bodyPr/>
+          <a:lstStyle/>
+          <a:p>
+            <a:r>
+              <a:rPr lang="en-US" dirty="0"/>
+              <a:t>Write a program to add up numbers that the user enters.  When the user is finished entering numbers, they will enter the number “0” to indicate they are done. Print out the sum of all the numbers the user entered.</a:t>
+            </a:r>
+          </a:p>
+          <a:p>
+            <a:r>
+              <a:rPr lang="en-US" dirty="0"/>
+              <a:t>In this problem, we don’t know how many numbers the user will enter, so we can’t use a counter variable and stop it at some predetermined endpoint.</a:t>
+            </a:r>
+          </a:p>
+          <a:p>
+            <a:r>
+              <a:rPr lang="en-US" dirty="0"/>
+              <a:t>We will use “0” as our “sentinel” value to denote the end of their input.</a:t>
+            </a:r>
+          </a:p>
+        </p:txBody>
+      </p:sp>
+    </p:spTree>
+    <p:extLst>
+      <p:ext uri="{BB962C8B-B14F-4D97-AF65-F5344CB8AC3E}">
+        <p14:creationId xmlns:p14="http://schemas.microsoft.com/office/powerpoint/2010/main" val="1966113916"/>
+      </p:ext>
+    </p:extLst>
+  </p:cSld>
+  <p:clrMapOvr>
+    <a:masterClrMapping/>
+  </p:clrMapOvr>
+  <p:timing>
+    <p:tnLst>
+      <p:par>
+        <p:cTn id="1" dur="indefinite" restart="never" nodeType="tmRoot">
+          <p:childTnLst>
+            <p:seq concurrent="1" nextAc="seek">
+              <p:cTn id="2" dur="indefinite" nodeType="mainSeq">
+                <p:childTnLst>
+                  <p:par>
+                    <p:cTn id="3" fill="hold">
+                      <p:stCondLst>
+                        <p:cond delay="indefinite"/>
+                      </p:stCondLst>
+                      <p:childTnLst>
+                        <p:par>
+                          <p:cTn id="4" fill="hold">
+                            <p:stCondLst>
+                              <p:cond delay="0"/>
+                            </p:stCondLst>
+                            <p:childTnLst>
+                              <p:par>
+                                <p:cTn id="5" presetID="1" presetClass="entr" presetSubtype="0" fill="hold" grpId="0" nodeType="clickEffect">
+                                  <p:stCondLst>
+                                    <p:cond delay="0"/>
+                                  </p:stCondLst>
+                                  <p:childTnLst>
+                                    <p:set>
+                                      <p:cBhvr>
+                                        <p:cTn id="6" dur="1" fill="hold">
+                                          <p:stCondLst>
+                                            <p:cond delay="0"/>
+                                          </p:stCondLst>
+                                        </p:cTn>
+                                        <p:tgtEl>
+                                          <p:spTgt spid="3">
+                                            <p:txEl>
+                                              <p:pRg st="0" end="0"/>
+                                            </p:txEl>
+                                          </p:spTgt>
+                                        </p:tgtEl>
+                                        <p:attrNameLst>
+                                          <p:attrName>style.visibility</p:attrName>
+                                        </p:attrNameLst>
+                                      </p:cBhvr>
+                                      <p:to>
+                                        <p:strVal val="visible"/>
+                                      </p:to>
+                                    </p:set>
+                                  </p:childTnLst>
+                                </p:cTn>
+                              </p:par>
+                            </p:childTnLst>
+                          </p:cTn>
+                        </p:par>
+                      </p:childTnLst>
+                    </p:cTn>
+                  </p:par>
+                  <p:par>
+                    <p:cTn id="7" fill="hold">
+                      <p:stCondLst>
+                        <p:cond delay="indefinite"/>
+                      </p:stCondLst>
+                      <p:childTnLst>
+                        <p:par>
+                          <p:cTn id="8" fill="hold">
+                            <p:stCondLst>
+                              <p:cond delay="0"/>
+                            </p:stCondLst>
+                            <p:childTnLst>
+                              <p:par>
+                                <p:cTn id="9" presetID="1" presetClass="entr" presetSubtype="0" fill="hold" grpId="0" nodeType="clickEffect">
+                                  <p:stCondLst>
+                                    <p:cond delay="0"/>
+                                  </p:stCondLst>
+                                  <p:childTnLst>
+                                    <p:set>
+                                      <p:cBhvr>
+                                        <p:cTn id="10" dur="1" fill="hold">
+                                          <p:stCondLst>
+                                            <p:cond delay="0"/>
+                                          </p:stCondLst>
+                                        </p:cTn>
+                                        <p:tgtEl>
+                                          <p:spTgt spid="3">
+                                            <p:txEl>
+                                              <p:pRg st="1" end="1"/>
+                                            </p:txEl>
+                                          </p:spTgt>
+                                        </p:tgtEl>
+                                        <p:attrNameLst>
+                                          <p:attrName>style.visibility</p:attrName>
+                                        </p:attrNameLst>
+                                      </p:cBhvr>
+                                      <p:to>
+                                        <p:strVal val="visible"/>
+                                      </p:to>
+                                    </p:set>
+                                  </p:childTnLst>
+                                </p:cTn>
+                              </p:par>
+                            </p:childTnLst>
+                          </p:cTn>
+                        </p:par>
+                      </p:childTnLst>
+                    </p:cTn>
+                  </p:par>
+                  <p:par>
+                    <p:cTn id="11" fill="hold">
+                      <p:stCondLst>
+                        <p:cond delay="indefinite"/>
+                      </p:stCondLst>
+                      <p:childTnLst>
+                        <p:par>
+                          <p:cTn id="12" fill="hold">
+                            <p:stCondLst>
+                              <p:cond delay="0"/>
+                            </p:stCondLst>
+                            <p:childTnLst>
+                              <p:par>
+                                <p:cTn id="13" presetID="1" presetClass="entr" presetSubtype="0" fill="hold" grpId="0" nodeType="clickEffect">
+                                  <p:stCondLst>
+                                    <p:cond delay="0"/>
+                                  </p:stCondLst>
+                                  <p:childTnLst>
+                                    <p:set>
+                                      <p:cBhvr>
+                                        <p:cTn id="14" dur="1" fill="hold">
+                                          <p:stCondLst>
+                                            <p:cond delay="0"/>
+                                          </p:stCondLst>
+                                        </p:cTn>
+                                        <p:tgtEl>
+                                          <p:spTgt spid="3">
+                                            <p:txEl>
+                                              <p:pRg st="2" end="2"/>
+                                            </p:txEl>
+                                          </p:spTgt>
+                                        </p:tgtEl>
+                                        <p:attrNameLst>
+                                          <p:attrName>style.visibility</p:attrName>
+                                        </p:attrNameLst>
+                                      </p:cBhvr>
+                                      <p:to>
+                                        <p:strVal val="visible"/>
+                                      </p:to>
+                                    </p:set>
+                                  </p:childTnLst>
+                                </p:cTn>
+                              </p:par>
+                            </p:childTnLst>
+                          </p:cTn>
+                        </p:par>
+                      </p:childTnLst>
+                    </p:cTn>
+                  </p:par>
+                </p:childTnLst>
+              </p:cTn>
+              <p:prevCondLst>
+                <p:cond evt="onPrev" delay="0">
+                  <p:tgtEl>
+                    <p:sldTgt/>
+                  </p:tgtEl>
+                </p:cond>
+              </p:prevCondLst>
+              <p:nextCondLst>
+                <p:cond evt="onNext" delay="0">
+                  <p:tgtEl>
+                    <p:sldTgt/>
+                  </p:tgtEl>
+                </p:cond>
+              </p:nextCondLst>
+            </p:seq>
+          </p:childTnLst>
+        </p:cTn>
+      </p:par>
+    </p:tnLst>
+    <p:bldLst>
+      <p:bldP spid="3" grpId="0" build="p"/>
+    </p:bldLst>
+  </p:timing>
+</p:sld>
+</file>
+
+<file path=ppt/slides/slide18.xml><?xml version="1.0" encoding="utf-8"?>
+<p:sld xmlns:a="http://schemas.openxmlformats.org/drawingml/2006/main" xmlns:r="http://schemas.openxmlformats.org/officeDocument/2006/relationships" xmlns:p="http://schemas.openxmlformats.org/presentationml/2006/main">
+  <p:cSld>
+    <p:bg>
+      <p:bgPr>
+        <a:solidFill>
+          <a:schemeClr val="bg1">
+            <a:lumMod val="95000"/>
+          </a:schemeClr>
+        </a:solidFill>
+        <a:effectLst/>
+      </p:bgPr>
+    </p:bg>
+    <p:spTree>
+      <p:nvGrpSpPr>
+        <p:cNvPr id="1" name=""/>
+        <p:cNvGrpSpPr/>
+        <p:nvPr/>
+      </p:nvGrpSpPr>
+      <p:grpSpPr>
+        <a:xfrm>
+          <a:off x="0" y="0"/>
+          <a:ext cx="0" cy="0"/>
+          <a:chOff x="0" y="0"/>
+          <a:chExt cx="0" cy="0"/>
+        </a:xfrm>
+      </p:grpSpPr>
+      <p:sp>
+        <p:nvSpPr>
+          <p:cNvPr id="11" name="Rectangle 10">
+            <a:extLst>
+              <a:ext uri="{FF2B5EF4-FFF2-40B4-BE49-F238E27FC236}">
+                <a16:creationId xmlns:a16="http://schemas.microsoft.com/office/drawing/2014/main" id="{04BEF3F1-2817-4593-8575-BCF2AAB42CF6}"/>
+              </a:ext>
+            </a:extLst>
+          </p:cNvPr>
+          <p:cNvSpPr>
+            <a:spLocks noGrp="1" noRot="1" noChangeAspect="1" noMove="1" noResize="1" noEditPoints="1" noAdjustHandles="1" noChangeArrowheads="1" noChangeShapeType="1" noTextEdit="1"/>
+          </p:cNvSpPr>
+          <p:nvPr>
+            <p:extLst>
+              <p:ext uri="{386F3935-93C4-4BCD-93E2-E3B085C9AB24}">
+                <p16:designElem xmlns:p16="http://schemas.microsoft.com/office/powerpoint/2015/main" val="1"/>
+              </p:ext>
+            </p:extLst>
+          </p:nvPr>
+        </p:nvSpPr>
+        <p:spPr>
+          <a:xfrm>
+            <a:off x="0" y="0"/>
+            <a:ext cx="12192000" cy="6858000"/>
+          </a:xfrm>
+          <a:prstGeom prst="rect">
+            <a:avLst/>
+          </a:prstGeom>
+          <a:solidFill>
+            <a:srgbClr val="856F4C"/>
+          </a:solidFill>
+          <a:ln>
+            <a:noFill/>
+          </a:ln>
+        </p:spPr>
+        <p:style>
+          <a:lnRef idx="2">
+            <a:schemeClr val="accent1">
+              <a:shade val="50000"/>
+            </a:schemeClr>
+          </a:lnRef>
+          <a:fillRef idx="1">
+            <a:schemeClr val="accent1"/>
+          </a:fillRef>
+          <a:effectRef idx="0">
+            <a:schemeClr val="accent1"/>
+          </a:effectRef>
+          <a:fontRef idx="minor">
+            <a:schemeClr val="lt1"/>
+          </a:fontRef>
+        </p:style>
+        <p:txBody>
+          <a:bodyPr rtlCol="0" anchor="ctr"/>
+          <a:lstStyle/>
+          <a:p>
+            <a:pPr algn="ctr"/>
+            <a:endParaRPr lang="en-US"/>
+          </a:p>
+        </p:txBody>
+      </p:sp>
+      <p:pic>
+        <p:nvPicPr>
+          <p:cNvPr id="6" name="Picture Placeholder 5">
+            <a:extLst>
+              <a:ext uri="{FF2B5EF4-FFF2-40B4-BE49-F238E27FC236}">
+                <a16:creationId xmlns:a16="http://schemas.microsoft.com/office/drawing/2014/main" id="{CFB226FB-FF80-472A-A025-2D0449D649E5}"/>
+              </a:ext>
+            </a:extLst>
+          </p:cNvPr>
+          <p:cNvPicPr>
+            <a:picLocks noGrp="1" noChangeAspect="1"/>
+          </p:cNvPicPr>
+          <p:nvPr>
+            <p:ph type="pic" idx="1"/>
+          </p:nvPr>
+        </p:nvPicPr>
+        <p:blipFill>
+          <a:blip r:embed="rId2"/>
+          <a:stretch>
+            <a:fillRect/>
+          </a:stretch>
+        </p:blipFill>
+        <p:spPr>
+          <a:xfrm>
+            <a:off x="2909038" y="969264"/>
+            <a:ext cx="6373924" cy="4919472"/>
+          </a:xfrm>
+          <a:prstGeom prst="rect">
+            <a:avLst/>
+          </a:prstGeom>
+        </p:spPr>
+      </p:pic>
+      <p:sp>
+        <p:nvSpPr>
+          <p:cNvPr id="13" name="Rectangle 12">
+            <a:extLst>
+              <a:ext uri="{FF2B5EF4-FFF2-40B4-BE49-F238E27FC236}">
+                <a16:creationId xmlns:a16="http://schemas.microsoft.com/office/drawing/2014/main" id="{1FF9A2C9-7772-4A25-A286-C89751B17DB3}"/>
+              </a:ext>
+            </a:extLst>
+          </p:cNvPr>
+          <p:cNvSpPr>
+            <a:spLocks noGrp="1" noRot="1" noChangeAspect="1" noMove="1" noResize="1" noEditPoints="1" noAdjustHandles="1" noChangeArrowheads="1" noChangeShapeType="1" noTextEdit="1"/>
+          </p:cNvSpPr>
+          <p:nvPr>
+            <p:extLst>
+              <p:ext uri="{386F3935-93C4-4BCD-93E2-E3B085C9AB24}">
+                <p16:designElem xmlns:p16="http://schemas.microsoft.com/office/powerpoint/2015/main" val="1"/>
+              </p:ext>
+            </p:extLst>
+          </p:nvPr>
+        </p:nvSpPr>
+        <p:spPr>
+          <a:xfrm>
+            <a:off x="806196" y="804672"/>
+            <a:ext cx="10579608" cy="5248656"/>
+          </a:xfrm>
+          <a:prstGeom prst="rect">
+            <a:avLst/>
+          </a:prstGeom>
+          <a:noFill/>
+          <a:ln w="25400" cap="sq">
+            <a:solidFill>
+              <a:srgbClr val="FFFFFF"/>
+            </a:solidFill>
+            <a:miter lim="800000"/>
+          </a:ln>
+        </p:spPr>
+        <p:style>
+          <a:lnRef idx="2">
+            <a:schemeClr val="accent1">
+              <a:shade val="50000"/>
+            </a:schemeClr>
+          </a:lnRef>
+          <a:fillRef idx="1">
+            <a:schemeClr val="accent1"/>
+          </a:fillRef>
+          <a:effectRef idx="0">
+            <a:schemeClr val="accent1"/>
+          </a:effectRef>
+          <a:fontRef idx="minor">
+            <a:schemeClr val="lt1"/>
+          </a:fontRef>
+        </p:style>
+        <p:txBody>
+          <a:bodyPr rtlCol="0" anchor="ctr"/>
+          <a:lstStyle/>
+          <a:p>
+            <a:pPr algn="ctr"/>
+            <a:endParaRPr lang="en-US"/>
+          </a:p>
+        </p:txBody>
+      </p:sp>
+    </p:spTree>
+    <p:extLst>
+      <p:ext uri="{BB962C8B-B14F-4D97-AF65-F5344CB8AC3E}">
+        <p14:creationId xmlns:p14="http://schemas.microsoft.com/office/powerpoint/2010/main" val="3943323334"/>
+      </p:ext>
+    </p:extLst>
+  </p:cSld>
+  <p:clrMapOvr>
+    <a:masterClrMapping/>
+  </p:clrMapOvr>
+</p:sld>
+</file>
+
+<file path=ppt/slides/slide19.xml><?xml version="1.0" encoding="utf-8"?>
+<p:sld xmlns:a="http://schemas.openxmlformats.org/drawingml/2006/main" xmlns:r="http://schemas.openxmlformats.org/officeDocument/2006/relationships" xmlns:p="http://schemas.openxmlformats.org/presentationml/2006/main">
+  <p:cSld>
+    <p:spTree>
+      <p:nvGrpSpPr>
+        <p:cNvPr id="1" name=""/>
+        <p:cNvGrpSpPr/>
+        <p:nvPr/>
+      </p:nvGrpSpPr>
+      <p:grpSpPr>
+        <a:xfrm>
+          <a:off x="0" y="0"/>
+          <a:ext cx="0" cy="0"/>
+          <a:chOff x="0" y="0"/>
+          <a:chExt cx="0" cy="0"/>
+        </a:xfrm>
+      </p:grpSpPr>
+      <p:sp>
+        <p:nvSpPr>
+          <p:cNvPr id="2" name="Title 1">
+            <a:extLst>
+              <a:ext uri="{FF2B5EF4-FFF2-40B4-BE49-F238E27FC236}">
+                <a16:creationId xmlns:a16="http://schemas.microsoft.com/office/drawing/2014/main" id="{0FC489B7-6D59-4F3C-9A4B-3DC95450DEA9}"/>
+              </a:ext>
+            </a:extLst>
+          </p:cNvPr>
+          <p:cNvSpPr>
+            <a:spLocks noGrp="1"/>
+          </p:cNvSpPr>
+          <p:nvPr>
+            <p:ph type="title"/>
+          </p:nvPr>
+        </p:nvSpPr>
+        <p:spPr/>
+        <p:txBody>
+          <a:bodyPr/>
+          <a:lstStyle/>
+          <a:p>
+            <a:r>
+              <a:rPr lang="en-US" dirty="0"/>
+              <a:t>Flag Controlled Loop</a:t>
+            </a:r>
+          </a:p>
+        </p:txBody>
+      </p:sp>
+      <p:sp>
+        <p:nvSpPr>
+          <p:cNvPr id="3" name="Content Placeholder 2">
+            <a:extLst>
+              <a:ext uri="{FF2B5EF4-FFF2-40B4-BE49-F238E27FC236}">
+                <a16:creationId xmlns:a16="http://schemas.microsoft.com/office/drawing/2014/main" id="{64683ECA-4E2A-4E4D-80E9-110A1554EA6F}"/>
+              </a:ext>
+            </a:extLst>
+          </p:cNvPr>
+          <p:cNvSpPr>
+            <a:spLocks noGrp="1"/>
+          </p:cNvSpPr>
+          <p:nvPr>
+            <p:ph idx="1"/>
+          </p:nvPr>
+        </p:nvSpPr>
+        <p:spPr/>
+        <p:txBody>
+          <a:bodyPr/>
+          <a:lstStyle/>
+          <a:p>
+            <a:r>
+              <a:rPr lang="en-US" dirty="0"/>
+              <a:t>If we write a loop as “while True:” or “while False:” it will either run forever,  or never run, respectively.</a:t>
+            </a:r>
+          </a:p>
+          <a:p>
+            <a:r>
+              <a:rPr lang="en-US" dirty="0"/>
+              <a:t>If we use a variable that’s first set to True and then we change it to False when we’ve reached whatever condition should end the loop, we can run the loop as many times as necessary to reach that goal.</a:t>
+            </a:r>
+          </a:p>
+          <a:p>
+            <a:r>
+              <a:rPr lang="en-US" dirty="0"/>
+              <a:t>That’s the idea behind a “flag.” We’ll set the flag variable to True or False and change its value based on whether we’ve need to execute the loop or not.</a:t>
+            </a:r>
+          </a:p>
+        </p:txBody>
+      </p:sp>
+    </p:spTree>
+    <p:extLst>
+      <p:ext uri="{BB962C8B-B14F-4D97-AF65-F5344CB8AC3E}">
+        <p14:creationId xmlns:p14="http://schemas.microsoft.com/office/powerpoint/2010/main" val="3806656407"/>
+      </p:ext>
+    </p:extLst>
+  </p:cSld>
+  <p:clrMapOvr>
+    <a:masterClrMapping/>
+  </p:clrMapOvr>
+  <p:timing>
+    <p:tnLst>
+      <p:par>
+        <p:cTn id="1" dur="indefinite" restart="never" nodeType="tmRoot">
+          <p:childTnLst>
+            <p:seq concurrent="1" nextAc="seek">
+              <p:cTn id="2" dur="indefinite" nodeType="mainSeq">
+                <p:childTnLst>
+                  <p:par>
+                    <p:cTn id="3" fill="hold">
+                      <p:stCondLst>
+                        <p:cond delay="indefinite"/>
+                      </p:stCondLst>
+                      <p:childTnLst>
+                        <p:par>
+                          <p:cTn id="4" fill="hold">
+                            <p:stCondLst>
+                              <p:cond delay="0"/>
+                            </p:stCondLst>
+                            <p:childTnLst>
+                              <p:par>
+                                <p:cTn id="5" presetID="1" presetClass="entr" presetSubtype="0" fill="hold" grpId="0" nodeType="clickEffect">
+                                  <p:stCondLst>
+                                    <p:cond delay="0"/>
+                                  </p:stCondLst>
+                                  <p:childTnLst>
+                                    <p:set>
+                                      <p:cBhvr>
+                                        <p:cTn id="6" dur="1" fill="hold">
+                                          <p:stCondLst>
+                                            <p:cond delay="0"/>
+                                          </p:stCondLst>
+                                        </p:cTn>
+                                        <p:tgtEl>
+                                          <p:spTgt spid="3">
+                                            <p:txEl>
+                                              <p:pRg st="0" end="0"/>
+                                            </p:txEl>
+                                          </p:spTgt>
+                                        </p:tgtEl>
+                                        <p:attrNameLst>
+                                          <p:attrName>style.visibility</p:attrName>
+                                        </p:attrNameLst>
+                                      </p:cBhvr>
+                                      <p:to>
+                                        <p:strVal val="visible"/>
+                                      </p:to>
+                                    </p:set>
+                                  </p:childTnLst>
+                                </p:cTn>
+                              </p:par>
+                            </p:childTnLst>
+                          </p:cTn>
+                        </p:par>
+                      </p:childTnLst>
+                    </p:cTn>
+                  </p:par>
+                  <p:par>
+                    <p:cTn id="7" fill="hold">
+                      <p:stCondLst>
+                        <p:cond delay="indefinite"/>
+                      </p:stCondLst>
+                      <p:childTnLst>
+                        <p:par>
+                          <p:cTn id="8" fill="hold">
+                            <p:stCondLst>
+                              <p:cond delay="0"/>
+                            </p:stCondLst>
+                            <p:childTnLst>
+                              <p:par>
+                                <p:cTn id="9" presetID="1" presetClass="entr" presetSubtype="0" fill="hold" grpId="0" nodeType="clickEffect">
+                                  <p:stCondLst>
+                                    <p:cond delay="0"/>
+                                  </p:stCondLst>
+                                  <p:childTnLst>
+                                    <p:set>
+                                      <p:cBhvr>
+                                        <p:cTn id="10" dur="1" fill="hold">
+                                          <p:stCondLst>
+                                            <p:cond delay="0"/>
+                                          </p:stCondLst>
+                                        </p:cTn>
+                                        <p:tgtEl>
+                                          <p:spTgt spid="3">
+                                            <p:txEl>
+                                              <p:pRg st="1" end="1"/>
+                                            </p:txEl>
+                                          </p:spTgt>
+                                        </p:tgtEl>
+                                        <p:attrNameLst>
+                                          <p:attrName>style.visibility</p:attrName>
+                                        </p:attrNameLst>
+                                      </p:cBhvr>
+                                      <p:to>
+                                        <p:strVal val="visible"/>
+                                      </p:to>
+                                    </p:set>
+                                  </p:childTnLst>
+                                </p:cTn>
+                              </p:par>
+                            </p:childTnLst>
+                          </p:cTn>
+                        </p:par>
+                      </p:childTnLst>
+                    </p:cTn>
+                  </p:par>
+                  <p:par>
+                    <p:cTn id="11" fill="hold">
+                      <p:stCondLst>
+                        <p:cond delay="indefinite"/>
+                      </p:stCondLst>
+                      <p:childTnLst>
+                        <p:par>
+                          <p:cTn id="12" fill="hold">
+                            <p:stCondLst>
+                              <p:cond delay="0"/>
+                            </p:stCondLst>
+                            <p:childTnLst>
+                              <p:par>
+                                <p:cTn id="13" presetID="1" presetClass="entr" presetSubtype="0" fill="hold" grpId="0" nodeType="clickEffect">
+                                  <p:stCondLst>
+                                    <p:cond delay="0"/>
+                                  </p:stCondLst>
+                                  <p:childTnLst>
+                                    <p:set>
+                                      <p:cBhvr>
+                                        <p:cTn id="14" dur="1" fill="hold">
+                                          <p:stCondLst>
+                                            <p:cond delay="0"/>
+                                          </p:stCondLst>
+                                        </p:cTn>
+                                        <p:tgtEl>
+                                          <p:spTgt spid="3">
+                                            <p:txEl>
+                                              <p:pRg st="2" end="2"/>
+                                            </p:txEl>
+                                          </p:spTgt>
+                                        </p:tgtEl>
+                                        <p:attrNameLst>
+                                          <p:attrName>style.visibility</p:attrName>
+                                        </p:attrNameLst>
+                                      </p:cBhvr>
+                                      <p:to>
+                                        <p:strVal val="visible"/>
+                                      </p:to>
+                                    </p:set>
+                                  </p:childTnLst>
+                                </p:cTn>
+                              </p:par>
+                            </p:childTnLst>
+                          </p:cTn>
+                        </p:par>
+                      </p:childTnLst>
+                    </p:cTn>
+                  </p:par>
+                </p:childTnLst>
+              </p:cTn>
+              <p:prevCondLst>
+                <p:cond evt="onPrev" delay="0">
+                  <p:tgtEl>
+                    <p:sldTgt/>
+                  </p:tgtEl>
+                </p:cond>
+              </p:prevCondLst>
+              <p:nextCondLst>
+                <p:cond evt="onNext" delay="0">
+                  <p:tgtEl>
+                    <p:sldTgt/>
+                  </p:tgtEl>
+                </p:cond>
+              </p:nextCondLst>
+            </p:seq>
+          </p:childTnLst>
+        </p:cTn>
+      </p:par>
+    </p:tnLst>
+    <p:bldLst>
+      <p:bldP spid="3" grpId="0" build="p"/>
+    </p:bldLst>
+  </p:timing>
+</p:sld>
+</file>
+
+<file path=ppt/slides/slide2.xml><?xml version="1.0" encoding="utf-8"?>
+<p:sld xmlns:a="http://schemas.openxmlformats.org/drawingml/2006/main" xmlns:r="http://schemas.openxmlformats.org/officeDocument/2006/relationships" xmlns:p="http://schemas.openxmlformats.org/presentationml/2006/main">
+  <p:cSld>
+    <p:spTree>
+      <p:nvGrpSpPr>
+        <p:cNvPr id="1" name=""/>
+        <p:cNvGrpSpPr/>
+        <p:nvPr/>
+      </p:nvGrpSpPr>
+      <p:grpSpPr>
+        <a:xfrm>
+          <a:off x="0" y="0"/>
+          <a:ext cx="0" cy="0"/>
+          <a:chOff x="0" y="0"/>
+          <a:chExt cx="0" cy="0"/>
+        </a:xfrm>
+      </p:grpSpPr>
+      <p:sp>
+        <p:nvSpPr>
+          <p:cNvPr id="2" name="Title 1">
+            <a:extLst>
+              <a:ext uri="{FF2B5EF4-FFF2-40B4-BE49-F238E27FC236}">
+                <a16:creationId xmlns:a16="http://schemas.microsoft.com/office/drawing/2014/main" id="{0C9DAE7E-37DE-4C5D-908F-55B8D87F3B2E}"/>
+              </a:ext>
+            </a:extLst>
+          </p:cNvPr>
+          <p:cNvSpPr>
+            <a:spLocks noGrp="1"/>
+          </p:cNvSpPr>
+          <p:nvPr>
+            <p:ph type="title"/>
+          </p:nvPr>
+        </p:nvSpPr>
+        <p:spPr/>
+        <p:txBody>
+          <a:bodyPr/>
+          <a:lstStyle/>
+          <a:p>
+            <a:r>
+              <a:rPr lang="en-US" dirty="0"/>
+              <a:t>If Review</a:t>
+            </a:r>
+          </a:p>
+        </p:txBody>
+      </p:sp>
+      <p:sp>
+        <p:nvSpPr>
+          <p:cNvPr id="3" name="Content Placeholder 2">
+            <a:extLst>
+              <a:ext uri="{FF2B5EF4-FFF2-40B4-BE49-F238E27FC236}">
+                <a16:creationId xmlns:a16="http://schemas.microsoft.com/office/drawing/2014/main" id="{CA01F07D-FD15-486E-9BAC-F39579B06C00}"/>
+              </a:ext>
+            </a:extLst>
+          </p:cNvPr>
+          <p:cNvSpPr>
+            <a:spLocks noGrp="1"/>
+          </p:cNvSpPr>
+          <p:nvPr>
+            <p:ph idx="1"/>
+          </p:nvPr>
+        </p:nvSpPr>
+        <p:spPr/>
+        <p:txBody>
+          <a:bodyPr/>
+          <a:lstStyle/>
+          <a:p>
+            <a:r>
+              <a:rPr lang="en-US" dirty="0"/>
+              <a:t>If-statements evaluate a “Boolean” condition</a:t>
+            </a:r>
+          </a:p>
+          <a:p>
+            <a:pPr lvl="1"/>
+            <a:r>
+              <a:rPr lang="en-US" dirty="0"/>
+              <a:t>Boolean condition – evaluates to True or False</a:t>
+            </a:r>
+          </a:p>
+          <a:p>
+            <a:r>
+              <a:rPr lang="en-US" dirty="0"/>
+              <a:t>If the condition is true, the code inside the if-statement will execute</a:t>
+            </a:r>
+          </a:p>
+          <a:p>
+            <a:pPr lvl="1"/>
+            <a:r>
+              <a:rPr lang="en-US" dirty="0"/>
+              <a:t>Use indentation to indicate what code is controlled by the if-statement</a:t>
+            </a:r>
+          </a:p>
+          <a:p>
+            <a:r>
+              <a:rPr lang="en-US" dirty="0"/>
+              <a:t>So far our code executes top to bottom and never goes back up</a:t>
+            </a:r>
+          </a:p>
+          <a:p>
+            <a:pPr lvl="1"/>
+            <a:r>
+              <a:rPr lang="en-US" dirty="0"/>
+              <a:t>Loops let us go back up and repeat code</a:t>
+            </a:r>
+          </a:p>
+          <a:p>
+            <a:endParaRPr lang="en-US" dirty="0"/>
+          </a:p>
+        </p:txBody>
+      </p:sp>
+    </p:spTree>
+    <p:extLst>
+      <p:ext uri="{BB962C8B-B14F-4D97-AF65-F5344CB8AC3E}">
+        <p14:creationId xmlns:p14="http://schemas.microsoft.com/office/powerpoint/2010/main" val="2673233627"/>
+      </p:ext>
+    </p:extLst>
+  </p:cSld>
+  <p:clrMapOvr>
+    <a:masterClrMapping/>
+  </p:clrMapOvr>
+</p:sld>
+</file>
+
+<file path=ppt/slides/slide20.xml><?xml version="1.0" encoding="utf-8"?>
+<p:sld xmlns:a="http://schemas.openxmlformats.org/drawingml/2006/main" xmlns:r="http://schemas.openxmlformats.org/officeDocument/2006/relationships" xmlns:p="http://schemas.openxmlformats.org/presentationml/2006/main">
+  <p:cSld>
+    <p:spTree>
+      <p:nvGrpSpPr>
+        <p:cNvPr id="1" name=""/>
+        <p:cNvGrpSpPr/>
+        <p:nvPr/>
+      </p:nvGrpSpPr>
+      <p:grpSpPr>
+        <a:xfrm>
+          <a:off x="0" y="0"/>
+          <a:ext cx="0" cy="0"/>
+          <a:chOff x="0" y="0"/>
+          <a:chExt cx="0" cy="0"/>
+        </a:xfrm>
+      </p:grpSpPr>
+      <p:sp>
+        <p:nvSpPr>
+          <p:cNvPr id="2" name="Title 1">
+            <a:extLst>
+              <a:ext uri="{FF2B5EF4-FFF2-40B4-BE49-F238E27FC236}">
+                <a16:creationId xmlns:a16="http://schemas.microsoft.com/office/drawing/2014/main" id="{6F5961FC-70CD-49F6-8ABF-3335073E4E17}"/>
+              </a:ext>
+            </a:extLst>
+          </p:cNvPr>
+          <p:cNvSpPr>
+            <a:spLocks noGrp="1"/>
+          </p:cNvSpPr>
+          <p:nvPr>
+            <p:ph type="title"/>
+          </p:nvPr>
+        </p:nvSpPr>
+        <p:spPr/>
+        <p:txBody>
+          <a:bodyPr/>
+          <a:lstStyle/>
+          <a:p>
+            <a:r>
+              <a:rPr lang="en-US" dirty="0"/>
+              <a:t>Example:</a:t>
+            </a:r>
+            <a:br>
+              <a:rPr lang="en-US" dirty="0"/>
+            </a:br>
+            <a:r>
+              <a:rPr lang="en-US" dirty="0"/>
+              <a:t>Snake eyes</a:t>
+            </a:r>
+          </a:p>
+        </p:txBody>
+      </p:sp>
+      <p:sp>
+        <p:nvSpPr>
+          <p:cNvPr id="3" name="Content Placeholder 2">
+            <a:extLst>
+              <a:ext uri="{FF2B5EF4-FFF2-40B4-BE49-F238E27FC236}">
+                <a16:creationId xmlns:a16="http://schemas.microsoft.com/office/drawing/2014/main" id="{4B375650-1223-47F3-92FD-0001FC4EC2D6}"/>
+              </a:ext>
+            </a:extLst>
+          </p:cNvPr>
+          <p:cNvSpPr>
+            <a:spLocks noGrp="1"/>
+          </p:cNvSpPr>
+          <p:nvPr>
+            <p:ph idx="1"/>
+          </p:nvPr>
+        </p:nvSpPr>
+        <p:spPr/>
+        <p:txBody>
+          <a:bodyPr/>
+          <a:lstStyle/>
+          <a:p>
+            <a:r>
+              <a:rPr lang="en-US" dirty="0"/>
+              <a:t>Write a program to simulate rolling 2 6-sided dice and continue rolling until you get the sum on the dice to be 2.</a:t>
+            </a:r>
+          </a:p>
+          <a:p>
+            <a:r>
+              <a:rPr lang="en-US" dirty="0"/>
+              <a:t>In this problem, we don’t know how many rolls it will take to get the sum to be 2, so a while loop with a flag to indicate that we’ve reached our goal of 2 will work well</a:t>
+            </a:r>
+          </a:p>
+        </p:txBody>
+      </p:sp>
+    </p:spTree>
+    <p:extLst>
+      <p:ext uri="{BB962C8B-B14F-4D97-AF65-F5344CB8AC3E}">
+        <p14:creationId xmlns:p14="http://schemas.microsoft.com/office/powerpoint/2010/main" val="838518903"/>
+      </p:ext>
+    </p:extLst>
+  </p:cSld>
+  <p:clrMapOvr>
+    <a:masterClrMapping/>
+  </p:clrMapOvr>
+  <p:timing>
+    <p:tnLst>
+      <p:par>
+        <p:cTn id="1" dur="indefinite" restart="never" nodeType="tmRoot">
+          <p:childTnLst>
+            <p:seq concurrent="1" nextAc="seek">
+              <p:cTn id="2" dur="indefinite" nodeType="mainSeq">
+                <p:childTnLst>
+                  <p:par>
+                    <p:cTn id="3" fill="hold">
+                      <p:stCondLst>
+                        <p:cond delay="indefinite"/>
+                      </p:stCondLst>
+                      <p:childTnLst>
+                        <p:par>
+                          <p:cTn id="4" fill="hold">
+                            <p:stCondLst>
+                              <p:cond delay="0"/>
+                            </p:stCondLst>
+                            <p:childTnLst>
+                              <p:par>
+                                <p:cTn id="5" presetID="1" presetClass="entr" presetSubtype="0" fill="hold" grpId="0" nodeType="clickEffect">
+                                  <p:stCondLst>
+                                    <p:cond delay="0"/>
+                                  </p:stCondLst>
+                                  <p:childTnLst>
+                                    <p:set>
+                                      <p:cBhvr>
+                                        <p:cTn id="6" dur="1" fill="hold">
+                                          <p:stCondLst>
+                                            <p:cond delay="0"/>
+                                          </p:stCondLst>
+                                        </p:cTn>
+                                        <p:tgtEl>
+                                          <p:spTgt spid="3">
+                                            <p:txEl>
+                                              <p:pRg st="0" end="0"/>
+                                            </p:txEl>
+                                          </p:spTgt>
+                                        </p:tgtEl>
+                                        <p:attrNameLst>
+                                          <p:attrName>style.visibility</p:attrName>
+                                        </p:attrNameLst>
+                                      </p:cBhvr>
+                                      <p:to>
+                                        <p:strVal val="visible"/>
+                                      </p:to>
+                                    </p:set>
+                                  </p:childTnLst>
+                                </p:cTn>
+                              </p:par>
+                            </p:childTnLst>
+                          </p:cTn>
+                        </p:par>
+                      </p:childTnLst>
+                    </p:cTn>
+                  </p:par>
+                  <p:par>
+                    <p:cTn id="7" fill="hold">
+                      <p:stCondLst>
+                        <p:cond delay="indefinite"/>
+                      </p:stCondLst>
+                      <p:childTnLst>
+                        <p:par>
+                          <p:cTn id="8" fill="hold">
+                            <p:stCondLst>
+                              <p:cond delay="0"/>
+                            </p:stCondLst>
+                            <p:childTnLst>
+                              <p:par>
+                                <p:cTn id="9" presetID="1" presetClass="entr" presetSubtype="0" fill="hold" grpId="0" nodeType="clickEffect">
+                                  <p:stCondLst>
+                                    <p:cond delay="0"/>
+                                  </p:stCondLst>
+                                  <p:childTnLst>
+                                    <p:set>
+                                      <p:cBhvr>
+                                        <p:cTn id="10" dur="1" fill="hold">
+                                          <p:stCondLst>
+                                            <p:cond delay="0"/>
+                                          </p:stCondLst>
+                                        </p:cTn>
+                                        <p:tgtEl>
+                                          <p:spTgt spid="3">
+                                            <p:txEl>
+                                              <p:pRg st="1" end="1"/>
+                                            </p:txEl>
+                                          </p:spTgt>
+                                        </p:tgtEl>
+                                        <p:attrNameLst>
+                                          <p:attrName>style.visibility</p:attrName>
+                                        </p:attrNameLst>
+                                      </p:cBhvr>
+                                      <p:to>
+                                        <p:strVal val="visible"/>
+                                      </p:to>
+                                    </p:set>
+                                  </p:childTnLst>
+                                </p:cTn>
+                              </p:par>
+                            </p:childTnLst>
+                          </p:cTn>
+                        </p:par>
+                      </p:childTnLst>
+                    </p:cTn>
+                  </p:par>
+                </p:childTnLst>
+              </p:cTn>
+              <p:prevCondLst>
+                <p:cond evt="onPrev" delay="0">
+                  <p:tgtEl>
+                    <p:sldTgt/>
+                  </p:tgtEl>
+                </p:cond>
+              </p:prevCondLst>
+              <p:nextCondLst>
+                <p:cond evt="onNext" delay="0">
+                  <p:tgtEl>
+                    <p:sldTgt/>
+                  </p:tgtEl>
+                </p:cond>
+              </p:nextCondLst>
+            </p:seq>
+          </p:childTnLst>
+        </p:cTn>
+      </p:par>
+    </p:tnLst>
+    <p:bldLst>
+      <p:bldP spid="3" grpId="0" build="p"/>
+    </p:bldLst>
+  </p:timing>
+</p:sld>
+</file>
+
+<file path=ppt/slides/slide21.xml><?xml version="1.0" encoding="utf-8"?>
+<p:sld xmlns:a="http://schemas.openxmlformats.org/drawingml/2006/main" xmlns:r="http://schemas.openxmlformats.org/officeDocument/2006/relationships" xmlns:p="http://schemas.openxmlformats.org/presentationml/2006/main">
+  <p:cSld>
+    <p:bg>
+      <p:bgPr>
+        <a:solidFill>
+          <a:schemeClr val="bg1">
+            <a:lumMod val="95000"/>
+          </a:schemeClr>
+        </a:solidFill>
+        <a:effectLst/>
+      </p:bgPr>
+    </p:bg>
+    <p:spTree>
+      <p:nvGrpSpPr>
+        <p:cNvPr id="1" name=""/>
+        <p:cNvGrpSpPr/>
+        <p:nvPr/>
+      </p:nvGrpSpPr>
+      <p:grpSpPr>
+        <a:xfrm>
+          <a:off x="0" y="0"/>
+          <a:ext cx="0" cy="0"/>
+          <a:chOff x="0" y="0"/>
+          <a:chExt cx="0" cy="0"/>
+        </a:xfrm>
+      </p:grpSpPr>
+      <p:sp>
+        <p:nvSpPr>
+          <p:cNvPr id="11" name="Rectangle 10">
+            <a:extLst>
+              <a:ext uri="{FF2B5EF4-FFF2-40B4-BE49-F238E27FC236}">
+                <a16:creationId xmlns:a16="http://schemas.microsoft.com/office/drawing/2014/main" id="{04BEF3F1-2817-4593-8575-BCF2AAB42CF6}"/>
+              </a:ext>
+            </a:extLst>
+          </p:cNvPr>
+          <p:cNvSpPr>
+            <a:spLocks noGrp="1" noRot="1" noChangeAspect="1" noMove="1" noResize="1" noEditPoints="1" noAdjustHandles="1" noChangeArrowheads="1" noChangeShapeType="1" noTextEdit="1"/>
+          </p:cNvSpPr>
+          <p:nvPr>
+            <p:extLst>
+              <p:ext uri="{386F3935-93C4-4BCD-93E2-E3B085C9AB24}">
+                <p16:designElem xmlns:p16="http://schemas.microsoft.com/office/powerpoint/2015/main" val="1"/>
+              </p:ext>
+            </p:extLst>
+          </p:nvPr>
+        </p:nvSpPr>
+        <p:spPr>
+          <a:xfrm>
+            <a:off x="0" y="0"/>
+            <a:ext cx="12192000" cy="6858000"/>
+          </a:xfrm>
+          <a:prstGeom prst="rect">
+            <a:avLst/>
+          </a:prstGeom>
+          <a:solidFill>
+            <a:srgbClr val="856F4C"/>
+          </a:solidFill>
+          <a:ln>
+            <a:noFill/>
+          </a:ln>
+        </p:spPr>
+        <p:style>
+          <a:lnRef idx="2">
+            <a:schemeClr val="accent1">
+              <a:shade val="50000"/>
+            </a:schemeClr>
+          </a:lnRef>
+          <a:fillRef idx="1">
+            <a:schemeClr val="accent1"/>
+          </a:fillRef>
+          <a:effectRef idx="0">
+            <a:schemeClr val="accent1"/>
+          </a:effectRef>
+          <a:fontRef idx="minor">
+            <a:schemeClr val="lt1"/>
+          </a:fontRef>
+        </p:style>
+        <p:txBody>
+          <a:bodyPr rtlCol="0" anchor="ctr"/>
+          <a:lstStyle/>
+          <a:p>
+            <a:pPr algn="ctr"/>
+            <a:endParaRPr lang="en-US"/>
+          </a:p>
+        </p:txBody>
+      </p:sp>
+      <p:pic>
+        <p:nvPicPr>
+          <p:cNvPr id="6" name="Picture Placeholder 5">
+            <a:extLst>
+              <a:ext uri="{FF2B5EF4-FFF2-40B4-BE49-F238E27FC236}">
+                <a16:creationId xmlns:a16="http://schemas.microsoft.com/office/drawing/2014/main" id="{CFB226FB-FF80-472A-A025-2D0449D649E5}"/>
+              </a:ext>
+            </a:extLst>
+          </p:cNvPr>
+          <p:cNvPicPr>
+            <a:picLocks noGrp="1" noChangeAspect="1"/>
+          </p:cNvPicPr>
+          <p:nvPr>
+            <p:ph type="pic" idx="1"/>
+          </p:nvPr>
+        </p:nvPicPr>
+        <p:blipFill>
+          <a:blip r:embed="rId2"/>
+          <a:stretch>
+            <a:fillRect/>
+          </a:stretch>
+        </p:blipFill>
+        <p:spPr>
+          <a:xfrm>
+            <a:off x="4432982" y="1059817"/>
+            <a:ext cx="3326035" cy="4738364"/>
+          </a:xfrm>
+          <a:prstGeom prst="rect">
+            <a:avLst/>
+          </a:prstGeom>
+        </p:spPr>
+      </p:pic>
+      <p:sp>
+        <p:nvSpPr>
+          <p:cNvPr id="13" name="Rectangle 12">
+            <a:extLst>
+              <a:ext uri="{FF2B5EF4-FFF2-40B4-BE49-F238E27FC236}">
+                <a16:creationId xmlns:a16="http://schemas.microsoft.com/office/drawing/2014/main" id="{1FF9A2C9-7772-4A25-A286-C89751B17DB3}"/>
+              </a:ext>
+            </a:extLst>
+          </p:cNvPr>
+          <p:cNvSpPr>
+            <a:spLocks noGrp="1" noRot="1" noChangeAspect="1" noMove="1" noResize="1" noEditPoints="1" noAdjustHandles="1" noChangeArrowheads="1" noChangeShapeType="1" noTextEdit="1"/>
+          </p:cNvSpPr>
+          <p:nvPr>
+            <p:extLst>
+              <p:ext uri="{386F3935-93C4-4BCD-93E2-E3B085C9AB24}">
+                <p16:designElem xmlns:p16="http://schemas.microsoft.com/office/powerpoint/2015/main" val="1"/>
+              </p:ext>
+            </p:extLst>
+          </p:nvPr>
+        </p:nvSpPr>
+        <p:spPr>
+          <a:xfrm>
+            <a:off x="806196" y="804672"/>
+            <a:ext cx="10579608" cy="5248656"/>
+          </a:xfrm>
+          <a:prstGeom prst="rect">
+            <a:avLst/>
+          </a:prstGeom>
+          <a:noFill/>
+          <a:ln w="25400" cap="sq">
+            <a:solidFill>
+              <a:srgbClr val="FFFFFF"/>
+            </a:solidFill>
+            <a:miter lim="800000"/>
+          </a:ln>
+        </p:spPr>
+        <p:style>
+          <a:lnRef idx="2">
+            <a:schemeClr val="accent1">
+              <a:shade val="50000"/>
+            </a:schemeClr>
+          </a:lnRef>
+          <a:fillRef idx="1">
+            <a:schemeClr val="accent1"/>
+          </a:fillRef>
+          <a:effectRef idx="0">
+            <a:schemeClr val="accent1"/>
+          </a:effectRef>
+          <a:fontRef idx="minor">
+            <a:schemeClr val="lt1"/>
+          </a:fontRef>
+        </p:style>
+        <p:txBody>
+          <a:bodyPr rtlCol="0" anchor="ctr"/>
+          <a:lstStyle/>
+          <a:p>
+            <a:pPr algn="ctr"/>
+            <a:endParaRPr lang="en-US"/>
+          </a:p>
+        </p:txBody>
+      </p:sp>
+    </p:spTree>
+    <p:extLst>
+      <p:ext uri="{BB962C8B-B14F-4D97-AF65-F5344CB8AC3E}">
+        <p14:creationId xmlns:p14="http://schemas.microsoft.com/office/powerpoint/2010/main" val="2191182412"/>
+      </p:ext>
+    </p:extLst>
+  </p:cSld>
+  <p:clrMapOvr>
+    <a:masterClrMapping/>
+  </p:clrMapOvr>
+</p:sld>
+</file>
+
+<file path=ppt/slides/slide22.xml><?xml version="1.0" encoding="utf-8"?>
+<p:sld xmlns:a="http://schemas.openxmlformats.org/drawingml/2006/main" xmlns:r="http://schemas.openxmlformats.org/officeDocument/2006/relationships" xmlns:p="http://schemas.openxmlformats.org/presentationml/2006/main">
+  <p:cSld>
+    <p:spTree>
+      <p:nvGrpSpPr>
+        <p:cNvPr id="1" name=""/>
+        <p:cNvGrpSpPr/>
+        <p:nvPr/>
+      </p:nvGrpSpPr>
+      <p:grpSpPr>
+        <a:xfrm>
+          <a:off x="0" y="0"/>
+          <a:ext cx="0" cy="0"/>
+          <a:chOff x="0" y="0"/>
+          <a:chExt cx="0" cy="0"/>
+        </a:xfrm>
+      </p:grpSpPr>
+      <p:sp>
+        <p:nvSpPr>
+          <p:cNvPr id="2" name="Title 1">
+            <a:extLst>
+              <a:ext uri="{FF2B5EF4-FFF2-40B4-BE49-F238E27FC236}">
+                <a16:creationId xmlns:a16="http://schemas.microsoft.com/office/drawing/2014/main" id="{8621EB94-5B22-4940-BAFB-EFB522742991}"/>
+              </a:ext>
+            </a:extLst>
+          </p:cNvPr>
+          <p:cNvSpPr>
+            <a:spLocks noGrp="1"/>
+          </p:cNvSpPr>
+          <p:nvPr>
+            <p:ph type="title"/>
+          </p:nvPr>
+        </p:nvSpPr>
+        <p:spPr/>
+        <p:txBody>
+          <a:bodyPr/>
+          <a:lstStyle/>
+          <a:p>
+            <a:r>
+              <a:rPr lang="en-US" dirty="0"/>
+              <a:t>Hints for Problems</a:t>
+            </a:r>
+          </a:p>
+        </p:txBody>
+      </p:sp>
+      <p:sp>
+        <p:nvSpPr>
+          <p:cNvPr id="3" name="Content Placeholder 2">
+            <a:extLst>
+              <a:ext uri="{FF2B5EF4-FFF2-40B4-BE49-F238E27FC236}">
+                <a16:creationId xmlns:a16="http://schemas.microsoft.com/office/drawing/2014/main" id="{A0ADBA72-396B-45D0-94D0-3978BCDA47A2}"/>
+              </a:ext>
+            </a:extLst>
+          </p:cNvPr>
+          <p:cNvSpPr>
+            <a:spLocks noGrp="1"/>
+          </p:cNvSpPr>
+          <p:nvPr>
+            <p:ph idx="1"/>
+          </p:nvPr>
+        </p:nvSpPr>
+        <p:spPr/>
+        <p:txBody>
+          <a:bodyPr/>
+          <a:lstStyle/>
+          <a:p>
+            <a:r>
+              <a:rPr lang="en-US" dirty="0"/>
+              <a:t>In the above examples, we changed our variable that controls the loop by one (e.g. count = count + </a:t>
+            </a:r>
+            <a:r>
+              <a:rPr lang="en-US" dirty="0">
+                <a:latin typeface="Arial" panose="020B0604020202020204" pitchFamily="34" charset="0"/>
+                <a:cs typeface="Arial" panose="020B0604020202020204" pitchFamily="34" charset="0"/>
+              </a:rPr>
+              <a:t>1</a:t>
+            </a:r>
+            <a:r>
+              <a:rPr lang="en-US" dirty="0"/>
+              <a:t>)</a:t>
+            </a:r>
+          </a:p>
+          <a:p>
+            <a:r>
+              <a:rPr lang="en-US" dirty="0"/>
+              <a:t>However, you can change that variable by any amount, including subtracting from it.</a:t>
+            </a:r>
+          </a:p>
+          <a:p>
+            <a:r>
+              <a:rPr lang="en-US" dirty="0"/>
+              <a:t>Recall “modulus.” Mod is the remainder when you divide 2 numbers. If the number divide evenly, then the mod of the 2 numbers (remainder) is 0.</a:t>
+            </a:r>
+          </a:p>
+        </p:txBody>
+      </p:sp>
+    </p:spTree>
+    <p:extLst>
+      <p:ext uri="{BB962C8B-B14F-4D97-AF65-F5344CB8AC3E}">
+        <p14:creationId xmlns:p14="http://schemas.microsoft.com/office/powerpoint/2010/main" val="2025216280"/>
+      </p:ext>
+    </p:extLst>
+  </p:cSld>
+  <p:clrMapOvr>
+    <a:masterClrMapping/>
+  </p:clrMapOvr>
+</p:sld>
+</file>
+
+<file path=ppt/slides/slide23.xml><?xml version="1.0" encoding="utf-8"?>
+<p:sld xmlns:a="http://schemas.openxmlformats.org/drawingml/2006/main" xmlns:r="http://schemas.openxmlformats.org/officeDocument/2006/relationships" xmlns:p="http://schemas.openxmlformats.org/presentationml/2006/main">
+  <p:cSld>
+    <p:spTree>
+      <p:nvGrpSpPr>
+        <p:cNvPr id="1" name=""/>
+        <p:cNvGrpSpPr/>
+        <p:nvPr/>
+      </p:nvGrpSpPr>
+      <p:grpSpPr>
+        <a:xfrm>
+          <a:off x="0" y="0"/>
+          <a:ext cx="0" cy="0"/>
+          <a:chOff x="0" y="0"/>
+          <a:chExt cx="0" cy="0"/>
+        </a:xfrm>
+      </p:grpSpPr>
+      <p:sp>
+        <p:nvSpPr>
+          <p:cNvPr id="2" name="Title 1">
+            <a:extLst>
+              <a:ext uri="{FF2B5EF4-FFF2-40B4-BE49-F238E27FC236}">
+                <a16:creationId xmlns:a16="http://schemas.microsoft.com/office/drawing/2014/main" id="{E6AA549E-CEB9-4612-84DC-E44A7C2C8AD1}"/>
+              </a:ext>
+            </a:extLst>
+          </p:cNvPr>
+          <p:cNvSpPr>
+            <a:spLocks noGrp="1"/>
+          </p:cNvSpPr>
+          <p:nvPr>
+            <p:ph type="title"/>
+          </p:nvPr>
+        </p:nvSpPr>
+        <p:spPr/>
+        <p:txBody>
+          <a:bodyPr/>
+          <a:lstStyle/>
+          <a:p>
+            <a:r>
+              <a:rPr lang="en-US" dirty="0"/>
+              <a:t>KEY POINTs</a:t>
+            </a:r>
+          </a:p>
+        </p:txBody>
+      </p:sp>
+      <p:sp>
+        <p:nvSpPr>
+          <p:cNvPr id="3" name="Content Placeholder 2">
+            <a:extLst>
+              <a:ext uri="{FF2B5EF4-FFF2-40B4-BE49-F238E27FC236}">
+                <a16:creationId xmlns:a16="http://schemas.microsoft.com/office/drawing/2014/main" id="{7C3857BA-3EF1-49F5-A637-1A13E0BA0968}"/>
+              </a:ext>
+            </a:extLst>
+          </p:cNvPr>
+          <p:cNvSpPr>
+            <a:spLocks noGrp="1"/>
+          </p:cNvSpPr>
+          <p:nvPr>
+            <p:ph idx="1"/>
+          </p:nvPr>
+        </p:nvSpPr>
+        <p:spPr/>
+        <p:txBody>
+          <a:bodyPr>
+            <a:normAutofit lnSpcReduction="10000"/>
+          </a:bodyPr>
+          <a:lstStyle/>
+          <a:p>
+            <a:r>
+              <a:rPr lang="en-US" dirty="0"/>
+              <a:t>Syntax: </a:t>
+            </a:r>
+          </a:p>
+          <a:p>
+            <a:pPr marL="0" indent="0">
+              <a:buNone/>
+            </a:pPr>
+            <a:r>
+              <a:rPr lang="en-US" dirty="0"/>
+              <a:t>	while &lt;condition&gt;:</a:t>
+            </a:r>
+          </a:p>
+          <a:p>
+            <a:pPr marL="0" indent="0">
+              <a:buNone/>
+            </a:pPr>
+            <a:r>
+              <a:rPr lang="en-US" dirty="0"/>
+              <a:t>	     statement1</a:t>
+            </a:r>
+          </a:p>
+          <a:p>
+            <a:pPr marL="0" indent="0">
+              <a:buNone/>
+            </a:pPr>
+            <a:r>
+              <a:rPr lang="en-US" dirty="0"/>
+              <a:t>	statement2</a:t>
+            </a:r>
+          </a:p>
+          <a:p>
+            <a:pPr lvl="1"/>
+            <a:r>
+              <a:rPr lang="en-US" dirty="0"/>
+              <a:t>Everything indented below the while is repeated every time we enter the loop (statement1 in the example above)</a:t>
+            </a:r>
+          </a:p>
+          <a:p>
+            <a:pPr lvl="1"/>
+            <a:r>
+              <a:rPr lang="en-US" dirty="0"/>
+              <a:t>Once you indent back to the left, the code is outside the while; it’s what happens once the while condition is false (statement2 in the example above)</a:t>
+            </a:r>
+          </a:p>
+          <a:p>
+            <a:pPr lvl="1"/>
+            <a:r>
+              <a:rPr lang="en-US" dirty="0"/>
+              <a:t>&lt;condition&gt; is a Boolean condition (evaluates to true or false)</a:t>
+            </a:r>
+          </a:p>
+          <a:p>
+            <a:endParaRPr lang="en-US" dirty="0"/>
+          </a:p>
+        </p:txBody>
+      </p:sp>
+    </p:spTree>
+    <p:extLst>
+      <p:ext uri="{BB962C8B-B14F-4D97-AF65-F5344CB8AC3E}">
+        <p14:creationId xmlns:p14="http://schemas.microsoft.com/office/powerpoint/2010/main" val="515540744"/>
+      </p:ext>
+    </p:extLst>
+  </p:cSld>
+  <p:clrMapOvr>
+    <a:masterClrMapping/>
+  </p:clrMapOvr>
+</p:sld>
+</file>
+
+<file path=ppt/slides/slide24.xml><?xml version="1.0" encoding="utf-8"?>
+<p:sld xmlns:a="http://schemas.openxmlformats.org/drawingml/2006/main" xmlns:r="http://schemas.openxmlformats.org/officeDocument/2006/relationships" xmlns:p="http://schemas.openxmlformats.org/presentationml/2006/main">
+  <p:cSld>
+    <p:spTree>
+      <p:nvGrpSpPr>
+        <p:cNvPr id="1" name=""/>
+        <p:cNvGrpSpPr/>
+        <p:nvPr/>
+      </p:nvGrpSpPr>
+      <p:grpSpPr>
+        <a:xfrm>
+          <a:off x="0" y="0"/>
+          <a:ext cx="0" cy="0"/>
+          <a:chOff x="0" y="0"/>
+          <a:chExt cx="0" cy="0"/>
+        </a:xfrm>
+      </p:grpSpPr>
+      <p:sp>
+        <p:nvSpPr>
+          <p:cNvPr id="2" name="Title 1">
+            <a:extLst>
+              <a:ext uri="{FF2B5EF4-FFF2-40B4-BE49-F238E27FC236}">
+                <a16:creationId xmlns:a16="http://schemas.microsoft.com/office/drawing/2014/main" id="{557F8143-063C-4B9A-B6A2-FAB6AF71A486}"/>
+              </a:ext>
+            </a:extLst>
+          </p:cNvPr>
+          <p:cNvSpPr>
+            <a:spLocks noGrp="1"/>
+          </p:cNvSpPr>
+          <p:nvPr>
+            <p:ph type="title"/>
+          </p:nvPr>
+        </p:nvSpPr>
+        <p:spPr/>
+        <p:txBody>
+          <a:bodyPr/>
+          <a:lstStyle/>
+          <a:p>
+            <a:r>
+              <a:rPr lang="en-US" dirty="0"/>
+              <a:t>Key Points</a:t>
+            </a:r>
+          </a:p>
+        </p:txBody>
+      </p:sp>
+      <p:sp>
+        <p:nvSpPr>
+          <p:cNvPr id="3" name="Content Placeholder 2">
+            <a:extLst>
+              <a:ext uri="{FF2B5EF4-FFF2-40B4-BE49-F238E27FC236}">
+                <a16:creationId xmlns:a16="http://schemas.microsoft.com/office/drawing/2014/main" id="{EE3DA0BC-6B34-418C-8E89-97CE68EED6D6}"/>
+              </a:ext>
+            </a:extLst>
+          </p:cNvPr>
+          <p:cNvSpPr>
+            <a:spLocks noGrp="1"/>
+          </p:cNvSpPr>
+          <p:nvPr>
+            <p:ph idx="1"/>
+          </p:nvPr>
+        </p:nvSpPr>
+        <p:spPr/>
+        <p:txBody>
+          <a:bodyPr>
+            <a:normAutofit fontScale="92500" lnSpcReduction="20000"/>
+          </a:bodyPr>
+          <a:lstStyle/>
+          <a:p>
+            <a:r>
+              <a:rPr lang="en-US" dirty="0"/>
+              <a:t>The format of &lt;condition&gt; is:</a:t>
+            </a:r>
+          </a:p>
+          <a:p>
+            <a:pPr lvl="1"/>
+            <a:r>
+              <a:rPr lang="en-US" dirty="0"/>
+              <a:t>&lt;value&gt; &lt;operator&gt; &lt;value&gt;</a:t>
+            </a:r>
+          </a:p>
+          <a:p>
+            <a:pPr lvl="1"/>
+            <a:r>
+              <a:rPr lang="en-US" dirty="0"/>
+              <a:t>Where “value” is a variable or expression that evaluates to a number</a:t>
+            </a:r>
+          </a:p>
+          <a:p>
+            <a:pPr lvl="1"/>
+            <a:r>
+              <a:rPr lang="en-US" dirty="0"/>
+              <a:t>And where “operator” is one of the following:</a:t>
+            </a:r>
+          </a:p>
+          <a:p>
+            <a:pPr lvl="2"/>
+            <a:r>
+              <a:rPr lang="en-US" dirty="0"/>
+              <a:t>==</a:t>
+            </a:r>
+          </a:p>
+          <a:p>
+            <a:pPr lvl="2"/>
+            <a:r>
+              <a:rPr lang="en-US" dirty="0"/>
+              <a:t>!= </a:t>
+            </a:r>
+          </a:p>
+          <a:p>
+            <a:pPr lvl="2"/>
+            <a:r>
+              <a:rPr lang="en-US" dirty="0"/>
+              <a:t>&lt; </a:t>
+            </a:r>
+          </a:p>
+          <a:p>
+            <a:pPr lvl="2"/>
+            <a:r>
+              <a:rPr lang="en-US" dirty="0"/>
+              <a:t>&lt;= </a:t>
+            </a:r>
+          </a:p>
+          <a:p>
+            <a:pPr lvl="2"/>
+            <a:r>
+              <a:rPr lang="en-US" dirty="0"/>
+              <a:t>&gt; </a:t>
+            </a:r>
+          </a:p>
+          <a:p>
+            <a:pPr lvl="2"/>
+            <a:r>
+              <a:rPr lang="en-US" dirty="0"/>
+              <a:t>&gt;=</a:t>
+            </a:r>
+          </a:p>
+          <a:p>
+            <a:endParaRPr lang="en-US" dirty="0"/>
+          </a:p>
+        </p:txBody>
+      </p:sp>
+    </p:spTree>
+    <p:extLst>
+      <p:ext uri="{BB962C8B-B14F-4D97-AF65-F5344CB8AC3E}">
+        <p14:creationId xmlns:p14="http://schemas.microsoft.com/office/powerpoint/2010/main" val="993507420"/>
+      </p:ext>
+    </p:extLst>
+  </p:cSld>
+  <p:clrMapOvr>
+    <a:masterClrMapping/>
+  </p:clrMapOvr>
+</p:sld>
+</file>
+
+<file path=ppt/slides/slide25.xml><?xml version="1.0" encoding="utf-8"?>
+<p:sld xmlns:a="http://schemas.openxmlformats.org/drawingml/2006/main" xmlns:r="http://schemas.openxmlformats.org/officeDocument/2006/relationships" xmlns:p="http://schemas.openxmlformats.org/presentationml/2006/main">
+  <p:cSld>
+    <p:spTree>
+      <p:nvGrpSpPr>
+        <p:cNvPr id="1" name=""/>
+        <p:cNvGrpSpPr/>
+        <p:nvPr/>
+      </p:nvGrpSpPr>
+      <p:grpSpPr>
+        <a:xfrm>
+          <a:off x="0" y="0"/>
+          <a:ext cx="0" cy="0"/>
+          <a:chOff x="0" y="0"/>
+          <a:chExt cx="0" cy="0"/>
+        </a:xfrm>
+      </p:grpSpPr>
+      <p:sp>
+        <p:nvSpPr>
+          <p:cNvPr id="2" name="Title 1">
+            <a:extLst>
+              <a:ext uri="{FF2B5EF4-FFF2-40B4-BE49-F238E27FC236}">
+                <a16:creationId xmlns:a16="http://schemas.microsoft.com/office/drawing/2014/main" id="{E6AA549E-CEB9-4612-84DC-E44A7C2C8AD1}"/>
+              </a:ext>
+            </a:extLst>
+          </p:cNvPr>
+          <p:cNvSpPr>
+            <a:spLocks noGrp="1"/>
+          </p:cNvSpPr>
+          <p:nvPr>
+            <p:ph type="title"/>
+          </p:nvPr>
+        </p:nvSpPr>
+        <p:spPr/>
+        <p:txBody>
+          <a:bodyPr/>
+          <a:lstStyle/>
+          <a:p>
+            <a:r>
+              <a:rPr lang="en-US" dirty="0"/>
+              <a:t>KEY POINTs</a:t>
+            </a:r>
+          </a:p>
+        </p:txBody>
+      </p:sp>
+      <p:sp>
+        <p:nvSpPr>
+          <p:cNvPr id="3" name="Content Placeholder 2">
+            <a:extLst>
+              <a:ext uri="{FF2B5EF4-FFF2-40B4-BE49-F238E27FC236}">
+                <a16:creationId xmlns:a16="http://schemas.microsoft.com/office/drawing/2014/main" id="{7C3857BA-3EF1-49F5-A637-1A13E0BA0968}"/>
+              </a:ext>
+            </a:extLst>
+          </p:cNvPr>
+          <p:cNvSpPr>
+            <a:spLocks noGrp="1"/>
+          </p:cNvSpPr>
+          <p:nvPr>
+            <p:ph idx="1"/>
+          </p:nvPr>
+        </p:nvSpPr>
+        <p:spPr/>
+        <p:txBody>
+          <a:bodyPr>
+            <a:normAutofit/>
+          </a:bodyPr>
+          <a:lstStyle/>
+          <a:p>
+            <a:r>
+              <a:rPr lang="en-US" dirty="0"/>
+              <a:t>You must always change at least one of the values in the condition. Otherwise, the condition will either always be true (loop will run forever) or always be false (loop will never execute).</a:t>
+            </a:r>
+          </a:p>
+        </p:txBody>
+      </p:sp>
+    </p:spTree>
+    <p:extLst>
+      <p:ext uri="{BB962C8B-B14F-4D97-AF65-F5344CB8AC3E}">
+        <p14:creationId xmlns:p14="http://schemas.microsoft.com/office/powerpoint/2010/main" val="4017047721"/>
+      </p:ext>
+    </p:extLst>
+  </p:cSld>
+  <p:clrMapOvr>
+    <a:masterClrMapping/>
+  </p:clrMapOvr>
+</p:sld>
+</file>
+
+<file path=ppt/slides/slide3.xml><?xml version="1.0" encoding="utf-8"?>
+<p:sld xmlns:a="http://schemas.openxmlformats.org/drawingml/2006/main" xmlns:r="http://schemas.openxmlformats.org/officeDocument/2006/relationships" xmlns:p="http://schemas.openxmlformats.org/presentationml/2006/main">
+  <p:cSld>
+    <p:spTree>
+      <p:nvGrpSpPr>
+        <p:cNvPr id="1" name=""/>
+        <p:cNvGrpSpPr/>
+        <p:nvPr/>
+      </p:nvGrpSpPr>
+      <p:grpSpPr>
+        <a:xfrm>
+          <a:off x="0" y="0"/>
+          <a:ext cx="0" cy="0"/>
+          <a:chOff x="0" y="0"/>
+          <a:chExt cx="0" cy="0"/>
+        </a:xfrm>
+      </p:grpSpPr>
+      <p:sp>
+        <p:nvSpPr>
+          <p:cNvPr id="2" name="Title 1">
+            <a:extLst>
+              <a:ext uri="{FF2B5EF4-FFF2-40B4-BE49-F238E27FC236}">
+                <a16:creationId xmlns:a16="http://schemas.microsoft.com/office/drawing/2014/main" id="{F75E3E16-CD5B-4002-AEF9-D5260B123CE0}"/>
+              </a:ext>
+            </a:extLst>
+          </p:cNvPr>
+          <p:cNvSpPr>
+            <a:spLocks noGrp="1"/>
+          </p:cNvSpPr>
+          <p:nvPr>
+            <p:ph type="title"/>
+          </p:nvPr>
+        </p:nvSpPr>
+        <p:spPr/>
+        <p:txBody>
+          <a:bodyPr/>
+          <a:lstStyle/>
+          <a:p>
+            <a:r>
+              <a:rPr lang="en-US" dirty="0"/>
+              <a:t>While Loop</a:t>
+            </a:r>
+          </a:p>
+        </p:txBody>
+      </p:sp>
+      <p:sp>
+        <p:nvSpPr>
+          <p:cNvPr id="3" name="Content Placeholder 2">
+            <a:extLst>
+              <a:ext uri="{FF2B5EF4-FFF2-40B4-BE49-F238E27FC236}">
+                <a16:creationId xmlns:a16="http://schemas.microsoft.com/office/drawing/2014/main" id="{0223C210-5BE8-4B10-A248-2333C8C8F8F4}"/>
+              </a:ext>
+            </a:extLst>
+          </p:cNvPr>
+          <p:cNvSpPr>
+            <a:spLocks noGrp="1"/>
+          </p:cNvSpPr>
+          <p:nvPr>
+            <p:ph idx="1"/>
+          </p:nvPr>
+        </p:nvSpPr>
+        <p:spPr/>
+        <p:txBody>
+          <a:bodyPr>
+            <a:normAutofit/>
+          </a:bodyPr>
+          <a:lstStyle/>
+          <a:p>
+            <a:r>
+              <a:rPr lang="en-US" dirty="0"/>
+              <a:t>Like if-statements, Loops have a Boolean condition</a:t>
+            </a:r>
+          </a:p>
+          <a:p>
+            <a:r>
+              <a:rPr lang="en-US" dirty="0"/>
+              <a:t>If-statements execute the code exactly once if the condition is true; while-loops execute the code as long as (“while”) the condition is true</a:t>
+            </a:r>
+          </a:p>
+          <a:p>
+            <a:r>
+              <a:rPr lang="en-US" dirty="0"/>
+              <a:t>Thus, if we don’t want the code inside to execute indefinitely, we need to change the value of the variable that’s evaluated in the Boolean condition inside the loop</a:t>
+            </a:r>
+          </a:p>
+          <a:p>
+            <a:r>
+              <a:rPr lang="en-US" dirty="0"/>
+              <a:t>Like with if-statements, use a colon at the end of the condition and use indentation to show what code is included in the loop</a:t>
+            </a:r>
+          </a:p>
+        </p:txBody>
+      </p:sp>
+    </p:spTree>
+    <p:extLst>
+      <p:ext uri="{BB962C8B-B14F-4D97-AF65-F5344CB8AC3E}">
+        <p14:creationId xmlns:p14="http://schemas.microsoft.com/office/powerpoint/2010/main" val="4235364402"/>
+      </p:ext>
+    </p:extLst>
+  </p:cSld>
+  <p:clrMapOvr>
+    <a:masterClrMapping/>
+  </p:clrMapOvr>
+</p:sld>
+</file>
+
+<file path=ppt/slides/slide4.xml><?xml version="1.0" encoding="utf-8"?>
+<p:sld xmlns:a="http://schemas.openxmlformats.org/drawingml/2006/main" xmlns:r="http://schemas.openxmlformats.org/officeDocument/2006/relationships" xmlns:p="http://schemas.openxmlformats.org/presentationml/2006/main">
+  <p:cSld>
+    <p:bg>
+      <p:bgPr>
+        <a:solidFill>
+          <a:schemeClr val="bg1">
+            <a:lumMod val="95000"/>
+          </a:schemeClr>
+        </a:solidFill>
+        <a:effectLst/>
+      </p:bgPr>
+    </p:bg>
+    <p:spTree>
+      <p:nvGrpSpPr>
+        <p:cNvPr id="1" name=""/>
+        <p:cNvGrpSpPr/>
+        <p:nvPr/>
+      </p:nvGrpSpPr>
+      <p:grpSpPr>
+        <a:xfrm>
+          <a:off x="0" y="0"/>
+          <a:ext cx="0" cy="0"/>
+          <a:chOff x="0" y="0"/>
+          <a:chExt cx="0" cy="0"/>
+        </a:xfrm>
+      </p:grpSpPr>
+      <p:sp>
+        <p:nvSpPr>
+          <p:cNvPr id="61" name="Rectangle 60">
+            <a:extLst>
+              <a:ext uri="{FF2B5EF4-FFF2-40B4-BE49-F238E27FC236}">
+                <a16:creationId xmlns:a16="http://schemas.microsoft.com/office/drawing/2014/main" id="{A99FE660-E3DF-47E7-962D-66C6F6CE0D81}"/>
+              </a:ext>
+            </a:extLst>
+          </p:cNvPr>
+          <p:cNvSpPr>
+            <a:spLocks noGrp="1" noRot="1" noChangeAspect="1" noMove="1" noResize="1" noEditPoints="1" noAdjustHandles="1" noChangeArrowheads="1" noChangeShapeType="1" noTextEdit="1"/>
+          </p:cNvSpPr>
+          <p:nvPr>
+            <p:extLst>
+              <p:ext uri="{386F3935-93C4-4BCD-93E2-E3B085C9AB24}">
+                <p16:designElem xmlns:p16="http://schemas.microsoft.com/office/powerpoint/2015/main" val="1"/>
+              </p:ext>
+            </p:extLst>
+          </p:nvPr>
+        </p:nvSpPr>
+        <p:spPr>
+          <a:xfrm>
+            <a:off x="814795" y="964692"/>
+            <a:ext cx="6885432" cy="4936558"/>
+          </a:xfrm>
+          <a:prstGeom prst="rect">
+            <a:avLst/>
+          </a:prstGeom>
+          <a:noFill/>
+          <a:ln w="31750" cap="sq">
+            <a:solidFill>
+              <a:srgbClr val="FFFFFF"/>
+            </a:solidFill>
+            <a:miter lim="800000"/>
+          </a:ln>
+        </p:spPr>
+        <p:style>
+          <a:lnRef idx="2">
+            <a:schemeClr val="accent1">
+              <a:shade val="50000"/>
+            </a:schemeClr>
+          </a:lnRef>
+          <a:fillRef idx="1">
+            <a:schemeClr val="accent1"/>
+          </a:fillRef>
+          <a:effectRef idx="0">
+            <a:schemeClr val="accent1"/>
+          </a:effectRef>
+          <a:fontRef idx="minor">
+            <a:schemeClr val="lt1"/>
+          </a:fontRef>
+        </p:style>
+        <p:txBody>
+          <a:bodyPr rtlCol="0" anchor="ctr"/>
+          <a:lstStyle/>
+          <a:p>
+            <a:pPr algn="ctr"/>
+            <a:endParaRPr lang="en-US" dirty="0"/>
+          </a:p>
+        </p:txBody>
+      </p:sp>
+      <p:sp>
+        <p:nvSpPr>
+          <p:cNvPr id="63" name="Rectangle 62">
+            <a:extLst>
+              <a:ext uri="{FF2B5EF4-FFF2-40B4-BE49-F238E27FC236}">
+                <a16:creationId xmlns:a16="http://schemas.microsoft.com/office/drawing/2014/main" id="{38C29FEE-8E8F-43D5-AD23-EB4060B4D943}"/>
+              </a:ext>
+            </a:extLst>
+          </p:cNvPr>
+          <p:cNvSpPr>
+            <a:spLocks noGrp="1" noRot="1" noChangeAspect="1" noMove="1" noResize="1" noEditPoints="1" noAdjustHandles="1" noChangeArrowheads="1" noChangeShapeType="1" noTextEdit="1"/>
+          </p:cNvSpPr>
+          <p:nvPr>
+            <p:extLst>
+              <p:ext uri="{386F3935-93C4-4BCD-93E2-E3B085C9AB24}">
+                <p16:designElem xmlns:p16="http://schemas.microsoft.com/office/powerpoint/2015/main" val="1"/>
+              </p:ext>
+            </p:extLst>
+          </p:nvPr>
+        </p:nvSpPr>
+        <p:spPr>
+          <a:xfrm>
+            <a:off x="978415" y="1128683"/>
+            <a:ext cx="6558192" cy="4608576"/>
+          </a:xfrm>
+          <a:prstGeom prst="rect">
+            <a:avLst/>
+          </a:prstGeom>
+          <a:solidFill>
+            <a:srgbClr val="FFFFFF"/>
+          </a:solidFill>
+          <a:ln>
+            <a:noFill/>
+          </a:ln>
+        </p:spPr>
+        <p:style>
+          <a:lnRef idx="2">
+            <a:schemeClr val="accent1">
+              <a:shade val="50000"/>
+            </a:schemeClr>
+          </a:lnRef>
+          <a:fillRef idx="1">
+            <a:schemeClr val="accent1"/>
+          </a:fillRef>
+          <a:effectRef idx="0">
+            <a:schemeClr val="accent1"/>
+          </a:effectRef>
+          <a:fontRef idx="minor">
+            <a:schemeClr val="lt1"/>
+          </a:fontRef>
+        </p:style>
+        <p:txBody>
+          <a:bodyPr rtlCol="0" anchor="ctr"/>
+          <a:lstStyle/>
+          <a:p>
+            <a:pPr algn="ctr"/>
+            <a:endParaRPr lang="en-US"/>
+          </a:p>
+        </p:txBody>
+      </p:sp>
+      <p:pic>
+        <p:nvPicPr>
+          <p:cNvPr id="3" name="Picture 2">
+            <a:extLst>
+              <a:ext uri="{FF2B5EF4-FFF2-40B4-BE49-F238E27FC236}">
+                <a16:creationId xmlns:a16="http://schemas.microsoft.com/office/drawing/2014/main" id="{4A74CD79-3174-4175-863F-AB6E247002F1}"/>
+              </a:ext>
+            </a:extLst>
+          </p:cNvPr>
+          <p:cNvPicPr>
+            <a:picLocks noChangeAspect="1"/>
+          </p:cNvPicPr>
+          <p:nvPr/>
+        </p:nvPicPr>
+        <p:blipFill>
+          <a:blip r:embed="rId3"/>
+          <a:stretch>
+            <a:fillRect/>
+          </a:stretch>
+        </p:blipFill>
+        <p:spPr>
+          <a:xfrm>
+            <a:off x="1143979" y="1943423"/>
+            <a:ext cx="6227064" cy="2979096"/>
+          </a:xfrm>
+          <a:prstGeom prst="rect">
+            <a:avLst/>
+          </a:prstGeom>
+        </p:spPr>
+      </p:pic>
+      <p:sp>
+        <p:nvSpPr>
+          <p:cNvPr id="2" name="Title 1">
+            <a:extLst>
+              <a:ext uri="{FF2B5EF4-FFF2-40B4-BE49-F238E27FC236}">
+                <a16:creationId xmlns:a16="http://schemas.microsoft.com/office/drawing/2014/main" id="{AEFE5DAF-E2D6-437D-9627-44239545CAD9}"/>
+              </a:ext>
+            </a:extLst>
+          </p:cNvPr>
+          <p:cNvSpPr>
+            <a:spLocks noGrp="1"/>
+          </p:cNvSpPr>
+          <p:nvPr>
+            <p:ph type="title"/>
+          </p:nvPr>
+        </p:nvSpPr>
+        <p:spPr>
+          <a:xfrm>
+            <a:off x="8312677" y="964692"/>
+            <a:ext cx="3066937" cy="1188720"/>
+          </a:xfrm>
+        </p:spPr>
+        <p:txBody>
+          <a:bodyPr>
+            <a:normAutofit/>
+          </a:bodyPr>
+          <a:lstStyle/>
+          <a:p>
+            <a:r>
+              <a:rPr lang="en-US"/>
+              <a:t>While loop</a:t>
+            </a:r>
+          </a:p>
+        </p:txBody>
+      </p:sp>
+      <p:sp>
+        <p:nvSpPr>
+          <p:cNvPr id="13" name="Content Placeholder 8"/>
+          <p:cNvSpPr>
+            <a:spLocks noGrp="1"/>
+          </p:cNvSpPr>
+          <p:nvPr>
+            <p:ph idx="1"/>
+          </p:nvPr>
+        </p:nvSpPr>
+        <p:spPr>
+          <a:xfrm>
+            <a:off x="8311249" y="2638044"/>
+            <a:ext cx="3063765" cy="3263206"/>
+          </a:xfrm>
+        </p:spPr>
+        <p:txBody>
+          <a:bodyPr>
+            <a:normAutofit/>
+          </a:bodyPr>
+          <a:lstStyle/>
+          <a:p>
+            <a:r>
+              <a:rPr lang="en-US" dirty="0"/>
+              <a:t>The prompt to enter an animal will continue indefinitely because </a:t>
+            </a:r>
+            <a:r>
+              <a:rPr lang="en-US" dirty="0">
+                <a:latin typeface="Arial" panose="020B0604020202020204" pitchFamily="34" charset="0"/>
+                <a:cs typeface="Arial" panose="020B0604020202020204" pitchFamily="34" charset="0"/>
+              </a:rPr>
+              <a:t>1 &lt;= 1 </a:t>
+            </a:r>
+            <a:r>
+              <a:rPr lang="en-US" dirty="0"/>
+              <a:t>is always true</a:t>
+            </a:r>
+          </a:p>
+          <a:p>
+            <a:r>
+              <a:rPr lang="en-US" dirty="0"/>
+              <a:t>Use a variable so the condition can be changed</a:t>
+            </a:r>
+          </a:p>
+          <a:p>
+            <a:endParaRPr lang="en-US" dirty="0"/>
+          </a:p>
+        </p:txBody>
+      </p:sp>
+    </p:spTree>
+    <p:extLst>
+      <p:ext uri="{BB962C8B-B14F-4D97-AF65-F5344CB8AC3E}">
+        <p14:creationId xmlns:p14="http://schemas.microsoft.com/office/powerpoint/2010/main" val="2906822811"/>
+      </p:ext>
+    </p:extLst>
+  </p:cSld>
+  <p:clrMapOvr>
+    <a:masterClrMapping/>
+  </p:clrMapOvr>
+</p:sld>
+</file>
+
+<file path=ppt/slides/slide5.xml><?xml version="1.0" encoding="utf-8"?>
+<p:sld xmlns:a="http://schemas.openxmlformats.org/drawingml/2006/main" xmlns:r="http://schemas.openxmlformats.org/officeDocument/2006/relationships" xmlns:p="http://schemas.openxmlformats.org/presentationml/2006/main">
+  <p:cSld>
+    <p:bg>
+      <p:bgPr>
+        <a:solidFill>
+          <a:schemeClr val="bg1">
+            <a:lumMod val="95000"/>
+          </a:schemeClr>
+        </a:solidFill>
+        <a:effectLst/>
+      </p:bgPr>
+    </p:bg>
+    <p:spTree>
+      <p:nvGrpSpPr>
+        <p:cNvPr id="1" name=""/>
+        <p:cNvGrpSpPr/>
+        <p:nvPr/>
+      </p:nvGrpSpPr>
+      <p:grpSpPr>
+        <a:xfrm>
+          <a:off x="0" y="0"/>
+          <a:ext cx="0" cy="0"/>
+          <a:chOff x="0" y="0"/>
+          <a:chExt cx="0" cy="0"/>
+        </a:xfrm>
+      </p:grpSpPr>
+      <p:sp>
+        <p:nvSpPr>
+          <p:cNvPr id="10" name="Rectangle 9">
+            <a:extLst>
+              <a:ext uri="{FF2B5EF4-FFF2-40B4-BE49-F238E27FC236}">
+                <a16:creationId xmlns:a16="http://schemas.microsoft.com/office/drawing/2014/main" id="{A99FE660-E3DF-47E7-962D-66C6F6CE0D81}"/>
+              </a:ext>
+            </a:extLst>
+          </p:cNvPr>
+          <p:cNvSpPr>
+            <a:spLocks noGrp="1" noRot="1" noChangeAspect="1" noMove="1" noResize="1" noEditPoints="1" noAdjustHandles="1" noChangeArrowheads="1" noChangeShapeType="1" noTextEdit="1"/>
+          </p:cNvSpPr>
+          <p:nvPr>
+            <p:extLst>
+              <p:ext uri="{386F3935-93C4-4BCD-93E2-E3B085C9AB24}">
+                <p16:designElem xmlns:p16="http://schemas.microsoft.com/office/powerpoint/2015/main" val="1"/>
+              </p:ext>
+            </p:extLst>
+          </p:nvPr>
+        </p:nvSpPr>
+        <p:spPr>
+          <a:xfrm>
+            <a:off x="814795" y="964692"/>
+            <a:ext cx="6885432" cy="4936558"/>
+          </a:xfrm>
+          <a:prstGeom prst="rect">
+            <a:avLst/>
+          </a:prstGeom>
+          <a:noFill/>
+          <a:ln w="31750" cap="sq">
+            <a:solidFill>
+              <a:srgbClr val="FFFFFF"/>
+            </a:solidFill>
+            <a:miter lim="800000"/>
+          </a:ln>
+        </p:spPr>
+        <p:style>
+          <a:lnRef idx="2">
+            <a:schemeClr val="accent1">
+              <a:shade val="50000"/>
+            </a:schemeClr>
+          </a:lnRef>
+          <a:fillRef idx="1">
+            <a:schemeClr val="accent1"/>
+          </a:fillRef>
+          <a:effectRef idx="0">
+            <a:schemeClr val="accent1"/>
+          </a:effectRef>
+          <a:fontRef idx="minor">
+            <a:schemeClr val="lt1"/>
+          </a:fontRef>
+        </p:style>
+        <p:txBody>
+          <a:bodyPr rtlCol="0" anchor="ctr"/>
+          <a:lstStyle/>
+          <a:p>
+            <a:pPr algn="ctr"/>
+            <a:endParaRPr lang="en-US" dirty="0"/>
+          </a:p>
+        </p:txBody>
+      </p:sp>
+      <p:sp>
+        <p:nvSpPr>
+          <p:cNvPr id="12" name="Rectangle 11">
+            <a:extLst>
+              <a:ext uri="{FF2B5EF4-FFF2-40B4-BE49-F238E27FC236}">
+                <a16:creationId xmlns:a16="http://schemas.microsoft.com/office/drawing/2014/main" id="{38C29FEE-8E8F-43D5-AD23-EB4060B4D943}"/>
+              </a:ext>
+            </a:extLst>
+          </p:cNvPr>
+          <p:cNvSpPr>
+            <a:spLocks noGrp="1" noRot="1" noChangeAspect="1" noMove="1" noResize="1" noEditPoints="1" noAdjustHandles="1" noChangeArrowheads="1" noChangeShapeType="1" noTextEdit="1"/>
+          </p:cNvSpPr>
+          <p:nvPr>
+            <p:extLst>
+              <p:ext uri="{386F3935-93C4-4BCD-93E2-E3B085C9AB24}">
+                <p16:designElem xmlns:p16="http://schemas.microsoft.com/office/powerpoint/2015/main" val="1"/>
+              </p:ext>
+            </p:extLst>
+          </p:nvPr>
+        </p:nvSpPr>
+        <p:spPr>
+          <a:xfrm>
+            <a:off x="978415" y="1128683"/>
+            <a:ext cx="6558192" cy="4608576"/>
+          </a:xfrm>
+          <a:prstGeom prst="rect">
+            <a:avLst/>
+          </a:prstGeom>
+          <a:solidFill>
+            <a:srgbClr val="FFFFFF"/>
+          </a:solidFill>
+          <a:ln>
+            <a:noFill/>
+          </a:ln>
+        </p:spPr>
+        <p:style>
+          <a:lnRef idx="2">
+            <a:schemeClr val="accent1">
+              <a:shade val="50000"/>
+            </a:schemeClr>
+          </a:lnRef>
+          <a:fillRef idx="1">
+            <a:schemeClr val="accent1"/>
+          </a:fillRef>
+          <a:effectRef idx="0">
+            <a:schemeClr val="accent1"/>
+          </a:effectRef>
+          <a:fontRef idx="minor">
+            <a:schemeClr val="lt1"/>
+          </a:fontRef>
+        </p:style>
+        <p:txBody>
+          <a:bodyPr rtlCol="0" anchor="ctr"/>
+          <a:lstStyle/>
+          <a:p>
+            <a:pPr algn="ctr"/>
+            <a:endParaRPr lang="en-US"/>
+          </a:p>
+        </p:txBody>
+      </p:sp>
+      <p:pic>
+        <p:nvPicPr>
+          <p:cNvPr id="5" name="Picture 4">
+            <a:extLst>
+              <a:ext uri="{FF2B5EF4-FFF2-40B4-BE49-F238E27FC236}">
+                <a16:creationId xmlns:a16="http://schemas.microsoft.com/office/drawing/2014/main" id="{4959FEE9-DF65-4419-8248-C82D274EFF42}"/>
+              </a:ext>
+            </a:extLst>
+          </p:cNvPr>
+          <p:cNvPicPr>
+            <a:picLocks noChangeAspect="1"/>
+          </p:cNvPicPr>
+          <p:nvPr/>
+        </p:nvPicPr>
+        <p:blipFill>
+          <a:blip r:embed="rId2"/>
+          <a:stretch>
+            <a:fillRect/>
+          </a:stretch>
+        </p:blipFill>
+        <p:spPr>
+          <a:xfrm>
+            <a:off x="1143979" y="1627870"/>
+            <a:ext cx="6227064" cy="3610201"/>
+          </a:xfrm>
+          <a:prstGeom prst="rect">
+            <a:avLst/>
+          </a:prstGeom>
+        </p:spPr>
+      </p:pic>
+      <p:sp>
+        <p:nvSpPr>
+          <p:cNvPr id="2" name="Title 1">
+            <a:extLst>
+              <a:ext uri="{FF2B5EF4-FFF2-40B4-BE49-F238E27FC236}">
+                <a16:creationId xmlns:a16="http://schemas.microsoft.com/office/drawing/2014/main" id="{E9DEDB4D-E6A0-441F-B977-180743E15AF7}"/>
+              </a:ext>
+            </a:extLst>
+          </p:cNvPr>
+          <p:cNvSpPr>
+            <a:spLocks noGrp="1"/>
+          </p:cNvSpPr>
+          <p:nvPr>
+            <p:ph type="title"/>
+          </p:nvPr>
+        </p:nvSpPr>
+        <p:spPr>
+          <a:xfrm>
+            <a:off x="8312677" y="964692"/>
+            <a:ext cx="3066937" cy="1188720"/>
+          </a:xfrm>
+        </p:spPr>
+        <p:txBody>
+          <a:bodyPr>
+            <a:normAutofit/>
+          </a:bodyPr>
+          <a:lstStyle/>
+          <a:p>
+            <a:r>
+              <a:rPr lang="en-US" dirty="0"/>
+              <a:t>While Loop</a:t>
+            </a:r>
+          </a:p>
+        </p:txBody>
+      </p:sp>
+      <p:sp>
+        <p:nvSpPr>
+          <p:cNvPr id="3" name="Content Placeholder 2">
+            <a:extLst>
+              <a:ext uri="{FF2B5EF4-FFF2-40B4-BE49-F238E27FC236}">
+                <a16:creationId xmlns:a16="http://schemas.microsoft.com/office/drawing/2014/main" id="{1EE23C50-D054-43A4-9094-946A04359AA1}"/>
+              </a:ext>
+            </a:extLst>
+          </p:cNvPr>
+          <p:cNvSpPr>
+            <a:spLocks noGrp="1"/>
+          </p:cNvSpPr>
+          <p:nvPr>
+            <p:ph idx="1"/>
+          </p:nvPr>
+        </p:nvSpPr>
+        <p:spPr>
+          <a:xfrm>
+            <a:off x="8311249" y="2638044"/>
+            <a:ext cx="3063765" cy="3263206"/>
+          </a:xfrm>
+        </p:spPr>
+        <p:txBody>
+          <a:bodyPr>
+            <a:normAutofit/>
+          </a:bodyPr>
+          <a:lstStyle/>
+          <a:p>
+            <a:r>
+              <a:rPr lang="en-US" dirty="0"/>
+              <a:t>This is essentially the same code as before, but with a variable instead</a:t>
+            </a:r>
+          </a:p>
+        </p:txBody>
+      </p:sp>
+    </p:spTree>
+    <p:extLst>
+      <p:ext uri="{BB962C8B-B14F-4D97-AF65-F5344CB8AC3E}">
+        <p14:creationId xmlns:p14="http://schemas.microsoft.com/office/powerpoint/2010/main" val="1549277015"/>
+      </p:ext>
+    </p:extLst>
+  </p:cSld>
+  <p:clrMapOvr>
+    <a:masterClrMapping/>
+  </p:clrMapOvr>
+</p:sld>
+</file>
+
+<file path=ppt/slides/slide6.xml><?xml version="1.0" encoding="utf-8"?>
+<p:sld xmlns:a="http://schemas.openxmlformats.org/drawingml/2006/main" xmlns:r="http://schemas.openxmlformats.org/officeDocument/2006/relationships" xmlns:p="http://schemas.openxmlformats.org/presentationml/2006/main">
+  <p:cSld>
+    <p:bg>
+      <p:bgPr>
+        <a:solidFill>
+          <a:schemeClr val="bg1">
+            <a:lumMod val="95000"/>
+          </a:schemeClr>
+        </a:solidFill>
+        <a:effectLst/>
+      </p:bgPr>
+    </p:bg>
+    <p:spTree>
+      <p:nvGrpSpPr>
+        <p:cNvPr id="1" name=""/>
+        <p:cNvGrpSpPr/>
+        <p:nvPr/>
+      </p:nvGrpSpPr>
+      <p:grpSpPr>
+        <a:xfrm>
+          <a:off x="0" y="0"/>
+          <a:ext cx="0" cy="0"/>
+          <a:chOff x="0" y="0"/>
+          <a:chExt cx="0" cy="0"/>
+        </a:xfrm>
+      </p:grpSpPr>
+      <p:sp>
+        <p:nvSpPr>
+          <p:cNvPr id="17" name="Rectangle 16">
+            <a:extLst>
+              <a:ext uri="{FF2B5EF4-FFF2-40B4-BE49-F238E27FC236}">
+                <a16:creationId xmlns:a16="http://schemas.microsoft.com/office/drawing/2014/main" id="{A99FE660-E3DF-47E7-962D-66C6F6CE0D81}"/>
+              </a:ext>
+            </a:extLst>
+          </p:cNvPr>
+          <p:cNvSpPr>
+            <a:spLocks noGrp="1" noRot="1" noChangeAspect="1" noMove="1" noResize="1" noEditPoints="1" noAdjustHandles="1" noChangeArrowheads="1" noChangeShapeType="1" noTextEdit="1"/>
+          </p:cNvSpPr>
+          <p:nvPr>
+            <p:extLst>
+              <p:ext uri="{386F3935-93C4-4BCD-93E2-E3B085C9AB24}">
+                <p16:designElem xmlns:p16="http://schemas.microsoft.com/office/powerpoint/2015/main" val="1"/>
+              </p:ext>
+            </p:extLst>
+          </p:nvPr>
+        </p:nvSpPr>
+        <p:spPr>
+          <a:xfrm>
+            <a:off x="814795" y="964692"/>
+            <a:ext cx="6885432" cy="4936558"/>
+          </a:xfrm>
+          <a:prstGeom prst="rect">
+            <a:avLst/>
+          </a:prstGeom>
+          <a:noFill/>
+          <a:ln w="31750" cap="sq">
+            <a:solidFill>
+              <a:srgbClr val="FFFFFF"/>
+            </a:solidFill>
+            <a:miter lim="800000"/>
+          </a:ln>
+        </p:spPr>
+        <p:style>
+          <a:lnRef idx="2">
+            <a:schemeClr val="accent1">
+              <a:shade val="50000"/>
+            </a:schemeClr>
+          </a:lnRef>
+          <a:fillRef idx="1">
+            <a:schemeClr val="accent1"/>
+          </a:fillRef>
+          <a:effectRef idx="0">
+            <a:schemeClr val="accent1"/>
+          </a:effectRef>
+          <a:fontRef idx="minor">
+            <a:schemeClr val="lt1"/>
+          </a:fontRef>
+        </p:style>
+        <p:txBody>
+          <a:bodyPr rtlCol="0" anchor="ctr"/>
+          <a:lstStyle/>
+          <a:p>
+            <a:pPr algn="ctr"/>
+            <a:endParaRPr lang="en-US" dirty="0"/>
+          </a:p>
+        </p:txBody>
+      </p:sp>
+      <p:sp>
+        <p:nvSpPr>
+          <p:cNvPr id="19" name="Rectangle 18">
+            <a:extLst>
+              <a:ext uri="{FF2B5EF4-FFF2-40B4-BE49-F238E27FC236}">
+                <a16:creationId xmlns:a16="http://schemas.microsoft.com/office/drawing/2014/main" id="{38C29FEE-8E8F-43D5-AD23-EB4060B4D943}"/>
+              </a:ext>
+            </a:extLst>
+          </p:cNvPr>
+          <p:cNvSpPr>
+            <a:spLocks noGrp="1" noRot="1" noChangeAspect="1" noMove="1" noResize="1" noEditPoints="1" noAdjustHandles="1" noChangeArrowheads="1" noChangeShapeType="1" noTextEdit="1"/>
+          </p:cNvSpPr>
+          <p:nvPr>
+            <p:extLst>
+              <p:ext uri="{386F3935-93C4-4BCD-93E2-E3B085C9AB24}">
+                <p16:designElem xmlns:p16="http://schemas.microsoft.com/office/powerpoint/2015/main" val="1"/>
+              </p:ext>
+            </p:extLst>
+          </p:nvPr>
+        </p:nvSpPr>
+        <p:spPr>
+          <a:xfrm>
+            <a:off x="978415" y="1128683"/>
+            <a:ext cx="6558192" cy="4608576"/>
+          </a:xfrm>
+          <a:prstGeom prst="rect">
+            <a:avLst/>
+          </a:prstGeom>
+          <a:solidFill>
+            <a:srgbClr val="FFFFFF"/>
+          </a:solidFill>
+          <a:ln>
+            <a:noFill/>
+          </a:ln>
+        </p:spPr>
+        <p:style>
+          <a:lnRef idx="2">
+            <a:schemeClr val="accent1">
+              <a:shade val="50000"/>
+            </a:schemeClr>
+          </a:lnRef>
+          <a:fillRef idx="1">
+            <a:schemeClr val="accent1"/>
+          </a:fillRef>
+          <a:effectRef idx="0">
+            <a:schemeClr val="accent1"/>
+          </a:effectRef>
+          <a:fontRef idx="minor">
+            <a:schemeClr val="lt1"/>
+          </a:fontRef>
+        </p:style>
+        <p:txBody>
+          <a:bodyPr rtlCol="0" anchor="ctr"/>
+          <a:lstStyle/>
+          <a:p>
+            <a:pPr algn="ctr"/>
+            <a:endParaRPr lang="en-US"/>
+          </a:p>
+        </p:txBody>
+      </p:sp>
+      <p:pic>
+        <p:nvPicPr>
+          <p:cNvPr id="4" name="Picture 3">
+            <a:extLst>
+              <a:ext uri="{FF2B5EF4-FFF2-40B4-BE49-F238E27FC236}">
+                <a16:creationId xmlns:a16="http://schemas.microsoft.com/office/drawing/2014/main" id="{D66B71E7-312C-4C30-B4B2-07377EF2F751}"/>
+              </a:ext>
+            </a:extLst>
+          </p:cNvPr>
+          <p:cNvPicPr>
+            <a:picLocks noChangeAspect="1"/>
+          </p:cNvPicPr>
+          <p:nvPr/>
+        </p:nvPicPr>
+        <p:blipFill>
+          <a:blip r:embed="rId2"/>
+          <a:stretch>
+            <a:fillRect/>
+          </a:stretch>
+        </p:blipFill>
+        <p:spPr>
+          <a:xfrm>
+            <a:off x="1143979" y="1892535"/>
+            <a:ext cx="6227064" cy="3080872"/>
+          </a:xfrm>
+          <a:prstGeom prst="rect">
+            <a:avLst/>
+          </a:prstGeom>
+        </p:spPr>
+      </p:pic>
+      <p:sp>
+        <p:nvSpPr>
+          <p:cNvPr id="2" name="Title 1">
+            <a:extLst>
+              <a:ext uri="{FF2B5EF4-FFF2-40B4-BE49-F238E27FC236}">
+                <a16:creationId xmlns:a16="http://schemas.microsoft.com/office/drawing/2014/main" id="{E9DEDB4D-E6A0-441F-B977-180743E15AF7}"/>
+              </a:ext>
+            </a:extLst>
+          </p:cNvPr>
+          <p:cNvSpPr>
+            <a:spLocks noGrp="1"/>
+          </p:cNvSpPr>
+          <p:nvPr>
+            <p:ph type="title"/>
+          </p:nvPr>
+        </p:nvSpPr>
+        <p:spPr>
+          <a:xfrm>
+            <a:off x="8312677" y="964692"/>
+            <a:ext cx="3066937" cy="1188720"/>
+          </a:xfrm>
+        </p:spPr>
+        <p:txBody>
+          <a:bodyPr>
+            <a:normAutofit/>
+          </a:bodyPr>
+          <a:lstStyle/>
+          <a:p>
+            <a:r>
+              <a:rPr lang="en-US" dirty="0"/>
+              <a:t>While loop</a:t>
+            </a:r>
+          </a:p>
+        </p:txBody>
+      </p:sp>
+      <p:sp>
+        <p:nvSpPr>
+          <p:cNvPr id="3" name="Content Placeholder 2">
+            <a:extLst>
+              <a:ext uri="{FF2B5EF4-FFF2-40B4-BE49-F238E27FC236}">
+                <a16:creationId xmlns:a16="http://schemas.microsoft.com/office/drawing/2014/main" id="{1EE23C50-D054-43A4-9094-946A04359AA1}"/>
+              </a:ext>
+            </a:extLst>
+          </p:cNvPr>
+          <p:cNvSpPr>
+            <a:spLocks noGrp="1"/>
+          </p:cNvSpPr>
+          <p:nvPr>
+            <p:ph idx="1"/>
+          </p:nvPr>
+        </p:nvSpPr>
+        <p:spPr>
+          <a:xfrm>
+            <a:off x="8311249" y="2638044"/>
+            <a:ext cx="3063765" cy="3263206"/>
+          </a:xfrm>
+        </p:spPr>
+        <p:txBody>
+          <a:bodyPr>
+            <a:normAutofit/>
+          </a:bodyPr>
+          <a:lstStyle/>
+          <a:p>
+            <a:r>
+              <a:rPr lang="en-US" dirty="0"/>
+              <a:t>Increment the variable “count” in the loop</a:t>
+            </a:r>
+          </a:p>
+          <a:p>
+            <a:r>
+              <a:rPr lang="en-US" dirty="0"/>
+              <a:t>Now when it loops again, count is 2, which is not &lt;=</a:t>
+            </a:r>
+            <a:r>
+              <a:rPr lang="en-US" dirty="0">
+                <a:latin typeface="Arial" panose="020B0604020202020204" pitchFamily="34" charset="0"/>
+                <a:cs typeface="Arial" panose="020B0604020202020204" pitchFamily="34" charset="0"/>
+              </a:rPr>
+              <a:t>1</a:t>
+            </a:r>
+            <a:r>
+              <a:rPr lang="en-US" dirty="0"/>
+              <a:t>, so the loop does not execute a 2</a:t>
+            </a:r>
+            <a:r>
+              <a:rPr lang="en-US" baseline="30000" dirty="0"/>
+              <a:t>nd</a:t>
+            </a:r>
+            <a:r>
+              <a:rPr lang="en-US" dirty="0"/>
+              <a:t> time.</a:t>
+            </a:r>
+          </a:p>
+          <a:p>
+            <a:endParaRPr lang="en-US" dirty="0"/>
+          </a:p>
+        </p:txBody>
+      </p:sp>
+    </p:spTree>
+    <p:extLst>
+      <p:ext uri="{BB962C8B-B14F-4D97-AF65-F5344CB8AC3E}">
+        <p14:creationId xmlns:p14="http://schemas.microsoft.com/office/powerpoint/2010/main" val="1419473970"/>
+      </p:ext>
+    </p:extLst>
+  </p:cSld>
+  <p:clrMapOvr>
+    <a:masterClrMapping/>
+  </p:clrMapOvr>
+</p:sld>
+</file>
+
+<file path=ppt/slides/slide7.xml><?xml version="1.0" encoding="utf-8"?>
+<p:sld xmlns:a="http://schemas.openxmlformats.org/drawingml/2006/main" xmlns:r="http://schemas.openxmlformats.org/officeDocument/2006/relationships" xmlns:p="http://schemas.openxmlformats.org/presentationml/2006/main">
+  <p:cSld>
+    <p:bg>
+      <p:bgPr>
+        <a:solidFill>
+          <a:schemeClr val="bg1">
+            <a:lumMod val="95000"/>
+          </a:schemeClr>
+        </a:solidFill>
+        <a:effectLst/>
+      </p:bgPr>
+    </p:bg>
+    <p:spTree>
+      <p:nvGrpSpPr>
+        <p:cNvPr id="1" name=""/>
+        <p:cNvGrpSpPr/>
+        <p:nvPr/>
+      </p:nvGrpSpPr>
+      <p:grpSpPr>
+        <a:xfrm>
+          <a:off x="0" y="0"/>
+          <a:ext cx="0" cy="0"/>
+          <a:chOff x="0" y="0"/>
+          <a:chExt cx="0" cy="0"/>
+        </a:xfrm>
+      </p:grpSpPr>
+      <p:sp>
+        <p:nvSpPr>
+          <p:cNvPr id="37" name="Rectangle 30">
+            <a:extLst>
+              <a:ext uri="{FF2B5EF4-FFF2-40B4-BE49-F238E27FC236}">
+                <a16:creationId xmlns:a16="http://schemas.microsoft.com/office/drawing/2014/main" id="{C7EC7370-FF9F-4131-8812-2123F5D9D48E}"/>
+              </a:ext>
+            </a:extLst>
+          </p:cNvPr>
+          <p:cNvSpPr>
+            <a:spLocks noGrp="1" noRot="1" noChangeAspect="1" noMove="1" noResize="1" noEditPoints="1" noAdjustHandles="1" noChangeArrowheads="1" noChangeShapeType="1" noTextEdit="1"/>
+          </p:cNvSpPr>
+          <p:nvPr>
+            <p:extLst>
+              <p:ext uri="{386F3935-93C4-4BCD-93E2-E3B085C9AB24}">
+                <p16:designElem xmlns:p16="http://schemas.microsoft.com/office/powerpoint/2015/main" val="1"/>
+              </p:ext>
+            </p:extLst>
+          </p:nvPr>
+        </p:nvSpPr>
+        <p:spPr>
+          <a:xfrm>
+            <a:off x="798315" y="964692"/>
+            <a:ext cx="3986784" cy="4936558"/>
+          </a:xfrm>
+          <a:prstGeom prst="rect">
+            <a:avLst/>
+          </a:prstGeom>
+          <a:noFill/>
+          <a:ln w="31750" cap="sq">
+            <a:solidFill>
+              <a:srgbClr val="FFFFFF"/>
+            </a:solidFill>
+            <a:miter lim="800000"/>
+          </a:ln>
+        </p:spPr>
+        <p:style>
+          <a:lnRef idx="2">
+            <a:schemeClr val="accent1">
+              <a:shade val="50000"/>
+            </a:schemeClr>
+          </a:lnRef>
+          <a:fillRef idx="1">
+            <a:schemeClr val="accent1"/>
+          </a:fillRef>
+          <a:effectRef idx="0">
+            <a:schemeClr val="accent1"/>
+          </a:effectRef>
+          <a:fontRef idx="minor">
+            <a:schemeClr val="lt1"/>
+          </a:fontRef>
+        </p:style>
+        <p:txBody>
+          <a:bodyPr rtlCol="0" anchor="ctr"/>
+          <a:lstStyle/>
+          <a:p>
+            <a:pPr algn="ctr"/>
+            <a:endParaRPr lang="en-US" dirty="0"/>
+          </a:p>
+        </p:txBody>
+      </p:sp>
+      <p:sp>
+        <p:nvSpPr>
+          <p:cNvPr id="38" name="Rectangle 32">
+            <a:extLst>
+              <a:ext uri="{FF2B5EF4-FFF2-40B4-BE49-F238E27FC236}">
+                <a16:creationId xmlns:a16="http://schemas.microsoft.com/office/drawing/2014/main" id="{A3377563-4FF6-4DD0-B84A-CFBB8D783192}"/>
+              </a:ext>
+            </a:extLst>
+          </p:cNvPr>
+          <p:cNvSpPr>
+            <a:spLocks noGrp="1" noRot="1" noChangeAspect="1" noMove="1" noResize="1" noEditPoints="1" noAdjustHandles="1" noChangeArrowheads="1" noChangeShapeType="1" noTextEdit="1"/>
+          </p:cNvSpPr>
+          <p:nvPr>
+            <p:extLst>
+              <p:ext uri="{386F3935-93C4-4BCD-93E2-E3B085C9AB24}">
+                <p16:designElem xmlns:p16="http://schemas.microsoft.com/office/powerpoint/2015/main" val="1"/>
+              </p:ext>
+            </p:extLst>
+          </p:nvPr>
+        </p:nvSpPr>
+        <p:spPr>
+          <a:xfrm>
+            <a:off x="962907" y="1128683"/>
+            <a:ext cx="3657600" cy="4608576"/>
+          </a:xfrm>
+          <a:prstGeom prst="rect">
+            <a:avLst/>
+          </a:prstGeom>
+          <a:solidFill>
+            <a:srgbClr val="FFFFFF"/>
+          </a:solidFill>
+          <a:ln>
+            <a:noFill/>
+          </a:ln>
+        </p:spPr>
+        <p:style>
+          <a:lnRef idx="2">
+            <a:schemeClr val="accent1">
+              <a:shade val="50000"/>
+            </a:schemeClr>
+          </a:lnRef>
+          <a:fillRef idx="1">
+            <a:schemeClr val="accent1"/>
+          </a:fillRef>
+          <a:effectRef idx="0">
+            <a:schemeClr val="accent1"/>
+          </a:effectRef>
+          <a:fontRef idx="minor">
+            <a:schemeClr val="lt1"/>
+          </a:fontRef>
+        </p:style>
+        <p:txBody>
+          <a:bodyPr rtlCol="0" anchor="ctr"/>
+          <a:lstStyle/>
+          <a:p>
+            <a:pPr algn="ctr"/>
+            <a:endParaRPr lang="en-US"/>
+          </a:p>
+        </p:txBody>
+      </p:sp>
+      <p:pic>
+        <p:nvPicPr>
+          <p:cNvPr id="5" name="Picture 4">
+            <a:extLst>
+              <a:ext uri="{FF2B5EF4-FFF2-40B4-BE49-F238E27FC236}">
+                <a16:creationId xmlns:a16="http://schemas.microsoft.com/office/drawing/2014/main" id="{44396BEF-A27D-4129-9DF6-097436847ED5}"/>
+              </a:ext>
+            </a:extLst>
+          </p:cNvPr>
+          <p:cNvPicPr>
+            <a:picLocks noChangeAspect="1"/>
+          </p:cNvPicPr>
+          <p:nvPr/>
+        </p:nvPicPr>
+        <p:blipFill>
+          <a:blip r:embed="rId3"/>
+          <a:stretch>
+            <a:fillRect/>
+          </a:stretch>
+        </p:blipFill>
+        <p:spPr>
+          <a:xfrm>
+            <a:off x="1127499" y="2491967"/>
+            <a:ext cx="3328416" cy="1882007"/>
+          </a:xfrm>
+          <a:prstGeom prst="rect">
+            <a:avLst/>
+          </a:prstGeom>
+        </p:spPr>
+      </p:pic>
+      <p:sp>
+        <p:nvSpPr>
+          <p:cNvPr id="2" name="Title 1">
+            <a:extLst>
+              <a:ext uri="{FF2B5EF4-FFF2-40B4-BE49-F238E27FC236}">
+                <a16:creationId xmlns:a16="http://schemas.microsoft.com/office/drawing/2014/main" id="{E9DEDB4D-E6A0-441F-B977-180743E15AF7}"/>
+              </a:ext>
+            </a:extLst>
+          </p:cNvPr>
+          <p:cNvSpPr>
+            <a:spLocks noGrp="1"/>
+          </p:cNvSpPr>
+          <p:nvPr>
+            <p:ph type="title"/>
+          </p:nvPr>
+        </p:nvSpPr>
+        <p:spPr>
+          <a:xfrm>
+            <a:off x="5381807" y="964692"/>
+            <a:ext cx="5894832" cy="1188720"/>
+          </a:xfrm>
+        </p:spPr>
+        <p:txBody>
+          <a:bodyPr>
+            <a:normAutofit/>
+          </a:bodyPr>
+          <a:lstStyle/>
+          <a:p>
+            <a:r>
+              <a:rPr lang="en-US" dirty="0"/>
+              <a:t>Trace the Program</a:t>
+            </a:r>
+          </a:p>
+        </p:txBody>
+      </p:sp>
+      <p:sp>
+        <p:nvSpPr>
+          <p:cNvPr id="3" name="Content Placeholder 2">
+            <a:extLst>
+              <a:ext uri="{FF2B5EF4-FFF2-40B4-BE49-F238E27FC236}">
+                <a16:creationId xmlns:a16="http://schemas.microsoft.com/office/drawing/2014/main" id="{1EE23C50-D054-43A4-9094-946A04359AA1}"/>
+              </a:ext>
+            </a:extLst>
+          </p:cNvPr>
+          <p:cNvSpPr>
+            <a:spLocks noGrp="1"/>
+          </p:cNvSpPr>
+          <p:nvPr>
+            <p:ph idx="1"/>
+          </p:nvPr>
+        </p:nvSpPr>
+        <p:spPr>
+          <a:xfrm>
+            <a:off x="5380378" y="2321169"/>
+            <a:ext cx="5963317" cy="3580081"/>
+          </a:xfrm>
+        </p:spPr>
+        <p:txBody>
+          <a:bodyPr>
+            <a:normAutofit/>
+          </a:bodyPr>
+          <a:lstStyle/>
+          <a:p>
+            <a:pPr>
+              <a:lnSpc>
+                <a:spcPct val="90000"/>
+              </a:lnSpc>
+            </a:pPr>
+            <a:r>
+              <a:rPr lang="en-US" sz="1700" dirty="0"/>
+              <a:t>Count is initialized to </a:t>
+            </a:r>
+            <a:r>
+              <a:rPr lang="en-US" sz="1700" dirty="0">
+                <a:latin typeface="Arial" panose="020B0604020202020204" pitchFamily="34" charset="0"/>
+                <a:cs typeface="Arial" panose="020B0604020202020204" pitchFamily="34" charset="0"/>
+              </a:rPr>
+              <a:t>1</a:t>
+            </a:r>
+          </a:p>
+          <a:p>
+            <a:pPr>
+              <a:lnSpc>
+                <a:spcPct val="90000"/>
+              </a:lnSpc>
+            </a:pPr>
+            <a:r>
+              <a:rPr lang="en-US" sz="1700" dirty="0"/>
+              <a:t>The while-loop checks the condition to see if count is &lt;= </a:t>
+            </a:r>
+            <a:r>
+              <a:rPr lang="en-US" sz="1700" dirty="0">
+                <a:latin typeface="Arial" panose="020B0604020202020204" pitchFamily="34" charset="0"/>
+                <a:cs typeface="Arial" panose="020B0604020202020204" pitchFamily="34" charset="0"/>
+              </a:rPr>
+              <a:t>1</a:t>
+            </a:r>
+          </a:p>
+          <a:p>
+            <a:pPr>
+              <a:lnSpc>
+                <a:spcPct val="90000"/>
+              </a:lnSpc>
+            </a:pPr>
+            <a:r>
+              <a:rPr lang="en-US" sz="1700" dirty="0"/>
+              <a:t>The condition is true, so the code inside the while loop will be executed</a:t>
+            </a:r>
+          </a:p>
+          <a:p>
+            <a:pPr lvl="1">
+              <a:lnSpc>
+                <a:spcPct val="90000"/>
+              </a:lnSpc>
+            </a:pPr>
+            <a:r>
+              <a:rPr lang="en-US" sz="1700" dirty="0"/>
+              <a:t>The user is asked for an animal</a:t>
+            </a:r>
+          </a:p>
+          <a:p>
+            <a:pPr lvl="1">
+              <a:lnSpc>
+                <a:spcPct val="90000"/>
+              </a:lnSpc>
+            </a:pPr>
+            <a:r>
+              <a:rPr lang="en-US" sz="1700" dirty="0"/>
+              <a:t>“count” is incremented by </a:t>
+            </a:r>
+            <a:r>
+              <a:rPr lang="en-US" sz="1700" dirty="0">
+                <a:latin typeface="Arial" panose="020B0604020202020204" pitchFamily="34" charset="0"/>
+                <a:cs typeface="Arial" panose="020B0604020202020204" pitchFamily="34" charset="0"/>
+              </a:rPr>
+              <a:t>1</a:t>
+            </a:r>
+            <a:r>
+              <a:rPr lang="en-US" sz="1700" dirty="0"/>
+              <a:t>, so “count” is now equal to 2</a:t>
+            </a:r>
+          </a:p>
+          <a:p>
+            <a:pPr lvl="1">
+              <a:lnSpc>
+                <a:spcPct val="90000"/>
+              </a:lnSpc>
+            </a:pPr>
+            <a:r>
+              <a:rPr lang="en-US" sz="1700" dirty="0"/>
+              <a:t>The value stored in “count” is printed</a:t>
+            </a:r>
+          </a:p>
+          <a:p>
+            <a:pPr>
+              <a:lnSpc>
+                <a:spcPct val="90000"/>
+              </a:lnSpc>
+            </a:pPr>
+            <a:r>
+              <a:rPr lang="en-US" sz="1700" dirty="0"/>
+              <a:t>The while loop checks the condition again. The condition is false (2 is not &lt;= </a:t>
+            </a:r>
+            <a:r>
+              <a:rPr lang="en-US" sz="1700" dirty="0">
+                <a:latin typeface="Arial" panose="020B0604020202020204" pitchFamily="34" charset="0"/>
+                <a:cs typeface="Arial" panose="020B0604020202020204" pitchFamily="34" charset="0"/>
+              </a:rPr>
+              <a:t>1</a:t>
+            </a:r>
+            <a:r>
+              <a:rPr lang="en-US" sz="1700" dirty="0"/>
+              <a:t>), so the code inside the while-loop is not executed</a:t>
+            </a:r>
+          </a:p>
+          <a:p>
+            <a:pPr lvl="1">
+              <a:lnSpc>
+                <a:spcPct val="90000"/>
+              </a:lnSpc>
+            </a:pPr>
+            <a:r>
+              <a:rPr lang="en-US" sz="1500" dirty="0"/>
+              <a:t>The program ends</a:t>
+            </a:r>
+          </a:p>
+          <a:p>
+            <a:pPr>
+              <a:lnSpc>
+                <a:spcPct val="90000"/>
+              </a:lnSpc>
+            </a:pPr>
+            <a:endParaRPr lang="en-US" sz="1700" dirty="0"/>
+          </a:p>
+          <a:p>
+            <a:pPr>
+              <a:lnSpc>
+                <a:spcPct val="90000"/>
+              </a:lnSpc>
+            </a:pPr>
+            <a:endParaRPr lang="en-US" sz="1700" dirty="0"/>
+          </a:p>
+        </p:txBody>
+      </p:sp>
+    </p:spTree>
+    <p:extLst>
+      <p:ext uri="{BB962C8B-B14F-4D97-AF65-F5344CB8AC3E}">
+        <p14:creationId xmlns:p14="http://schemas.microsoft.com/office/powerpoint/2010/main" val="3634201812"/>
+      </p:ext>
+    </p:extLst>
+  </p:cSld>
+  <p:clrMapOvr>
+    <a:masterClrMapping/>
+  </p:clrMapOvr>
+</p:sld>
+</file>
+
+<file path=ppt/slides/slide8.xml><?xml version="1.0" encoding="utf-8"?>
+<p:sld xmlns:a="http://schemas.openxmlformats.org/drawingml/2006/main" xmlns:r="http://schemas.openxmlformats.org/officeDocument/2006/relationships" xmlns:p="http://schemas.openxmlformats.org/presentationml/2006/main">
+  <p:cSld>
+    <p:bg>
+      <p:bgPr>
+        <a:solidFill>
+          <a:schemeClr val="bg1">
+            <a:lumMod val="95000"/>
+          </a:schemeClr>
+        </a:solidFill>
+        <a:effectLst/>
+      </p:bgPr>
+    </p:bg>
+    <p:spTree>
+      <p:nvGrpSpPr>
+        <p:cNvPr id="1" name=""/>
+        <p:cNvGrpSpPr/>
+        <p:nvPr/>
+      </p:nvGrpSpPr>
+      <p:grpSpPr>
+        <a:xfrm>
+          <a:off x="0" y="0"/>
+          <a:ext cx="0" cy="0"/>
+          <a:chOff x="0" y="0"/>
+          <a:chExt cx="0" cy="0"/>
+        </a:xfrm>
+      </p:grpSpPr>
+      <p:sp>
+        <p:nvSpPr>
+          <p:cNvPr id="26" name="Rectangle 25">
+            <a:extLst>
+              <a:ext uri="{FF2B5EF4-FFF2-40B4-BE49-F238E27FC236}">
+                <a16:creationId xmlns:a16="http://schemas.microsoft.com/office/drawing/2014/main" id="{DE6656AB-B8B3-4895-AD32-B928A43C4B1A}"/>
+              </a:ext>
+            </a:extLst>
+          </p:cNvPr>
+          <p:cNvSpPr>
+            <a:spLocks noGrp="1" noRot="1" noChangeAspect="1" noMove="1" noResize="1" noEditPoints="1" noAdjustHandles="1" noChangeArrowheads="1" noChangeShapeType="1" noTextEdit="1"/>
+          </p:cNvSpPr>
+          <p:nvPr>
+            <p:extLst>
+              <p:ext uri="{386F3935-93C4-4BCD-93E2-E3B085C9AB24}">
+                <p16:designElem xmlns:p16="http://schemas.microsoft.com/office/powerpoint/2015/main" val="1"/>
+              </p:ext>
+            </p:extLst>
+          </p:nvPr>
+        </p:nvSpPr>
+        <p:spPr>
+          <a:xfrm>
+            <a:off x="824760" y="964692"/>
+            <a:ext cx="5440680" cy="4936558"/>
+          </a:xfrm>
+          <a:prstGeom prst="rect">
+            <a:avLst/>
+          </a:prstGeom>
+          <a:noFill/>
+          <a:ln w="31750" cap="sq">
+            <a:solidFill>
+              <a:srgbClr val="FFFFFF"/>
+            </a:solidFill>
+            <a:miter lim="800000"/>
+          </a:ln>
+        </p:spPr>
+        <p:style>
+          <a:lnRef idx="2">
+            <a:schemeClr val="accent1">
+              <a:shade val="50000"/>
+            </a:schemeClr>
+          </a:lnRef>
+          <a:fillRef idx="1">
+            <a:schemeClr val="accent1"/>
+          </a:fillRef>
+          <a:effectRef idx="0">
+            <a:schemeClr val="accent1"/>
+          </a:effectRef>
+          <a:fontRef idx="minor">
+            <a:schemeClr val="lt1"/>
+          </a:fontRef>
+        </p:style>
+        <p:txBody>
+          <a:bodyPr rtlCol="0" anchor="ctr"/>
+          <a:lstStyle/>
+          <a:p>
+            <a:pPr algn="ctr"/>
+            <a:endParaRPr lang="en-US" dirty="0"/>
+          </a:p>
+        </p:txBody>
+      </p:sp>
+      <p:sp>
+        <p:nvSpPr>
+          <p:cNvPr id="28" name="Rectangle 27">
+            <a:extLst>
+              <a:ext uri="{FF2B5EF4-FFF2-40B4-BE49-F238E27FC236}">
+                <a16:creationId xmlns:a16="http://schemas.microsoft.com/office/drawing/2014/main" id="{188BDAE2-5EE0-4B2F-9C9B-7E86A0B4C293}"/>
+              </a:ext>
+            </a:extLst>
+          </p:cNvPr>
+          <p:cNvSpPr>
+            <a:spLocks noGrp="1" noRot="1" noChangeAspect="1" noMove="1" noResize="1" noEditPoints="1" noAdjustHandles="1" noChangeArrowheads="1" noChangeShapeType="1" noTextEdit="1"/>
+          </p:cNvSpPr>
+          <p:nvPr>
+            <p:extLst>
+              <p:ext uri="{386F3935-93C4-4BCD-93E2-E3B085C9AB24}">
+                <p16:designElem xmlns:p16="http://schemas.microsoft.com/office/powerpoint/2015/main" val="1"/>
+              </p:ext>
+            </p:extLst>
+          </p:nvPr>
+        </p:nvSpPr>
+        <p:spPr>
+          <a:xfrm>
+            <a:off x="991853" y="1128683"/>
+            <a:ext cx="5106493" cy="4608576"/>
+          </a:xfrm>
+          <a:prstGeom prst="rect">
+            <a:avLst/>
+          </a:prstGeom>
+          <a:solidFill>
+            <a:schemeClr val="bg1"/>
+          </a:solidFill>
+          <a:ln>
+            <a:noFill/>
+          </a:ln>
+        </p:spPr>
+        <p:style>
+          <a:lnRef idx="2">
+            <a:schemeClr val="accent1">
+              <a:shade val="50000"/>
+            </a:schemeClr>
+          </a:lnRef>
+          <a:fillRef idx="1">
+            <a:schemeClr val="accent1"/>
+          </a:fillRef>
+          <a:effectRef idx="0">
+            <a:schemeClr val="accent1"/>
+          </a:effectRef>
+          <a:fontRef idx="minor">
+            <a:schemeClr val="lt1"/>
+          </a:fontRef>
+        </p:style>
+        <p:txBody>
+          <a:bodyPr rtlCol="0" anchor="ctr"/>
+          <a:lstStyle/>
+          <a:p>
+            <a:pPr algn="ctr"/>
+            <a:endParaRPr lang="en-US"/>
+          </a:p>
+        </p:txBody>
+      </p:sp>
+      <p:pic>
+        <p:nvPicPr>
+          <p:cNvPr id="5" name="Picture Placeholder 4">
+            <a:extLst>
+              <a:ext uri="{FF2B5EF4-FFF2-40B4-BE49-F238E27FC236}">
+                <a16:creationId xmlns:a16="http://schemas.microsoft.com/office/drawing/2014/main" id="{BC230A73-C447-4F0A-ABEB-AD0DC474EE03}"/>
+              </a:ext>
+            </a:extLst>
+          </p:cNvPr>
+          <p:cNvPicPr>
+            <a:picLocks noGrp="1" noChangeAspect="1"/>
+          </p:cNvPicPr>
+          <p:nvPr>
+            <p:ph type="pic" idx="1"/>
+          </p:nvPr>
+        </p:nvPicPr>
+        <p:blipFill rotWithShape="1">
+          <a:blip r:embed="rId3"/>
+          <a:srcRect/>
+          <a:stretch/>
+        </p:blipFill>
+        <p:spPr>
+          <a:xfrm>
+            <a:off x="1171056" y="1293275"/>
+            <a:ext cx="4748087" cy="4279392"/>
+          </a:xfrm>
+          <a:prstGeom prst="rect">
+            <a:avLst/>
+          </a:prstGeom>
+        </p:spPr>
+      </p:pic>
+      <p:sp>
+        <p:nvSpPr>
+          <p:cNvPr id="2" name="Title 1">
+            <a:extLst>
+              <a:ext uri="{FF2B5EF4-FFF2-40B4-BE49-F238E27FC236}">
+                <a16:creationId xmlns:a16="http://schemas.microsoft.com/office/drawing/2014/main" id="{FB9F2568-DA22-4262-B1EE-A2564BB40C61}"/>
+              </a:ext>
+            </a:extLst>
+          </p:cNvPr>
+          <p:cNvSpPr>
+            <a:spLocks noGrp="1"/>
+          </p:cNvSpPr>
+          <p:nvPr>
+            <p:ph type="title"/>
+          </p:nvPr>
+        </p:nvSpPr>
+        <p:spPr>
+          <a:xfrm>
+            <a:off x="6879787" y="964692"/>
+            <a:ext cx="4476806" cy="1188720"/>
+          </a:xfrm>
+        </p:spPr>
+        <p:txBody>
+          <a:bodyPr vert="horz" lIns="182880" tIns="182880" rIns="182880" bIns="182880" rtlCol="0" anchor="ctr">
+            <a:normAutofit/>
+          </a:bodyPr>
+          <a:lstStyle/>
+          <a:p>
+            <a:r>
+              <a:rPr lang="en-US" sz="2800"/>
+              <a:t>While Syntax</a:t>
+            </a:r>
+          </a:p>
+        </p:txBody>
+      </p:sp>
+      <p:sp>
+        <p:nvSpPr>
+          <p:cNvPr id="4" name="Text Placeholder 3">
+            <a:extLst>
+              <a:ext uri="{FF2B5EF4-FFF2-40B4-BE49-F238E27FC236}">
+                <a16:creationId xmlns:a16="http://schemas.microsoft.com/office/drawing/2014/main" id="{C032600D-5AD7-49A2-A0FA-130B0548CCF7}"/>
+              </a:ext>
+            </a:extLst>
+          </p:cNvPr>
+          <p:cNvSpPr>
+            <a:spLocks noGrp="1"/>
+          </p:cNvSpPr>
+          <p:nvPr>
+            <p:ph type="body" sz="half" idx="2"/>
+          </p:nvPr>
+        </p:nvSpPr>
+        <p:spPr>
+          <a:xfrm>
+            <a:off x="6878359" y="2638044"/>
+            <a:ext cx="4492932" cy="3263206"/>
+          </a:xfrm>
+        </p:spPr>
+        <p:txBody>
+          <a:bodyPr vert="horz" lIns="91440" tIns="45720" rIns="91440" bIns="45720" rtlCol="0">
+            <a:normAutofit/>
+          </a:bodyPr>
+          <a:lstStyle/>
+          <a:p>
+            <a:pPr indent="-228600" algn="l">
+              <a:buFont typeface="Arial" panose="020B0604020202020204" pitchFamily="34" charset="0"/>
+              <a:buChar char="•"/>
+            </a:pPr>
+            <a:r>
+              <a:rPr lang="en-US" dirty="0">
+                <a:solidFill>
+                  <a:schemeClr val="tx1">
+                    <a:lumMod val="85000"/>
+                    <a:lumOff val="15000"/>
+                  </a:schemeClr>
+                </a:solidFill>
+              </a:rPr>
+              <a:t>Note the Boolean condition and the incrementation of the variable. Those are key elements of a While Loop.</a:t>
+            </a:r>
+          </a:p>
+          <a:p>
+            <a:pPr indent="-228600" algn="l">
+              <a:buFont typeface="Arial" panose="020B0604020202020204" pitchFamily="34" charset="0"/>
+              <a:buChar char="•"/>
+            </a:pPr>
+            <a:r>
+              <a:rPr lang="en-US" dirty="0">
+                <a:solidFill>
+                  <a:schemeClr val="tx1">
+                    <a:lumMod val="85000"/>
+                    <a:lumOff val="15000"/>
+                  </a:schemeClr>
+                </a:solidFill>
+              </a:rPr>
+              <a:t>If we don’t increment “count,” then the loop would run forever (it would also run forever if we write “while True:” because it’s always true).</a:t>
+            </a:r>
+          </a:p>
+          <a:p>
+            <a:pPr indent="-228600" algn="l">
+              <a:buFont typeface="Arial" panose="020B0604020202020204" pitchFamily="34" charset="0"/>
+              <a:buChar char="•"/>
+            </a:pPr>
+            <a:r>
+              <a:rPr lang="en-US" dirty="0">
+                <a:solidFill>
+                  <a:schemeClr val="tx1">
+                    <a:lumMod val="85000"/>
+                    <a:lumOff val="15000"/>
+                  </a:schemeClr>
+                </a:solidFill>
+              </a:rPr>
+              <a:t>Notice how the value of  “count” changes with each iteration of the loop.</a:t>
+            </a:r>
+          </a:p>
+          <a:p>
+            <a:pPr indent="-228600" algn="l">
+              <a:buFont typeface="Arial" panose="020B0604020202020204" pitchFamily="34" charset="0"/>
+              <a:buChar char="•"/>
+            </a:pPr>
+            <a:r>
+              <a:rPr lang="en-US" dirty="0">
+                <a:solidFill>
+                  <a:schemeClr val="tx1">
+                    <a:lumMod val="85000"/>
+                    <a:lumOff val="15000"/>
+                  </a:schemeClr>
+                </a:solidFill>
+              </a:rPr>
+              <a:t>count += </a:t>
+            </a:r>
+            <a:r>
+              <a:rPr lang="en-US" dirty="0">
+                <a:solidFill>
+                  <a:schemeClr val="tx1">
+                    <a:lumMod val="85000"/>
+                    <a:lumOff val="15000"/>
+                  </a:schemeClr>
+                </a:solidFill>
+                <a:latin typeface="Arial" panose="020B0604020202020204" pitchFamily="34" charset="0"/>
+                <a:cs typeface="Arial" panose="020B0604020202020204" pitchFamily="34" charset="0"/>
+              </a:rPr>
+              <a:t>1</a:t>
+            </a:r>
+            <a:r>
+              <a:rPr lang="en-US" dirty="0">
+                <a:solidFill>
+                  <a:schemeClr val="tx1">
+                    <a:lumMod val="85000"/>
+                    <a:lumOff val="15000"/>
+                  </a:schemeClr>
+                </a:solidFill>
+              </a:rPr>
+              <a:t> is shorthand for count = count + </a:t>
+            </a:r>
+            <a:r>
+              <a:rPr lang="en-US" dirty="0">
+                <a:solidFill>
+                  <a:schemeClr val="tx1">
+                    <a:lumMod val="85000"/>
+                    <a:lumOff val="15000"/>
+                  </a:schemeClr>
+                </a:solidFill>
+                <a:latin typeface="Arial" panose="020B0604020202020204" pitchFamily="34" charset="0"/>
+                <a:cs typeface="Arial" panose="020B0604020202020204" pitchFamily="34" charset="0"/>
+              </a:rPr>
+              <a:t>1</a:t>
+            </a:r>
+          </a:p>
+          <a:p>
+            <a:pPr indent="-228600" algn="l">
+              <a:buFont typeface="Arial" panose="020B0604020202020204" pitchFamily="34" charset="0"/>
+              <a:buChar char="•"/>
+            </a:pPr>
+            <a:endParaRPr lang="en-US" dirty="0">
+              <a:solidFill>
+                <a:schemeClr val="tx1">
+                  <a:lumMod val="85000"/>
+                  <a:lumOff val="15000"/>
+                </a:schemeClr>
+              </a:solidFill>
+            </a:endParaRPr>
+          </a:p>
+        </p:txBody>
+      </p:sp>
+    </p:spTree>
+    <p:extLst>
+      <p:ext uri="{BB962C8B-B14F-4D97-AF65-F5344CB8AC3E}">
+        <p14:creationId xmlns:p14="http://schemas.microsoft.com/office/powerpoint/2010/main" val="1792660194"/>
+      </p:ext>
+    </p:extLst>
+  </p:cSld>
+  <p:clrMapOvr>
+    <a:masterClrMapping/>
+  </p:clrMapOvr>
+</p:sld>
+</file>
+
+<file path=ppt/slides/slide9.xml><?xml version="1.0" encoding="utf-8"?>
+<p:sld xmlns:a="http://schemas.openxmlformats.org/drawingml/2006/main" xmlns:r="http://schemas.openxmlformats.org/officeDocument/2006/relationships" xmlns:p="http://schemas.openxmlformats.org/presentationml/2006/main">
+  <p:cSld>
+    <p:spTree>
+      <p:nvGrpSpPr>
+        <p:cNvPr id="1" name=""/>
+        <p:cNvGrpSpPr/>
+        <p:nvPr/>
+      </p:nvGrpSpPr>
+      <p:grpSpPr>
+        <a:xfrm>
+          <a:off x="0" y="0"/>
+          <a:ext cx="0" cy="0"/>
+          <a:chOff x="0" y="0"/>
+          <a:chExt cx="0" cy="0"/>
+        </a:xfrm>
+      </p:grpSpPr>
+      <p:sp>
+        <p:nvSpPr>
+          <p:cNvPr id="2" name="Title 1">
+            <a:extLst>
+              <a:ext uri="{FF2B5EF4-FFF2-40B4-BE49-F238E27FC236}">
+                <a16:creationId xmlns:a16="http://schemas.microsoft.com/office/drawing/2014/main" id="{FF9DF8C9-77EF-4571-AE36-84A7DCF22B64}"/>
+              </a:ext>
+            </a:extLst>
+          </p:cNvPr>
+          <p:cNvSpPr>
+            <a:spLocks noGrp="1"/>
+          </p:cNvSpPr>
+          <p:nvPr>
+            <p:ph type="title"/>
+          </p:nvPr>
+        </p:nvSpPr>
+        <p:spPr/>
+        <p:txBody>
+          <a:bodyPr/>
+          <a:lstStyle/>
+          <a:p>
+            <a:r>
+              <a:rPr lang="en-US" dirty="0"/>
+              <a:t>Loop Flowchart</a:t>
+            </a:r>
+          </a:p>
+        </p:txBody>
+      </p:sp>
+      <p:sp>
+        <p:nvSpPr>
+          <p:cNvPr id="4" name="Text Placeholder 3">
+            <a:extLst>
+              <a:ext uri="{FF2B5EF4-FFF2-40B4-BE49-F238E27FC236}">
+                <a16:creationId xmlns:a16="http://schemas.microsoft.com/office/drawing/2014/main" id="{19E88889-8F1E-4F6A-A0A4-C200B5C2C4D3}"/>
+              </a:ext>
+            </a:extLst>
+          </p:cNvPr>
+          <p:cNvSpPr>
+            <a:spLocks noGrp="1"/>
+          </p:cNvSpPr>
+          <p:nvPr>
+            <p:ph type="body" sz="half" idx="2"/>
+          </p:nvPr>
+        </p:nvSpPr>
+        <p:spPr/>
+        <p:txBody>
+          <a:bodyPr/>
+          <a:lstStyle/>
+          <a:p>
+            <a:pPr algn="l"/>
+            <a:r>
+              <a:rPr lang="en-US" dirty="0"/>
+              <a:t>while count &lt; 5:</a:t>
+            </a:r>
+          </a:p>
+          <a:p>
+            <a:pPr algn="l"/>
+            <a:r>
+              <a:rPr lang="en-US" dirty="0"/>
+              <a:t>       print(count)</a:t>
+            </a:r>
+          </a:p>
+          <a:p>
+            <a:pPr algn="l"/>
+            <a:r>
+              <a:rPr lang="en-US" dirty="0"/>
+              <a:t>       count += 1</a:t>
+            </a:r>
+          </a:p>
+          <a:p>
+            <a:pPr algn="l"/>
+            <a:r>
+              <a:rPr lang="en-US" dirty="0"/>
+              <a:t>print(“The loop has finished)</a:t>
+            </a:r>
+          </a:p>
+        </p:txBody>
+      </p:sp>
+      <p:sp>
+        <p:nvSpPr>
+          <p:cNvPr id="8" name="Oval 7">
+            <a:extLst>
+              <a:ext uri="{FF2B5EF4-FFF2-40B4-BE49-F238E27FC236}">
+                <a16:creationId xmlns:a16="http://schemas.microsoft.com/office/drawing/2014/main" id="{B9DE46F4-1417-44A4-91DF-EF935E21CAE6}"/>
+              </a:ext>
+            </a:extLst>
+          </p:cNvPr>
+          <p:cNvSpPr/>
+          <p:nvPr/>
+        </p:nvSpPr>
+        <p:spPr>
+          <a:xfrm>
+            <a:off x="7976212" y="1468199"/>
+            <a:ext cx="1801359" cy="874657"/>
+          </a:xfrm>
+          <a:prstGeom prst="ellipse">
+            <a:avLst/>
+          </a:prstGeom>
+        </p:spPr>
+        <p:style>
+          <a:lnRef idx="2">
+            <a:schemeClr val="accent1">
+              <a:shade val="50000"/>
+            </a:schemeClr>
+          </a:lnRef>
+          <a:fillRef idx="1">
+            <a:schemeClr val="accent1"/>
+          </a:fillRef>
+          <a:effectRef idx="0">
+            <a:schemeClr val="accent1"/>
+          </a:effectRef>
+          <a:fontRef idx="minor">
+            <a:schemeClr val="lt1"/>
+          </a:fontRef>
+        </p:style>
+        <p:txBody>
+          <a:bodyPr rtlCol="0" anchor="ctr"/>
+          <a:lstStyle/>
+          <a:p>
+            <a:pPr algn="ctr"/>
+            <a:endParaRPr lang="en-US"/>
+          </a:p>
+        </p:txBody>
+      </p:sp>
+      <p:sp>
+        <p:nvSpPr>
+          <p:cNvPr id="9" name="Rectangle: Rounded Corners 8">
+            <a:extLst>
+              <a:ext uri="{FF2B5EF4-FFF2-40B4-BE49-F238E27FC236}">
+                <a16:creationId xmlns:a16="http://schemas.microsoft.com/office/drawing/2014/main" id="{9EB13CAB-D287-4420-B3DB-C569E755261D}"/>
+              </a:ext>
+            </a:extLst>
+          </p:cNvPr>
+          <p:cNvSpPr/>
+          <p:nvPr/>
+        </p:nvSpPr>
+        <p:spPr>
+          <a:xfrm>
+            <a:off x="8468751" y="2634106"/>
+            <a:ext cx="914400" cy="914400"/>
+          </a:xfrm>
+          <a:prstGeom prst="roundRect">
+            <a:avLst/>
+          </a:prstGeom>
+        </p:spPr>
+        <p:style>
+          <a:lnRef idx="2">
+            <a:schemeClr val="accent1">
+              <a:shade val="50000"/>
+            </a:schemeClr>
+          </a:lnRef>
+          <a:fillRef idx="1">
+            <a:schemeClr val="accent1"/>
+          </a:fillRef>
+          <a:effectRef idx="0">
+            <a:schemeClr val="accent1"/>
+          </a:effectRef>
+          <a:fontRef idx="minor">
+            <a:schemeClr val="lt1"/>
+          </a:fontRef>
+        </p:style>
+        <p:txBody>
+          <a:bodyPr rtlCol="0" anchor="ctr"/>
+          <a:lstStyle/>
+          <a:p>
+            <a:pPr algn="ctr"/>
+            <a:endParaRPr lang="en-US"/>
+          </a:p>
+        </p:txBody>
+      </p:sp>
+      <p:sp>
+        <p:nvSpPr>
+          <p:cNvPr id="10" name="Rectangle: Rounded Corners 9">
+            <a:extLst>
+              <a:ext uri="{FF2B5EF4-FFF2-40B4-BE49-F238E27FC236}">
+                <a16:creationId xmlns:a16="http://schemas.microsoft.com/office/drawing/2014/main" id="{614E3862-4A1E-48EA-9E10-6FCA1B3D1BDD}"/>
+              </a:ext>
+            </a:extLst>
+          </p:cNvPr>
+          <p:cNvSpPr/>
+          <p:nvPr/>
+        </p:nvSpPr>
+        <p:spPr>
+          <a:xfrm>
+            <a:off x="8444331" y="3889166"/>
+            <a:ext cx="914400" cy="914400"/>
+          </a:xfrm>
+          <a:prstGeom prst="roundRect">
+            <a:avLst/>
+          </a:prstGeom>
+        </p:spPr>
+        <p:style>
+          <a:lnRef idx="2">
+            <a:schemeClr val="accent1">
+              <a:shade val="50000"/>
+            </a:schemeClr>
+          </a:lnRef>
+          <a:fillRef idx="1">
+            <a:schemeClr val="accent1"/>
+          </a:fillRef>
+          <a:effectRef idx="0">
+            <a:schemeClr val="accent1"/>
+          </a:effectRef>
+          <a:fontRef idx="minor">
+            <a:schemeClr val="lt1"/>
+          </a:fontRef>
+        </p:style>
+        <p:txBody>
+          <a:bodyPr rtlCol="0" anchor="ctr"/>
+          <a:lstStyle/>
+          <a:p>
+            <a:pPr algn="ctr"/>
+            <a:endParaRPr lang="en-US"/>
+          </a:p>
+        </p:txBody>
+      </p:sp>
+      <p:sp>
+        <p:nvSpPr>
+          <p:cNvPr id="11" name="Rectangle: Rounded Corners 10">
+            <a:extLst>
+              <a:ext uri="{FF2B5EF4-FFF2-40B4-BE49-F238E27FC236}">
+                <a16:creationId xmlns:a16="http://schemas.microsoft.com/office/drawing/2014/main" id="{F460A79A-A742-4748-BB41-54200DE28267}"/>
+              </a:ext>
+            </a:extLst>
+          </p:cNvPr>
+          <p:cNvSpPr/>
+          <p:nvPr/>
+        </p:nvSpPr>
+        <p:spPr>
+          <a:xfrm>
+            <a:off x="8444331" y="5061393"/>
+            <a:ext cx="914400" cy="914400"/>
+          </a:xfrm>
+          <a:prstGeom prst="roundRect">
+            <a:avLst/>
+          </a:prstGeom>
+        </p:spPr>
+        <p:style>
+          <a:lnRef idx="2">
+            <a:schemeClr val="accent1">
+              <a:shade val="50000"/>
+            </a:schemeClr>
+          </a:lnRef>
+          <a:fillRef idx="1">
+            <a:schemeClr val="accent1"/>
+          </a:fillRef>
+          <a:effectRef idx="0">
+            <a:schemeClr val="accent1"/>
+          </a:effectRef>
+          <a:fontRef idx="minor">
+            <a:schemeClr val="lt1"/>
+          </a:fontRef>
+        </p:style>
+        <p:txBody>
+          <a:bodyPr rtlCol="0" anchor="ctr"/>
+          <a:lstStyle/>
+          <a:p>
+            <a:pPr algn="ctr"/>
+            <a:endParaRPr lang="en-US"/>
+          </a:p>
+        </p:txBody>
+      </p:sp>
+      <p:cxnSp>
+        <p:nvCxnSpPr>
+          <p:cNvPr id="35" name="Straight Connector 34">
+            <a:extLst>
+              <a:ext uri="{FF2B5EF4-FFF2-40B4-BE49-F238E27FC236}">
+                <a16:creationId xmlns:a16="http://schemas.microsoft.com/office/drawing/2014/main" id="{AFF1CE33-95B8-47C8-85B2-2B0CF7FC2C16}"/>
+              </a:ext>
+            </a:extLst>
+          </p:cNvPr>
+          <p:cNvCxnSpPr>
+            <a:cxnSpLocks/>
+          </p:cNvCxnSpPr>
+          <p:nvPr/>
+        </p:nvCxnSpPr>
+        <p:spPr>
+          <a:xfrm>
+            <a:off x="9323562" y="1759450"/>
+            <a:ext cx="1167619" cy="0"/>
+          </a:xfrm>
+          <a:prstGeom prst="line">
+            <a:avLst/>
+          </a:prstGeom>
+          <a:ln w="76200"/>
+        </p:spPr>
+        <p:style>
+          <a:lnRef idx="3">
+            <a:schemeClr val="accent1"/>
+          </a:lnRef>
+          <a:fillRef idx="0">
+            <a:schemeClr val="accent1"/>
+          </a:fillRef>
+          <a:effectRef idx="2">
+            <a:schemeClr val="accent1"/>
+          </a:effectRef>
+          <a:fontRef idx="minor">
+            <a:schemeClr val="tx1"/>
+          </a:fontRef>
+        </p:style>
+      </p:cxnSp>
+      <p:cxnSp>
+        <p:nvCxnSpPr>
+          <p:cNvPr id="37" name="Straight Connector 36">
+            <a:extLst>
+              <a:ext uri="{FF2B5EF4-FFF2-40B4-BE49-F238E27FC236}">
+                <a16:creationId xmlns:a16="http://schemas.microsoft.com/office/drawing/2014/main" id="{65CB6A06-7CD9-4EC4-879B-DB8D5E613110}"/>
+              </a:ext>
+            </a:extLst>
+          </p:cNvPr>
+          <p:cNvCxnSpPr>
+            <a:cxnSpLocks/>
+          </p:cNvCxnSpPr>
+          <p:nvPr/>
+        </p:nvCxnSpPr>
+        <p:spPr>
+          <a:xfrm>
+            <a:off x="10491181" y="1759450"/>
+            <a:ext cx="0" cy="1331856"/>
+          </a:xfrm>
+          <a:prstGeom prst="line">
+            <a:avLst/>
+          </a:prstGeom>
+          <a:ln w="76200"/>
+        </p:spPr>
+        <p:style>
+          <a:lnRef idx="1">
+            <a:schemeClr val="accent1"/>
+          </a:lnRef>
+          <a:fillRef idx="0">
+            <a:schemeClr val="accent1"/>
+          </a:fillRef>
+          <a:effectRef idx="0">
+            <a:schemeClr val="accent1"/>
+          </a:effectRef>
+          <a:fontRef idx="minor">
+            <a:schemeClr val="tx1"/>
+          </a:fontRef>
+        </p:style>
+      </p:cxnSp>
+      <p:cxnSp>
+        <p:nvCxnSpPr>
+          <p:cNvPr id="41" name="Straight Arrow Connector 40">
+            <a:extLst>
+              <a:ext uri="{FF2B5EF4-FFF2-40B4-BE49-F238E27FC236}">
+                <a16:creationId xmlns:a16="http://schemas.microsoft.com/office/drawing/2014/main" id="{B888F489-C4EA-44C1-8A04-D8797C64751B}"/>
+              </a:ext>
+            </a:extLst>
+          </p:cNvPr>
+          <p:cNvCxnSpPr>
+            <a:cxnSpLocks/>
+          </p:cNvCxnSpPr>
+          <p:nvPr/>
+        </p:nvCxnSpPr>
+        <p:spPr>
+          <a:xfrm flipH="1">
+            <a:off x="9383151" y="3091306"/>
+            <a:ext cx="1108030" cy="0"/>
+          </a:xfrm>
+          <a:prstGeom prst="straightConnector1">
+            <a:avLst/>
+          </a:prstGeom>
+          <a:ln w="76200">
+            <a:tailEnd type="triangle"/>
+          </a:ln>
+        </p:spPr>
+        <p:style>
+          <a:lnRef idx="3">
+            <a:schemeClr val="accent1"/>
+          </a:lnRef>
+          <a:fillRef idx="0">
+            <a:schemeClr val="accent1"/>
+          </a:fillRef>
+          <a:effectRef idx="2">
+            <a:schemeClr val="accent1"/>
+          </a:effectRef>
+          <a:fontRef idx="minor">
+            <a:schemeClr val="tx1"/>
+          </a:fontRef>
+        </p:style>
+      </p:cxnSp>
+      <p:cxnSp>
+        <p:nvCxnSpPr>
+          <p:cNvPr id="43" name="Straight Arrow Connector 42">
+            <a:extLst>
+              <a:ext uri="{FF2B5EF4-FFF2-40B4-BE49-F238E27FC236}">
+                <a16:creationId xmlns:a16="http://schemas.microsoft.com/office/drawing/2014/main" id="{FE9BEA7A-A7E2-4E43-9B2C-B5F517D1ED62}"/>
+              </a:ext>
+            </a:extLst>
+          </p:cNvPr>
+          <p:cNvCxnSpPr>
+            <a:cxnSpLocks/>
+          </p:cNvCxnSpPr>
+          <p:nvPr/>
+        </p:nvCxnSpPr>
+        <p:spPr>
+          <a:xfrm>
+            <a:off x="8936700" y="3462722"/>
+            <a:ext cx="0" cy="426444"/>
+          </a:xfrm>
+          <a:prstGeom prst="straightConnector1">
+            <a:avLst/>
+          </a:prstGeom>
+          <a:ln w="76200">
+            <a:tailEnd type="triangle"/>
+          </a:ln>
+        </p:spPr>
+        <p:style>
+          <a:lnRef idx="3">
+            <a:schemeClr val="accent1"/>
+          </a:lnRef>
+          <a:fillRef idx="0">
+            <a:schemeClr val="accent1"/>
+          </a:fillRef>
+          <a:effectRef idx="2">
+            <a:schemeClr val="accent1"/>
+          </a:effectRef>
+          <a:fontRef idx="minor">
+            <a:schemeClr val="tx1"/>
+          </a:fontRef>
+        </p:style>
+      </p:cxnSp>
+      <p:cxnSp>
+        <p:nvCxnSpPr>
+          <p:cNvPr id="46" name="Straight Arrow Connector 45">
+            <a:extLst>
+              <a:ext uri="{FF2B5EF4-FFF2-40B4-BE49-F238E27FC236}">
+                <a16:creationId xmlns:a16="http://schemas.microsoft.com/office/drawing/2014/main" id="{48A78C16-3CBE-4E68-B489-5C4891E811A6}"/>
+              </a:ext>
+            </a:extLst>
+          </p:cNvPr>
+          <p:cNvCxnSpPr>
+            <a:cxnSpLocks/>
+          </p:cNvCxnSpPr>
+          <p:nvPr/>
+        </p:nvCxnSpPr>
+        <p:spPr>
+          <a:xfrm>
+            <a:off x="8970075" y="746576"/>
+            <a:ext cx="0" cy="710418"/>
+          </a:xfrm>
+          <a:prstGeom prst="straightConnector1">
+            <a:avLst/>
+          </a:prstGeom>
+          <a:ln w="76200">
+            <a:tailEnd type="triangle"/>
+          </a:ln>
+        </p:spPr>
+        <p:style>
+          <a:lnRef idx="3">
+            <a:schemeClr val="accent1"/>
+          </a:lnRef>
+          <a:fillRef idx="0">
+            <a:schemeClr val="accent1"/>
+          </a:fillRef>
+          <a:effectRef idx="2">
+            <a:schemeClr val="accent1"/>
+          </a:effectRef>
+          <a:fontRef idx="minor">
+            <a:schemeClr val="tx1"/>
+          </a:fontRef>
+        </p:style>
+      </p:cxnSp>
+      <p:cxnSp>
+        <p:nvCxnSpPr>
+          <p:cNvPr id="49" name="Straight Connector 48">
+            <a:extLst>
+              <a:ext uri="{FF2B5EF4-FFF2-40B4-BE49-F238E27FC236}">
+                <a16:creationId xmlns:a16="http://schemas.microsoft.com/office/drawing/2014/main" id="{2D367F9E-7ADB-47C0-BB9F-E685F1FB589E}"/>
+              </a:ext>
+            </a:extLst>
+          </p:cNvPr>
+          <p:cNvCxnSpPr>
+            <a:cxnSpLocks/>
+          </p:cNvCxnSpPr>
+          <p:nvPr/>
+        </p:nvCxnSpPr>
+        <p:spPr>
+          <a:xfrm flipH="1">
+            <a:off x="10775555" y="746576"/>
+            <a:ext cx="18081" cy="3599790"/>
+          </a:xfrm>
+          <a:prstGeom prst="line">
+            <a:avLst/>
+          </a:prstGeom>
+          <a:ln w="76200"/>
+        </p:spPr>
+        <p:style>
+          <a:lnRef idx="1">
+            <a:schemeClr val="accent1"/>
+          </a:lnRef>
+          <a:fillRef idx="0">
+            <a:schemeClr val="accent1"/>
+          </a:fillRef>
+          <a:effectRef idx="0">
+            <a:schemeClr val="accent1"/>
+          </a:effectRef>
+          <a:fontRef idx="minor">
+            <a:schemeClr val="tx1"/>
+          </a:fontRef>
+        </p:style>
+      </p:cxnSp>
+      <p:cxnSp>
+        <p:nvCxnSpPr>
+          <p:cNvPr id="55" name="Straight Connector 54">
+            <a:extLst>
+              <a:ext uri="{FF2B5EF4-FFF2-40B4-BE49-F238E27FC236}">
+                <a16:creationId xmlns:a16="http://schemas.microsoft.com/office/drawing/2014/main" id="{421750C1-160C-44F0-915A-38CF6B3B3DCE}"/>
+              </a:ext>
+            </a:extLst>
+          </p:cNvPr>
+          <p:cNvCxnSpPr>
+            <a:cxnSpLocks/>
+          </p:cNvCxnSpPr>
+          <p:nvPr/>
+        </p:nvCxnSpPr>
+        <p:spPr>
+          <a:xfrm>
+            <a:off x="9323562" y="4346366"/>
+            <a:ext cx="1458303" cy="0"/>
+          </a:xfrm>
+          <a:prstGeom prst="line">
+            <a:avLst/>
+          </a:prstGeom>
+          <a:ln w="76200"/>
+        </p:spPr>
+        <p:style>
+          <a:lnRef idx="3">
+            <a:schemeClr val="accent1"/>
+          </a:lnRef>
+          <a:fillRef idx="0">
+            <a:schemeClr val="accent1"/>
+          </a:fillRef>
+          <a:effectRef idx="2">
+            <a:schemeClr val="accent1"/>
+          </a:effectRef>
+          <a:fontRef idx="minor">
+            <a:schemeClr val="tx1"/>
+          </a:fontRef>
+        </p:style>
+      </p:cxnSp>
+      <p:cxnSp>
+        <p:nvCxnSpPr>
+          <p:cNvPr id="62" name="Straight Connector 61">
+            <a:extLst>
+              <a:ext uri="{FF2B5EF4-FFF2-40B4-BE49-F238E27FC236}">
+                <a16:creationId xmlns:a16="http://schemas.microsoft.com/office/drawing/2014/main" id="{30AC3D5E-43FF-4EE9-A747-35C91D6AC458}"/>
+              </a:ext>
+            </a:extLst>
+          </p:cNvPr>
+          <p:cNvCxnSpPr>
+            <a:cxnSpLocks/>
+          </p:cNvCxnSpPr>
+          <p:nvPr/>
+        </p:nvCxnSpPr>
+        <p:spPr>
+          <a:xfrm>
+            <a:off x="8970075" y="746576"/>
+            <a:ext cx="1823561" cy="0"/>
+          </a:xfrm>
+          <a:prstGeom prst="line">
+            <a:avLst/>
+          </a:prstGeom>
+          <a:ln w="76200"/>
+        </p:spPr>
+        <p:style>
+          <a:lnRef idx="3">
+            <a:schemeClr val="accent1"/>
+          </a:lnRef>
+          <a:fillRef idx="0">
+            <a:schemeClr val="accent1"/>
+          </a:fillRef>
+          <a:effectRef idx="2">
+            <a:schemeClr val="accent1"/>
+          </a:effectRef>
+          <a:fontRef idx="minor">
+            <a:schemeClr val="tx1"/>
+          </a:fontRef>
+        </p:style>
+      </p:cxnSp>
+      <p:cxnSp>
+        <p:nvCxnSpPr>
+          <p:cNvPr id="66" name="Straight Connector 65">
+            <a:extLst>
+              <a:ext uri="{FF2B5EF4-FFF2-40B4-BE49-F238E27FC236}">
+                <a16:creationId xmlns:a16="http://schemas.microsoft.com/office/drawing/2014/main" id="{A2142CD9-873E-494E-936E-88C5AC28B5A2}"/>
+              </a:ext>
+            </a:extLst>
+          </p:cNvPr>
+          <p:cNvCxnSpPr>
+            <a:cxnSpLocks/>
+          </p:cNvCxnSpPr>
+          <p:nvPr/>
+        </p:nvCxnSpPr>
+        <p:spPr>
+          <a:xfrm>
+            <a:off x="7213408" y="1788574"/>
+            <a:ext cx="886265" cy="0"/>
+          </a:xfrm>
+          <a:prstGeom prst="line">
+            <a:avLst/>
+          </a:prstGeom>
+          <a:ln w="76200"/>
+        </p:spPr>
+        <p:style>
+          <a:lnRef idx="3">
+            <a:schemeClr val="accent1"/>
+          </a:lnRef>
+          <a:fillRef idx="0">
+            <a:schemeClr val="accent1"/>
+          </a:fillRef>
+          <a:effectRef idx="2">
+            <a:schemeClr val="accent1"/>
+          </a:effectRef>
+          <a:fontRef idx="minor">
+            <a:schemeClr val="tx1"/>
+          </a:fontRef>
+        </p:style>
+      </p:cxnSp>
+      <p:cxnSp>
+        <p:nvCxnSpPr>
+          <p:cNvPr id="67" name="Straight Connector 66">
+            <a:extLst>
+              <a:ext uri="{FF2B5EF4-FFF2-40B4-BE49-F238E27FC236}">
+                <a16:creationId xmlns:a16="http://schemas.microsoft.com/office/drawing/2014/main" id="{8AD7AAF6-F204-4FE6-845A-F230284BC463}"/>
+              </a:ext>
+            </a:extLst>
+          </p:cNvPr>
+          <p:cNvCxnSpPr>
+            <a:cxnSpLocks/>
+          </p:cNvCxnSpPr>
+          <p:nvPr/>
+        </p:nvCxnSpPr>
+        <p:spPr>
+          <a:xfrm flipH="1">
+            <a:off x="7262602" y="1759450"/>
+            <a:ext cx="1" cy="3881694"/>
+          </a:xfrm>
+          <a:prstGeom prst="line">
+            <a:avLst/>
+          </a:prstGeom>
+          <a:ln w="76200"/>
+        </p:spPr>
+        <p:style>
+          <a:lnRef idx="1">
+            <a:schemeClr val="accent1"/>
+          </a:lnRef>
+          <a:fillRef idx="0">
+            <a:schemeClr val="accent1"/>
+          </a:fillRef>
+          <a:effectRef idx="0">
+            <a:schemeClr val="accent1"/>
+          </a:effectRef>
+          <a:fontRef idx="minor">
+            <a:schemeClr val="tx1"/>
+          </a:fontRef>
+        </p:style>
+      </p:cxnSp>
+      <p:cxnSp>
+        <p:nvCxnSpPr>
+          <p:cNvPr id="69" name="Straight Arrow Connector 68">
+            <a:extLst>
+              <a:ext uri="{FF2B5EF4-FFF2-40B4-BE49-F238E27FC236}">
+                <a16:creationId xmlns:a16="http://schemas.microsoft.com/office/drawing/2014/main" id="{2931B04C-169D-4D3E-8C39-C7E61F60BD38}"/>
+              </a:ext>
+            </a:extLst>
+          </p:cNvPr>
+          <p:cNvCxnSpPr>
+            <a:cxnSpLocks/>
+          </p:cNvCxnSpPr>
+          <p:nvPr/>
+        </p:nvCxnSpPr>
+        <p:spPr>
+          <a:xfrm>
+            <a:off x="7213408" y="5641144"/>
+            <a:ext cx="1255343" cy="0"/>
+          </a:xfrm>
+          <a:prstGeom prst="straightConnector1">
+            <a:avLst/>
+          </a:prstGeom>
+          <a:ln w="76200">
+            <a:tailEnd type="triangle"/>
+          </a:ln>
+        </p:spPr>
+        <p:style>
+          <a:lnRef idx="3">
+            <a:schemeClr val="accent1"/>
+          </a:lnRef>
+          <a:fillRef idx="0">
+            <a:schemeClr val="accent1"/>
+          </a:fillRef>
+          <a:effectRef idx="2">
+            <a:schemeClr val="accent1"/>
+          </a:effectRef>
+          <a:fontRef idx="minor">
+            <a:schemeClr val="tx1"/>
+          </a:fontRef>
+        </p:style>
+      </p:cxnSp>
+      <p:sp>
+        <p:nvSpPr>
+          <p:cNvPr id="93" name="TextBox 92">
+            <a:extLst>
+              <a:ext uri="{FF2B5EF4-FFF2-40B4-BE49-F238E27FC236}">
+                <a16:creationId xmlns:a16="http://schemas.microsoft.com/office/drawing/2014/main" id="{EC23BCC7-2B4C-47B6-BEAF-C012E0C8752F}"/>
+              </a:ext>
+            </a:extLst>
+          </p:cNvPr>
+          <p:cNvSpPr txBox="1"/>
+          <p:nvPr/>
+        </p:nvSpPr>
+        <p:spPr>
+          <a:xfrm>
+            <a:off x="8359091" y="1728968"/>
+            <a:ext cx="1928940" cy="307777"/>
+          </a:xfrm>
+          <a:prstGeom prst="rect">
+            <a:avLst/>
+          </a:prstGeom>
+          <a:noFill/>
+        </p:spPr>
+        <p:txBody>
+          <a:bodyPr wrap="square" rtlCol="0">
+            <a:spAutoFit/>
+          </a:bodyPr>
+          <a:lstStyle/>
+          <a:p>
+            <a:r>
+              <a:rPr lang="en-US" sz="1400" dirty="0"/>
+              <a:t>count &lt; 5 ?</a:t>
+            </a:r>
+          </a:p>
+        </p:txBody>
+      </p:sp>
+      <p:sp>
+        <p:nvSpPr>
+          <p:cNvPr id="96" name="TextBox 95">
+            <a:extLst>
+              <a:ext uri="{FF2B5EF4-FFF2-40B4-BE49-F238E27FC236}">
+                <a16:creationId xmlns:a16="http://schemas.microsoft.com/office/drawing/2014/main" id="{AF8CA905-9F47-4B62-9C84-B2CEBCCF1F01}"/>
+              </a:ext>
+            </a:extLst>
+          </p:cNvPr>
+          <p:cNvSpPr txBox="1"/>
+          <p:nvPr/>
+        </p:nvSpPr>
+        <p:spPr>
+          <a:xfrm>
+            <a:off x="7358655" y="1369028"/>
+            <a:ext cx="794817" cy="369332"/>
+          </a:xfrm>
+          <a:prstGeom prst="rect">
+            <a:avLst/>
+          </a:prstGeom>
+          <a:noFill/>
+        </p:spPr>
+        <p:txBody>
+          <a:bodyPr wrap="square" rtlCol="0">
+            <a:spAutoFit/>
+          </a:bodyPr>
+          <a:lstStyle/>
+          <a:p>
+            <a:r>
+              <a:rPr lang="en-US" dirty="0"/>
+              <a:t>False</a:t>
+            </a:r>
+          </a:p>
+        </p:txBody>
+      </p:sp>
+      <p:sp>
+        <p:nvSpPr>
+          <p:cNvPr id="97" name="TextBox 96">
+            <a:extLst>
+              <a:ext uri="{FF2B5EF4-FFF2-40B4-BE49-F238E27FC236}">
+                <a16:creationId xmlns:a16="http://schemas.microsoft.com/office/drawing/2014/main" id="{7F894115-64BD-400B-8137-7FB574991FE6}"/>
+              </a:ext>
+            </a:extLst>
+          </p:cNvPr>
+          <p:cNvSpPr txBox="1"/>
+          <p:nvPr/>
+        </p:nvSpPr>
+        <p:spPr>
+          <a:xfrm>
+            <a:off x="9736968" y="1368232"/>
+            <a:ext cx="794817" cy="369332"/>
+          </a:xfrm>
+          <a:prstGeom prst="rect">
+            <a:avLst/>
+          </a:prstGeom>
+          <a:noFill/>
+        </p:spPr>
+        <p:txBody>
+          <a:bodyPr wrap="square" rtlCol="0">
+            <a:spAutoFit/>
+          </a:bodyPr>
+          <a:lstStyle/>
+          <a:p>
+            <a:r>
+              <a:rPr lang="en-US" dirty="0"/>
+              <a:t>True</a:t>
+            </a:r>
+          </a:p>
+        </p:txBody>
+      </p:sp>
+      <p:sp>
+        <p:nvSpPr>
+          <p:cNvPr id="98" name="TextBox 97">
+            <a:extLst>
+              <a:ext uri="{FF2B5EF4-FFF2-40B4-BE49-F238E27FC236}">
+                <a16:creationId xmlns:a16="http://schemas.microsoft.com/office/drawing/2014/main" id="{AD940B70-30F5-4642-A01E-5AAAD6738A83}"/>
+              </a:ext>
+            </a:extLst>
+          </p:cNvPr>
+          <p:cNvSpPr txBox="1"/>
+          <p:nvPr/>
+        </p:nvSpPr>
+        <p:spPr>
+          <a:xfrm>
+            <a:off x="8346515" y="2903941"/>
+            <a:ext cx="1567890" cy="338554"/>
+          </a:xfrm>
+          <a:prstGeom prst="rect">
+            <a:avLst/>
+          </a:prstGeom>
+          <a:noFill/>
+        </p:spPr>
+        <p:txBody>
+          <a:bodyPr wrap="square" rtlCol="0">
+            <a:spAutoFit/>
+          </a:bodyPr>
+          <a:lstStyle/>
+          <a:p>
+            <a:r>
+              <a:rPr lang="en-US" sz="1600" dirty="0"/>
+              <a:t>print(count)</a:t>
+            </a:r>
+          </a:p>
+        </p:txBody>
+      </p:sp>
+      <p:sp>
+        <p:nvSpPr>
+          <p:cNvPr id="99" name="TextBox 98">
+            <a:extLst>
+              <a:ext uri="{FF2B5EF4-FFF2-40B4-BE49-F238E27FC236}">
+                <a16:creationId xmlns:a16="http://schemas.microsoft.com/office/drawing/2014/main" id="{1A70D61A-D701-44C0-AD44-CEDECEDFC8EA}"/>
+              </a:ext>
+            </a:extLst>
+          </p:cNvPr>
+          <p:cNvSpPr txBox="1"/>
+          <p:nvPr/>
+        </p:nvSpPr>
+        <p:spPr>
+          <a:xfrm>
+            <a:off x="8359091" y="4177089"/>
+            <a:ext cx="1628971" cy="338554"/>
+          </a:xfrm>
+          <a:prstGeom prst="rect">
+            <a:avLst/>
+          </a:prstGeom>
+          <a:noFill/>
+        </p:spPr>
+        <p:txBody>
+          <a:bodyPr wrap="square" rtlCol="0">
+            <a:spAutoFit/>
+          </a:bodyPr>
+          <a:lstStyle/>
+          <a:p>
+            <a:r>
+              <a:rPr lang="en-US" sz="1600" dirty="0">
+                <a:cs typeface="Arial" panose="020B0604020202020204" pitchFamily="34" charset="0"/>
+              </a:rPr>
+              <a:t>count+=</a:t>
+            </a:r>
+            <a:r>
+              <a:rPr lang="en-US" sz="1600" dirty="0">
+                <a:latin typeface="Arial" panose="020B0604020202020204" pitchFamily="34" charset="0"/>
+                <a:cs typeface="Arial" panose="020B0604020202020204" pitchFamily="34" charset="0"/>
+              </a:rPr>
+              <a:t>1</a:t>
+            </a:r>
+          </a:p>
+        </p:txBody>
+      </p:sp>
+      <p:sp>
+        <p:nvSpPr>
+          <p:cNvPr id="100" name="TextBox 99">
+            <a:extLst>
+              <a:ext uri="{FF2B5EF4-FFF2-40B4-BE49-F238E27FC236}">
+                <a16:creationId xmlns:a16="http://schemas.microsoft.com/office/drawing/2014/main" id="{132F688F-D5E3-4D8F-9F7B-6DEC16A7CB3A}"/>
+              </a:ext>
+            </a:extLst>
+          </p:cNvPr>
+          <p:cNvSpPr txBox="1"/>
+          <p:nvPr/>
+        </p:nvSpPr>
+        <p:spPr>
+          <a:xfrm>
+            <a:off x="8588334" y="5317709"/>
+            <a:ext cx="794817" cy="369332"/>
+          </a:xfrm>
+          <a:prstGeom prst="rect">
+            <a:avLst/>
+          </a:prstGeom>
+          <a:noFill/>
+        </p:spPr>
+        <p:txBody>
+          <a:bodyPr wrap="square" rtlCol="0">
+            <a:spAutoFit/>
+          </a:bodyPr>
+          <a:lstStyle/>
+          <a:p>
+            <a:r>
+              <a:rPr lang="en-US" dirty="0"/>
+              <a:t>print()</a:t>
+            </a:r>
+          </a:p>
+        </p:txBody>
+      </p:sp>
+    </p:spTree>
+    <p:extLst>
+      <p:ext uri="{BB962C8B-B14F-4D97-AF65-F5344CB8AC3E}">
+        <p14:creationId xmlns:p14="http://schemas.microsoft.com/office/powerpoint/2010/main" val="3281785242"/>
       </p:ext>
     </p:extLst>
   </p:cSld>

--- a/Python Day 4 While Loops.pptx
+++ b/Python Day 4 While Loops.pptx
@@ -225,7 +225,7 @@
           <a:p>
             <a:fld id="{6E488D89-E43B-4E30-86EA-3A041CF79CE3}" type="datetimeFigureOut">
               <a:rPr lang="en-US" smtClean="0"/>
-              <a:t>2/13/2018</a:t>
+              <a:t>2/16/2018</a:t>
             </a:fld>
             <a:endParaRPr lang="en-US"/>
           </a:p>
@@ -1003,7 +1003,7 @@
           <a:p>
             <a:fld id="{1160EA64-D806-43AC-9DF2-F8C432F32B4C}" type="datetimeFigureOut">
               <a:rPr lang="en-US" dirty="0"/>
-              <a:t>2/13/2018</a:t>
+              <a:t>2/16/2018</a:t>
             </a:fld>
             <a:endParaRPr lang="en-US" dirty="0"/>
           </a:p>
@@ -1169,7 +1169,7 @@
           <a:p>
             <a:fld id="{E9F9C37B-1D36-470B-8223-D6C91242EC14}" type="datetimeFigureOut">
               <a:rPr lang="en-US" dirty="0"/>
-              <a:t>2/13/2018</a:t>
+              <a:t>2/16/2018</a:t>
             </a:fld>
             <a:endParaRPr lang="en-US" dirty="0"/>
           </a:p>
@@ -1344,7 +1344,7 @@
           <a:p>
             <a:fld id="{67C6F52A-A82B-47A2-A83A-8C4C91F2D59F}" type="datetimeFigureOut">
               <a:rPr lang="en-US" dirty="0"/>
-              <a:t>2/13/2018</a:t>
+              <a:t>2/16/2018</a:t>
             </a:fld>
             <a:endParaRPr lang="en-US" dirty="0"/>
           </a:p>
@@ -1509,7 +1509,7 @@
           <a:p>
             <a:fld id="{F070A7B3-6521-4DCA-87E5-044747A908C1}" type="datetimeFigureOut">
               <a:rPr lang="en-US" dirty="0"/>
-              <a:t>2/13/2018</a:t>
+              <a:t>2/16/2018</a:t>
             </a:fld>
             <a:endParaRPr lang="en-US" dirty="0"/>
           </a:p>
@@ -1773,7 +1773,7 @@
           <a:p>
             <a:fld id="{1160EA64-D806-43AC-9DF2-F8C432F32B4C}" type="datetimeFigureOut">
               <a:rPr lang="en-US" dirty="0"/>
-              <a:t>2/13/2018</a:t>
+              <a:t>2/16/2018</a:t>
             </a:fld>
             <a:endParaRPr lang="en-US" dirty="0"/>
           </a:p>
@@ -2001,7 +2001,7 @@
           <a:p>
             <a:fld id="{AB134690-1557-4C89-A502-4959FE7FAD70}" type="datetimeFigureOut">
               <a:rPr lang="en-US" dirty="0"/>
-              <a:t>2/13/2018</a:t>
+              <a:t>2/16/2018</a:t>
             </a:fld>
             <a:endParaRPr lang="en-US" dirty="0"/>
           </a:p>
@@ -2355,7 +2355,7 @@
           <a:p>
             <a:fld id="{4F7D4976-E339-4826-83B7-FBD03F55ECF8}" type="datetimeFigureOut">
               <a:rPr lang="en-US" dirty="0"/>
-              <a:t>2/13/2018</a:t>
+              <a:t>2/16/2018</a:t>
             </a:fld>
             <a:endParaRPr lang="en-US" dirty="0"/>
           </a:p>
@@ -2491,7 +2491,7 @@
           <a:p>
             <a:fld id="{E1037C31-9E7A-4F99-8774-A0E530DE1A42}" type="datetimeFigureOut">
               <a:rPr lang="en-US" dirty="0"/>
-              <a:t>2/13/2018</a:t>
+              <a:t>2/16/2018</a:t>
             </a:fld>
             <a:endParaRPr lang="en-US" dirty="0"/>
           </a:p>
@@ -2581,7 +2581,7 @@
           <a:p>
             <a:fld id="{C278504F-A551-4DE0-9316-4DCD1D8CC752}" type="datetimeFigureOut">
               <a:rPr lang="en-US" dirty="0"/>
-              <a:t>2/13/2018</a:t>
+              <a:t>2/16/2018</a:t>
             </a:fld>
             <a:endParaRPr lang="en-US" dirty="0"/>
           </a:p>
@@ -2933,7 +2933,7 @@
           <a:p>
             <a:fld id="{D1BE4249-C0D0-4B06-8692-E8BB871AF643}" type="datetimeFigureOut">
               <a:rPr lang="en-US" dirty="0"/>
-              <a:t>2/13/2018</a:t>
+              <a:t>2/16/2018</a:t>
             </a:fld>
             <a:endParaRPr lang="en-US" dirty="0"/>
           </a:p>
@@ -3285,7 +3285,7 @@
           <a:p>
             <a:fld id="{042B0DB6-F5C7-45FB-8CF3-31B45F9C2DAC}" type="datetimeFigureOut">
               <a:rPr lang="en-US" dirty="0"/>
-              <a:t>2/13/2018</a:t>
+              <a:t>2/16/2018</a:t>
             </a:fld>
             <a:endParaRPr lang="en-US" dirty="0"/>
           </a:p>
@@ -3521,7 +3521,7 @@
           <a:p>
             <a:fld id="{1160EA64-D806-43AC-9DF2-F8C432F32B4C}" type="datetimeFigureOut">
               <a:rPr lang="en-US" dirty="0"/>
-              <a:t>2/13/2018</a:t>
+              <a:t>2/16/2018</a:t>
             </a:fld>
             <a:endParaRPr lang="en-US" dirty="0"/>
           </a:p>
@@ -8960,7 +8960,7 @@
                   </a:schemeClr>
                 </a:solidFill>
               </a:rPr>
-              <a:t>Note the Boolean condition and the incrementation of the variable. Those are key elements of a While Loop.</a:t>
+              <a:t>Note the Boolean condition and the incrementation of the variable. Those are key elements of a while loop.</a:t>
             </a:r>
           </a:p>
           <a:p>

--- a/Python Day 4 While Loops.pptx
+++ b/Python Day 4 While Loops.pptx
@@ -5,7 +5,7 @@
     <p:sldMasterId id="2147483696" r:id="rId1"/>
   </p:sldMasterIdLst>
   <p:notesMasterIdLst>
-    <p:notesMasterId r:id="rId27"/>
+    <p:notesMasterId r:id="rId30"/>
   </p:notesMasterIdLst>
   <p:sldIdLst>
     <p:sldId id="256" r:id="rId2"/>
@@ -18,21 +18,24 @@
     <p:sldId id="260" r:id="rId9"/>
     <p:sldId id="263" r:id="rId10"/>
     <p:sldId id="282" r:id="rId11"/>
-    <p:sldId id="265" r:id="rId12"/>
-    <p:sldId id="264" r:id="rId13"/>
-    <p:sldId id="268" r:id="rId14"/>
-    <p:sldId id="269" r:id="rId15"/>
-    <p:sldId id="281" r:id="rId16"/>
-    <p:sldId id="275" r:id="rId17"/>
-    <p:sldId id="276" r:id="rId18"/>
-    <p:sldId id="277" r:id="rId19"/>
-    <p:sldId id="278" r:id="rId20"/>
-    <p:sldId id="280" r:id="rId21"/>
-    <p:sldId id="279" r:id="rId22"/>
-    <p:sldId id="270" r:id="rId23"/>
-    <p:sldId id="271" r:id="rId24"/>
-    <p:sldId id="272" r:id="rId25"/>
-    <p:sldId id="273" r:id="rId26"/>
+    <p:sldId id="290" r:id="rId12"/>
+    <p:sldId id="289" r:id="rId13"/>
+    <p:sldId id="265" r:id="rId14"/>
+    <p:sldId id="288" r:id="rId15"/>
+    <p:sldId id="264" r:id="rId16"/>
+    <p:sldId id="268" r:id="rId17"/>
+    <p:sldId id="269" r:id="rId18"/>
+    <p:sldId id="281" r:id="rId19"/>
+    <p:sldId id="275" r:id="rId20"/>
+    <p:sldId id="276" r:id="rId21"/>
+    <p:sldId id="277" r:id="rId22"/>
+    <p:sldId id="278" r:id="rId23"/>
+    <p:sldId id="280" r:id="rId24"/>
+    <p:sldId id="279" r:id="rId25"/>
+    <p:sldId id="270" r:id="rId26"/>
+    <p:sldId id="271" r:id="rId27"/>
+    <p:sldId id="272" r:id="rId28"/>
+    <p:sldId id="273" r:id="rId29"/>
   </p:sldIdLst>
   <p:sldSz cx="12192000" cy="6858000"/>
   <p:notesSz cx="6858000" cy="9144000"/>
@@ -225,7 +228,7 @@
           <a:p>
             <a:fld id="{6E488D89-E43B-4E30-86EA-3A041CF79CE3}" type="datetimeFigureOut">
               <a:rPr lang="en-US" smtClean="0"/>
-              <a:t>2/13/2018</a:t>
+              <a:t>2/17/2018</a:t>
             </a:fld>
             <a:endParaRPr lang="en-US"/>
           </a:p>
@@ -821,7 +824,7 @@
           <a:p>
             <a:fld id="{FA2C7687-E1CA-4716-AF29-39F13B8D7E13}" type="slidenum">
               <a:rPr lang="en-US" smtClean="0"/>
-              <a:t>12</a:t>
+              <a:t>15</a:t>
             </a:fld>
             <a:endParaRPr lang="en-US"/>
           </a:p>
@@ -1003,7 +1006,7 @@
           <a:p>
             <a:fld id="{1160EA64-D806-43AC-9DF2-F8C432F32B4C}" type="datetimeFigureOut">
               <a:rPr lang="en-US" dirty="0"/>
-              <a:t>2/13/2018</a:t>
+              <a:t>2/17/2018</a:t>
             </a:fld>
             <a:endParaRPr lang="en-US" dirty="0"/>
           </a:p>
@@ -1169,7 +1172,7 @@
           <a:p>
             <a:fld id="{E9F9C37B-1D36-470B-8223-D6C91242EC14}" type="datetimeFigureOut">
               <a:rPr lang="en-US" dirty="0"/>
-              <a:t>2/13/2018</a:t>
+              <a:t>2/17/2018</a:t>
             </a:fld>
             <a:endParaRPr lang="en-US" dirty="0"/>
           </a:p>
@@ -1344,7 +1347,7 @@
           <a:p>
             <a:fld id="{67C6F52A-A82B-47A2-A83A-8C4C91F2D59F}" type="datetimeFigureOut">
               <a:rPr lang="en-US" dirty="0"/>
-              <a:t>2/13/2018</a:t>
+              <a:t>2/17/2018</a:t>
             </a:fld>
             <a:endParaRPr lang="en-US" dirty="0"/>
           </a:p>
@@ -1509,7 +1512,7 @@
           <a:p>
             <a:fld id="{F070A7B3-6521-4DCA-87E5-044747A908C1}" type="datetimeFigureOut">
               <a:rPr lang="en-US" dirty="0"/>
-              <a:t>2/13/2018</a:t>
+              <a:t>2/17/2018</a:t>
             </a:fld>
             <a:endParaRPr lang="en-US" dirty="0"/>
           </a:p>
@@ -1773,7 +1776,7 @@
           <a:p>
             <a:fld id="{1160EA64-D806-43AC-9DF2-F8C432F32B4C}" type="datetimeFigureOut">
               <a:rPr lang="en-US" dirty="0"/>
-              <a:t>2/13/2018</a:t>
+              <a:t>2/17/2018</a:t>
             </a:fld>
             <a:endParaRPr lang="en-US" dirty="0"/>
           </a:p>
@@ -2001,7 +2004,7 @@
           <a:p>
             <a:fld id="{AB134690-1557-4C89-A502-4959FE7FAD70}" type="datetimeFigureOut">
               <a:rPr lang="en-US" dirty="0"/>
-              <a:t>2/13/2018</a:t>
+              <a:t>2/17/2018</a:t>
             </a:fld>
             <a:endParaRPr lang="en-US" dirty="0"/>
           </a:p>
@@ -2355,7 +2358,7 @@
           <a:p>
             <a:fld id="{4F7D4976-E339-4826-83B7-FBD03F55ECF8}" type="datetimeFigureOut">
               <a:rPr lang="en-US" dirty="0"/>
-              <a:t>2/13/2018</a:t>
+              <a:t>2/17/2018</a:t>
             </a:fld>
             <a:endParaRPr lang="en-US" dirty="0"/>
           </a:p>
@@ -2491,7 +2494,7 @@
           <a:p>
             <a:fld id="{E1037C31-9E7A-4F99-8774-A0E530DE1A42}" type="datetimeFigureOut">
               <a:rPr lang="en-US" dirty="0"/>
-              <a:t>2/13/2018</a:t>
+              <a:t>2/17/2018</a:t>
             </a:fld>
             <a:endParaRPr lang="en-US" dirty="0"/>
           </a:p>
@@ -2581,7 +2584,7 @@
           <a:p>
             <a:fld id="{C278504F-A551-4DE0-9316-4DCD1D8CC752}" type="datetimeFigureOut">
               <a:rPr lang="en-US" dirty="0"/>
-              <a:t>2/13/2018</a:t>
+              <a:t>2/17/2018</a:t>
             </a:fld>
             <a:endParaRPr lang="en-US" dirty="0"/>
           </a:p>
@@ -2933,7 +2936,7 @@
           <a:p>
             <a:fld id="{D1BE4249-C0D0-4B06-8692-E8BB871AF643}" type="datetimeFigureOut">
               <a:rPr lang="en-US" dirty="0"/>
-              <a:t>2/13/2018</a:t>
+              <a:t>2/17/2018</a:t>
             </a:fld>
             <a:endParaRPr lang="en-US" dirty="0"/>
           </a:p>
@@ -3285,7 +3288,7 @@
           <a:p>
             <a:fld id="{042B0DB6-F5C7-45FB-8CF3-31B45F9C2DAC}" type="datetimeFigureOut">
               <a:rPr lang="en-US" dirty="0"/>
-              <a:t>2/13/2018</a:t>
+              <a:t>2/17/2018</a:t>
             </a:fld>
             <a:endParaRPr lang="en-US" dirty="0"/>
           </a:p>
@@ -3521,7 +3524,7 @@
           <a:p>
             <a:fld id="{1160EA64-D806-43AC-9DF2-F8C432F32B4C}" type="datetimeFigureOut">
               <a:rPr lang="en-US" dirty="0"/>
-              <a:t>2/13/2018</a:t>
+              <a:t>2/17/2018</a:t>
             </a:fld>
             <a:endParaRPr lang="en-US" dirty="0"/>
           </a:p>
@@ -4619,6 +4622,252 @@
           <p:cNvPr id="2" name="Title 1">
             <a:extLst>
               <a:ext uri="{FF2B5EF4-FFF2-40B4-BE49-F238E27FC236}">
+                <a16:creationId xmlns:a16="http://schemas.microsoft.com/office/drawing/2014/main" id="{D26F9B17-E7CD-4994-9870-43F29D5E01FA}"/>
+              </a:ext>
+            </a:extLst>
+          </p:cNvPr>
+          <p:cNvSpPr>
+            <a:spLocks noGrp="1"/>
+          </p:cNvSpPr>
+          <p:nvPr>
+            <p:ph type="title"/>
+          </p:nvPr>
+        </p:nvSpPr>
+        <p:spPr/>
+        <p:txBody>
+          <a:bodyPr/>
+          <a:lstStyle/>
+          <a:p>
+            <a:r>
+              <a:rPr lang="en-US" dirty="0"/>
+              <a:t>Example Problems!</a:t>
+            </a:r>
+          </a:p>
+        </p:txBody>
+      </p:sp>
+      <p:sp>
+        <p:nvSpPr>
+          <p:cNvPr id="3" name="Content Placeholder 2">
+            <a:extLst>
+              <a:ext uri="{FF2B5EF4-FFF2-40B4-BE49-F238E27FC236}">
+                <a16:creationId xmlns:a16="http://schemas.microsoft.com/office/drawing/2014/main" id="{5902D300-CF29-446C-A35D-0ADBF627A025}"/>
+              </a:ext>
+            </a:extLst>
+          </p:cNvPr>
+          <p:cNvSpPr>
+            <a:spLocks noGrp="1"/>
+          </p:cNvSpPr>
+          <p:nvPr>
+            <p:ph idx="1"/>
+          </p:nvPr>
+        </p:nvSpPr>
+        <p:spPr/>
+        <p:txBody>
+          <a:bodyPr/>
+          <a:lstStyle/>
+          <a:p>
+            <a:r>
+              <a:rPr lang="en-US" dirty="0"/>
+              <a:t>Write a program to print out all the numbers from 1 through a number </a:t>
+            </a:r>
+            <a:r>
+              <a:rPr lang="en-US"/>
+              <a:t>that the user entered</a:t>
+            </a:r>
+            <a:endParaRPr lang="en-US" dirty="0"/>
+          </a:p>
+        </p:txBody>
+      </p:sp>
+    </p:spTree>
+    <p:extLst>
+      <p:ext uri="{BB962C8B-B14F-4D97-AF65-F5344CB8AC3E}">
+        <p14:creationId xmlns:p14="http://schemas.microsoft.com/office/powerpoint/2010/main" val="1942583968"/>
+      </p:ext>
+    </p:extLst>
+  </p:cSld>
+  <p:clrMapOvr>
+    <a:masterClrMapping/>
+  </p:clrMapOvr>
+</p:sld>
+</file>
+
+<file path=ppt/slides/slide12.xml><?xml version="1.0" encoding="utf-8"?>
+<p:sld xmlns:a="http://schemas.openxmlformats.org/drawingml/2006/main" xmlns:r="http://schemas.openxmlformats.org/officeDocument/2006/relationships" xmlns:p="http://schemas.openxmlformats.org/presentationml/2006/main">
+  <p:cSld>
+    <p:spTree>
+      <p:nvGrpSpPr>
+        <p:cNvPr id="1" name=""/>
+        <p:cNvGrpSpPr/>
+        <p:nvPr/>
+      </p:nvGrpSpPr>
+      <p:grpSpPr>
+        <a:xfrm>
+          <a:off x="0" y="0"/>
+          <a:ext cx="0" cy="0"/>
+          <a:chOff x="0" y="0"/>
+          <a:chExt cx="0" cy="0"/>
+        </a:xfrm>
+      </p:grpSpPr>
+      <p:sp>
+        <p:nvSpPr>
+          <p:cNvPr id="2" name="Text Placeholder 1">
+            <a:extLst>
+              <a:ext uri="{FF2B5EF4-FFF2-40B4-BE49-F238E27FC236}">
+                <a16:creationId xmlns:a16="http://schemas.microsoft.com/office/drawing/2014/main" id="{18BEE5CB-74BF-4EFA-B6AE-326E327E1525}"/>
+              </a:ext>
+            </a:extLst>
+          </p:cNvPr>
+          <p:cNvSpPr>
+            <a:spLocks noGrp="1"/>
+          </p:cNvSpPr>
+          <p:nvPr>
+            <p:ph type="body" idx="1"/>
+          </p:nvPr>
+        </p:nvSpPr>
+        <p:spPr/>
+        <p:txBody>
+          <a:bodyPr/>
+          <a:lstStyle/>
+          <a:p>
+            <a:endParaRPr lang="en-US"/>
+          </a:p>
+        </p:txBody>
+      </p:sp>
+      <p:sp>
+        <p:nvSpPr>
+          <p:cNvPr id="3" name="Content Placeholder 2">
+            <a:extLst>
+              <a:ext uri="{FF2B5EF4-FFF2-40B4-BE49-F238E27FC236}">
+                <a16:creationId xmlns:a16="http://schemas.microsoft.com/office/drawing/2014/main" id="{3DB1BBE6-62C3-4E77-8C43-EAAED089CD58}"/>
+              </a:ext>
+            </a:extLst>
+          </p:cNvPr>
+          <p:cNvSpPr>
+            <a:spLocks noGrp="1"/>
+          </p:cNvSpPr>
+          <p:nvPr>
+            <p:ph sz="half" idx="2"/>
+          </p:nvPr>
+        </p:nvSpPr>
+        <p:spPr/>
+        <p:txBody>
+          <a:bodyPr/>
+          <a:lstStyle/>
+          <a:p>
+            <a:endParaRPr lang="en-US"/>
+          </a:p>
+        </p:txBody>
+      </p:sp>
+      <p:sp>
+        <p:nvSpPr>
+          <p:cNvPr id="4" name="Content Placeholder 3">
+            <a:extLst>
+              <a:ext uri="{FF2B5EF4-FFF2-40B4-BE49-F238E27FC236}">
+                <a16:creationId xmlns:a16="http://schemas.microsoft.com/office/drawing/2014/main" id="{EA8A3F3B-2F29-4976-BAC5-6252298DE142}"/>
+              </a:ext>
+            </a:extLst>
+          </p:cNvPr>
+          <p:cNvSpPr>
+            <a:spLocks noGrp="1"/>
+          </p:cNvSpPr>
+          <p:nvPr>
+            <p:ph sz="quarter" idx="4"/>
+          </p:nvPr>
+        </p:nvSpPr>
+        <p:spPr/>
+        <p:txBody>
+          <a:bodyPr/>
+          <a:lstStyle/>
+          <a:p>
+            <a:endParaRPr lang="en-US"/>
+          </a:p>
+        </p:txBody>
+      </p:sp>
+      <p:sp>
+        <p:nvSpPr>
+          <p:cNvPr id="5" name="Text Placeholder 4">
+            <a:extLst>
+              <a:ext uri="{FF2B5EF4-FFF2-40B4-BE49-F238E27FC236}">
+                <a16:creationId xmlns:a16="http://schemas.microsoft.com/office/drawing/2014/main" id="{FAB5A4DE-247D-4126-824B-4AB9C47DA0AC}"/>
+              </a:ext>
+            </a:extLst>
+          </p:cNvPr>
+          <p:cNvSpPr>
+            <a:spLocks noGrp="1"/>
+          </p:cNvSpPr>
+          <p:nvPr>
+            <p:ph type="body" sz="quarter" idx="13"/>
+          </p:nvPr>
+        </p:nvSpPr>
+        <p:spPr/>
+        <p:txBody>
+          <a:bodyPr/>
+          <a:lstStyle/>
+          <a:p>
+            <a:endParaRPr lang="en-US"/>
+          </a:p>
+        </p:txBody>
+      </p:sp>
+      <p:sp>
+        <p:nvSpPr>
+          <p:cNvPr id="6" name="Title 5">
+            <a:extLst>
+              <a:ext uri="{FF2B5EF4-FFF2-40B4-BE49-F238E27FC236}">
+                <a16:creationId xmlns:a16="http://schemas.microsoft.com/office/drawing/2014/main" id="{B6DA25F5-B52C-4E9D-BF37-0B71ED401B7A}"/>
+              </a:ext>
+            </a:extLst>
+          </p:cNvPr>
+          <p:cNvSpPr>
+            <a:spLocks noGrp="1"/>
+          </p:cNvSpPr>
+          <p:nvPr>
+            <p:ph type="title"/>
+          </p:nvPr>
+        </p:nvSpPr>
+        <p:spPr/>
+        <p:txBody>
+          <a:bodyPr/>
+          <a:lstStyle/>
+          <a:p>
+            <a:endParaRPr lang="en-US"/>
+          </a:p>
+        </p:txBody>
+      </p:sp>
+    </p:spTree>
+    <p:extLst>
+      <p:ext uri="{BB962C8B-B14F-4D97-AF65-F5344CB8AC3E}">
+        <p14:creationId xmlns:p14="http://schemas.microsoft.com/office/powerpoint/2010/main" val="3133301395"/>
+      </p:ext>
+    </p:extLst>
+  </p:cSld>
+  <p:clrMapOvr>
+    <a:masterClrMapping/>
+  </p:clrMapOvr>
+</p:sld>
+</file>
+
+<file path=ppt/slides/slide13.xml><?xml version="1.0" encoding="utf-8"?>
+<p:sld xmlns:a="http://schemas.openxmlformats.org/drawingml/2006/main" xmlns:r="http://schemas.openxmlformats.org/officeDocument/2006/relationships" xmlns:p="http://schemas.openxmlformats.org/presentationml/2006/main">
+  <p:cSld>
+    <p:spTree>
+      <p:nvGrpSpPr>
+        <p:cNvPr id="1" name=""/>
+        <p:cNvGrpSpPr/>
+        <p:nvPr/>
+      </p:nvGrpSpPr>
+      <p:grpSpPr>
+        <a:xfrm>
+          <a:off x="0" y="0"/>
+          <a:ext cx="0" cy="0"/>
+          <a:chOff x="0" y="0"/>
+          <a:chExt cx="0" cy="0"/>
+        </a:xfrm>
+      </p:grpSpPr>
+      <p:sp>
+        <p:nvSpPr>
+          <p:cNvPr id="2" name="Title 1">
+            <a:extLst>
+              <a:ext uri="{FF2B5EF4-FFF2-40B4-BE49-F238E27FC236}">
                 <a16:creationId xmlns:a16="http://schemas.microsoft.com/office/drawing/2014/main" id="{4235F194-6DCB-41FF-8B85-E1E82247A776}"/>
               </a:ext>
             </a:extLst>
@@ -4778,7 +5027,416 @@
 </p:sld>
 </file>
 
-<file path=ppt/slides/slide12.xml><?xml version="1.0" encoding="utf-8"?>
+<file path=ppt/slides/slide14.xml><?xml version="1.0" encoding="utf-8"?>
+<p:sld xmlns:a="http://schemas.openxmlformats.org/drawingml/2006/main" xmlns:r="http://schemas.openxmlformats.org/officeDocument/2006/relationships" xmlns:p="http://schemas.openxmlformats.org/presentationml/2006/main">
+  <p:cSld>
+    <p:spTree>
+      <p:nvGrpSpPr>
+        <p:cNvPr id="1" name=""/>
+        <p:cNvGrpSpPr/>
+        <p:nvPr/>
+      </p:nvGrpSpPr>
+      <p:grpSpPr>
+        <a:xfrm>
+          <a:off x="0" y="0"/>
+          <a:ext cx="0" cy="0"/>
+          <a:chOff x="0" y="0"/>
+          <a:chExt cx="0" cy="0"/>
+        </a:xfrm>
+      </p:grpSpPr>
+      <p:sp>
+        <p:nvSpPr>
+          <p:cNvPr id="2" name="Text Placeholder 1">
+            <a:extLst>
+              <a:ext uri="{FF2B5EF4-FFF2-40B4-BE49-F238E27FC236}">
+                <a16:creationId xmlns:a16="http://schemas.microsoft.com/office/drawing/2014/main" id="{6629B839-3213-4463-BF31-5F3C01E0EF55}"/>
+              </a:ext>
+            </a:extLst>
+          </p:cNvPr>
+          <p:cNvSpPr>
+            <a:spLocks noGrp="1"/>
+          </p:cNvSpPr>
+          <p:nvPr>
+            <p:ph type="body" idx="1"/>
+          </p:nvPr>
+        </p:nvSpPr>
+        <p:spPr/>
+        <p:txBody>
+          <a:bodyPr/>
+          <a:lstStyle/>
+          <a:p>
+            <a:endParaRPr lang="en-US" dirty="0"/>
+          </a:p>
+        </p:txBody>
+      </p:sp>
+      <p:graphicFrame>
+        <p:nvGraphicFramePr>
+          <p:cNvPr id="8" name="Content Placeholder 7">
+            <a:extLst>
+              <a:ext uri="{FF2B5EF4-FFF2-40B4-BE49-F238E27FC236}">
+                <a16:creationId xmlns:a16="http://schemas.microsoft.com/office/drawing/2014/main" id="{CB3C22A3-F644-4B2C-AAE3-8DC6CFFE182C}"/>
+              </a:ext>
+            </a:extLst>
+          </p:cNvPr>
+          <p:cNvGraphicFramePr>
+            <a:graphicFrameLocks noGrp="1"/>
+          </p:cNvGraphicFramePr>
+          <p:nvPr>
+            <p:ph sz="half" idx="2"/>
+            <p:extLst>
+              <p:ext uri="{D42A27DB-BD31-4B8C-83A1-F6EECF244321}">
+                <p14:modId xmlns:p14="http://schemas.microsoft.com/office/powerpoint/2010/main" val="566046151"/>
+              </p:ext>
+            </p:extLst>
+          </p:nvPr>
+        </p:nvGraphicFramePr>
+        <p:xfrm>
+          <a:off x="1582738" y="3143250"/>
+          <a:ext cx="4270376" cy="2225040"/>
+        </p:xfrm>
+        <a:graphic>
+          <a:graphicData uri="http://schemas.openxmlformats.org/drawingml/2006/table">
+            <a:tbl>
+              <a:tblPr firstRow="1" bandRow="1">
+                <a:tableStyleId>{5C22544A-7EE6-4342-B048-85BDC9FD1C3A}</a:tableStyleId>
+              </a:tblPr>
+              <a:tblGrid>
+                <a:gridCol w="2135188">
+                  <a:extLst>
+                    <a:ext uri="{9D8B030D-6E8A-4147-A177-3AD203B41FA5}">
+                      <a16:colId xmlns:a16="http://schemas.microsoft.com/office/drawing/2014/main" val="1049482404"/>
+                    </a:ext>
+                  </a:extLst>
+                </a:gridCol>
+                <a:gridCol w="2135188">
+                  <a:extLst>
+                    <a:ext uri="{9D8B030D-6E8A-4147-A177-3AD203B41FA5}">
+                      <a16:colId xmlns:a16="http://schemas.microsoft.com/office/drawing/2014/main" val="1458451699"/>
+                    </a:ext>
+                  </a:extLst>
+                </a:gridCol>
+              </a:tblGrid>
+              <a:tr h="370840">
+                <a:tc>
+                  <a:txBody>
+                    <a:bodyPr/>
+                    <a:lstStyle/>
+                    <a:p>
+                      <a:r>
+                        <a:rPr lang="en-US" dirty="0"/>
+                        <a:t>Count</a:t>
+                      </a:r>
+                    </a:p>
+                  </a:txBody>
+                  <a:tcPr/>
+                </a:tc>
+                <a:tc>
+                  <a:txBody>
+                    <a:bodyPr/>
+                    <a:lstStyle/>
+                    <a:p>
+                      <a:r>
+                        <a:rPr lang="en-US" dirty="0"/>
+                        <a:t>sum</a:t>
+                      </a:r>
+                    </a:p>
+                  </a:txBody>
+                  <a:tcPr/>
+                </a:tc>
+                <a:extLst>
+                  <a:ext uri="{0D108BD9-81ED-4DB2-BD59-A6C34878D82A}">
+                    <a16:rowId xmlns:a16="http://schemas.microsoft.com/office/drawing/2014/main" val="2909889336"/>
+                  </a:ext>
+                </a:extLst>
+              </a:tr>
+              <a:tr h="370840">
+                <a:tc>
+                  <a:txBody>
+                    <a:bodyPr/>
+                    <a:lstStyle/>
+                    <a:p>
+                      <a:r>
+                        <a:rPr lang="en-US" dirty="0">
+                          <a:latin typeface="Arial" panose="020B0604020202020204" pitchFamily="34" charset="0"/>
+                          <a:cs typeface="Arial" panose="020B0604020202020204" pitchFamily="34" charset="0"/>
+                        </a:rPr>
+                        <a:t>1</a:t>
+                      </a:r>
+                    </a:p>
+                  </a:txBody>
+                  <a:tcPr/>
+                </a:tc>
+                <a:tc>
+                  <a:txBody>
+                    <a:bodyPr/>
+                    <a:lstStyle/>
+                    <a:p>
+                      <a:r>
+                        <a:rPr lang="en-US" dirty="0">
+                          <a:latin typeface="Arial" panose="020B0604020202020204" pitchFamily="34" charset="0"/>
+                          <a:cs typeface="Arial" panose="020B0604020202020204" pitchFamily="34" charset="0"/>
+                        </a:rPr>
+                        <a:t>1</a:t>
+                      </a:r>
+                    </a:p>
+                  </a:txBody>
+                  <a:tcPr/>
+                </a:tc>
+                <a:extLst>
+                  <a:ext uri="{0D108BD9-81ED-4DB2-BD59-A6C34878D82A}">
+                    <a16:rowId xmlns:a16="http://schemas.microsoft.com/office/drawing/2014/main" val="1562397705"/>
+                  </a:ext>
+                </a:extLst>
+              </a:tr>
+              <a:tr h="370840">
+                <a:tc>
+                  <a:txBody>
+                    <a:bodyPr/>
+                    <a:lstStyle/>
+                    <a:p>
+                      <a:r>
+                        <a:rPr lang="en-US" dirty="0">
+                          <a:latin typeface="Arial" panose="020B0604020202020204" pitchFamily="34" charset="0"/>
+                          <a:cs typeface="Arial" panose="020B0604020202020204" pitchFamily="34" charset="0"/>
+                        </a:rPr>
+                        <a:t>2</a:t>
+                      </a:r>
+                    </a:p>
+                  </a:txBody>
+                  <a:tcPr/>
+                </a:tc>
+                <a:tc>
+                  <a:txBody>
+                    <a:bodyPr/>
+                    <a:lstStyle/>
+                    <a:p>
+                      <a:r>
+                        <a:rPr lang="en-US" dirty="0">
+                          <a:latin typeface="Arial" panose="020B0604020202020204" pitchFamily="34" charset="0"/>
+                          <a:cs typeface="Arial" panose="020B0604020202020204" pitchFamily="34" charset="0"/>
+                        </a:rPr>
+                        <a:t>3</a:t>
+                      </a:r>
+                    </a:p>
+                  </a:txBody>
+                  <a:tcPr/>
+                </a:tc>
+                <a:extLst>
+                  <a:ext uri="{0D108BD9-81ED-4DB2-BD59-A6C34878D82A}">
+                    <a16:rowId xmlns:a16="http://schemas.microsoft.com/office/drawing/2014/main" val="1462700156"/>
+                  </a:ext>
+                </a:extLst>
+              </a:tr>
+              <a:tr h="370840">
+                <a:tc>
+                  <a:txBody>
+                    <a:bodyPr/>
+                    <a:lstStyle/>
+                    <a:p>
+                      <a:r>
+                        <a:rPr lang="en-US" dirty="0">
+                          <a:latin typeface="Arial" panose="020B0604020202020204" pitchFamily="34" charset="0"/>
+                          <a:cs typeface="Arial" panose="020B0604020202020204" pitchFamily="34" charset="0"/>
+                        </a:rPr>
+                        <a:t>3</a:t>
+                      </a:r>
+                    </a:p>
+                  </a:txBody>
+                  <a:tcPr/>
+                </a:tc>
+                <a:tc>
+                  <a:txBody>
+                    <a:bodyPr/>
+                    <a:lstStyle/>
+                    <a:p>
+                      <a:r>
+                        <a:rPr lang="en-US" dirty="0">
+                          <a:latin typeface="Arial" panose="020B0604020202020204" pitchFamily="34" charset="0"/>
+                          <a:cs typeface="Arial" panose="020B0604020202020204" pitchFamily="34" charset="0"/>
+                        </a:rPr>
+                        <a:t>6</a:t>
+                      </a:r>
+                    </a:p>
+                  </a:txBody>
+                  <a:tcPr/>
+                </a:tc>
+                <a:extLst>
+                  <a:ext uri="{0D108BD9-81ED-4DB2-BD59-A6C34878D82A}">
+                    <a16:rowId xmlns:a16="http://schemas.microsoft.com/office/drawing/2014/main" val="795719368"/>
+                  </a:ext>
+                </a:extLst>
+              </a:tr>
+              <a:tr h="370840">
+                <a:tc>
+                  <a:txBody>
+                    <a:bodyPr/>
+                    <a:lstStyle/>
+                    <a:p>
+                      <a:r>
+                        <a:rPr lang="en-US" dirty="0">
+                          <a:latin typeface="Arial" panose="020B0604020202020204" pitchFamily="34" charset="0"/>
+                          <a:cs typeface="Arial" panose="020B0604020202020204" pitchFamily="34" charset="0"/>
+                        </a:rPr>
+                        <a:t>4</a:t>
+                      </a:r>
+                    </a:p>
+                  </a:txBody>
+                  <a:tcPr/>
+                </a:tc>
+                <a:tc>
+                  <a:txBody>
+                    <a:bodyPr/>
+                    <a:lstStyle/>
+                    <a:p>
+                      <a:r>
+                        <a:rPr lang="en-US" dirty="0">
+                          <a:latin typeface="Arial" panose="020B0604020202020204" pitchFamily="34" charset="0"/>
+                          <a:cs typeface="Arial" panose="020B0604020202020204" pitchFamily="34" charset="0"/>
+                        </a:rPr>
+                        <a:t>10</a:t>
+                      </a:r>
+                    </a:p>
+                  </a:txBody>
+                  <a:tcPr/>
+                </a:tc>
+                <a:extLst>
+                  <a:ext uri="{0D108BD9-81ED-4DB2-BD59-A6C34878D82A}">
+                    <a16:rowId xmlns:a16="http://schemas.microsoft.com/office/drawing/2014/main" val="2876700253"/>
+                  </a:ext>
+                </a:extLst>
+              </a:tr>
+              <a:tr h="370840">
+                <a:tc>
+                  <a:txBody>
+                    <a:bodyPr/>
+                    <a:lstStyle/>
+                    <a:p>
+                      <a:r>
+                        <a:rPr lang="en-US" dirty="0">
+                          <a:latin typeface="Arial" panose="020B0604020202020204" pitchFamily="34" charset="0"/>
+                          <a:cs typeface="Arial" panose="020B0604020202020204" pitchFamily="34" charset="0"/>
+                        </a:rPr>
+                        <a:t>5</a:t>
+                      </a:r>
+                    </a:p>
+                  </a:txBody>
+                  <a:tcPr/>
+                </a:tc>
+                <a:tc>
+                  <a:txBody>
+                    <a:bodyPr/>
+                    <a:lstStyle/>
+                    <a:p>
+                      <a:r>
+                        <a:rPr lang="en-US" dirty="0">
+                          <a:latin typeface="Arial" panose="020B0604020202020204" pitchFamily="34" charset="0"/>
+                          <a:cs typeface="Arial" panose="020B0604020202020204" pitchFamily="34" charset="0"/>
+                        </a:rPr>
+                        <a:t>15</a:t>
+                      </a:r>
+                    </a:p>
+                  </a:txBody>
+                  <a:tcPr/>
+                </a:tc>
+                <a:extLst>
+                  <a:ext uri="{0D108BD9-81ED-4DB2-BD59-A6C34878D82A}">
+                    <a16:rowId xmlns:a16="http://schemas.microsoft.com/office/drawing/2014/main" val="781493452"/>
+                  </a:ext>
+                </a:extLst>
+              </a:tr>
+            </a:tbl>
+          </a:graphicData>
+        </a:graphic>
+      </p:graphicFrame>
+      <p:sp>
+        <p:nvSpPr>
+          <p:cNvPr id="4" name="Content Placeholder 3">
+            <a:extLst>
+              <a:ext uri="{FF2B5EF4-FFF2-40B4-BE49-F238E27FC236}">
+                <a16:creationId xmlns:a16="http://schemas.microsoft.com/office/drawing/2014/main" id="{AFD26B35-1DCB-48F2-AF70-55CD6765FEA5}"/>
+              </a:ext>
+            </a:extLst>
+          </p:cNvPr>
+          <p:cNvSpPr>
+            <a:spLocks noGrp="1"/>
+          </p:cNvSpPr>
+          <p:nvPr>
+            <p:ph sz="quarter" idx="4"/>
+          </p:nvPr>
+        </p:nvSpPr>
+        <p:spPr/>
+        <p:txBody>
+          <a:bodyPr/>
+          <a:lstStyle/>
+          <a:p>
+            <a:endParaRPr lang="en-US"/>
+          </a:p>
+        </p:txBody>
+      </p:sp>
+      <p:sp>
+        <p:nvSpPr>
+          <p:cNvPr id="5" name="Text Placeholder 4">
+            <a:extLst>
+              <a:ext uri="{FF2B5EF4-FFF2-40B4-BE49-F238E27FC236}">
+                <a16:creationId xmlns:a16="http://schemas.microsoft.com/office/drawing/2014/main" id="{E03C6E7B-CCCA-44FB-B22A-CDACC4C8577B}"/>
+              </a:ext>
+            </a:extLst>
+          </p:cNvPr>
+          <p:cNvSpPr>
+            <a:spLocks noGrp="1"/>
+          </p:cNvSpPr>
+          <p:nvPr>
+            <p:ph type="body" sz="quarter" idx="13"/>
+          </p:nvPr>
+        </p:nvSpPr>
+        <p:spPr/>
+        <p:txBody>
+          <a:bodyPr/>
+          <a:lstStyle/>
+          <a:p>
+            <a:endParaRPr lang="en-US"/>
+          </a:p>
+        </p:txBody>
+      </p:sp>
+      <p:sp>
+        <p:nvSpPr>
+          <p:cNvPr id="6" name="Title 5">
+            <a:extLst>
+              <a:ext uri="{FF2B5EF4-FFF2-40B4-BE49-F238E27FC236}">
+                <a16:creationId xmlns:a16="http://schemas.microsoft.com/office/drawing/2014/main" id="{DCD897A8-8D7A-416E-B004-F00923DCAAB0}"/>
+              </a:ext>
+            </a:extLst>
+          </p:cNvPr>
+          <p:cNvSpPr>
+            <a:spLocks noGrp="1"/>
+          </p:cNvSpPr>
+          <p:nvPr>
+            <p:ph type="title"/>
+          </p:nvPr>
+        </p:nvSpPr>
+        <p:spPr/>
+        <p:txBody>
+          <a:bodyPr/>
+          <a:lstStyle/>
+          <a:p>
+            <a:endParaRPr lang="en-US"/>
+          </a:p>
+        </p:txBody>
+      </p:sp>
+    </p:spTree>
+    <p:extLst>
+      <p:ext uri="{BB962C8B-B14F-4D97-AF65-F5344CB8AC3E}">
+        <p14:creationId xmlns:p14="http://schemas.microsoft.com/office/powerpoint/2010/main" val="1184458902"/>
+      </p:ext>
+    </p:extLst>
+  </p:cSld>
+  <p:clrMapOvr>
+    <a:masterClrMapping/>
+  </p:clrMapOvr>
+</p:sld>
+</file>
+
+<file path=ppt/slides/slide15.xml><?xml version="1.0" encoding="utf-8"?>
 <p:sld xmlns:a="http://schemas.openxmlformats.org/drawingml/2006/main" xmlns:r="http://schemas.openxmlformats.org/officeDocument/2006/relationships" xmlns:p="http://schemas.openxmlformats.org/presentationml/2006/main">
   <p:cSld>
     <p:bg>
@@ -5000,7 +5658,7 @@
 </p:sld>
 </file>
 
-<file path=ppt/slides/slide13.xml><?xml version="1.0" encoding="utf-8"?>
+<file path=ppt/slides/slide16.xml><?xml version="1.0" encoding="utf-8"?>
 <p:sld xmlns:a="http://schemas.openxmlformats.org/drawingml/2006/main" xmlns:r="http://schemas.openxmlformats.org/officeDocument/2006/relationships" xmlns:p="http://schemas.openxmlformats.org/presentationml/2006/main">
   <p:cSld>
     <p:spTree>
@@ -5164,7 +5822,7 @@
 </p:sld>
 </file>
 
-<file path=ppt/slides/slide14.xml><?xml version="1.0" encoding="utf-8"?>
+<file path=ppt/slides/slide17.xml><?xml version="1.0" encoding="utf-8"?>
 <p:sld xmlns:a="http://schemas.openxmlformats.org/drawingml/2006/main" xmlns:r="http://schemas.openxmlformats.org/officeDocument/2006/relationships" xmlns:p="http://schemas.openxmlformats.org/presentationml/2006/main">
   <p:cSld>
     <p:bg>
@@ -5387,7 +6045,7 @@
 </p:sld>
 </file>
 
-<file path=ppt/slides/slide15.xml><?xml version="1.0" encoding="utf-8"?>
+<file path=ppt/slides/slide18.xml><?xml version="1.0" encoding="utf-8"?>
 <p:sld xmlns:a="http://schemas.openxmlformats.org/drawingml/2006/main" xmlns:r="http://schemas.openxmlformats.org/officeDocument/2006/relationships" xmlns:p="http://schemas.openxmlformats.org/presentationml/2006/main">
   <p:cSld>
     <p:spTree>
@@ -5493,7 +6151,7 @@
 </p:sld>
 </file>
 
-<file path=ppt/slides/slide16.xml><?xml version="1.0" encoding="utf-8"?>
+<file path=ppt/slides/slide19.xml><?xml version="1.0" encoding="utf-8"?>
 <p:sld xmlns:a="http://schemas.openxmlformats.org/drawingml/2006/main" xmlns:r="http://schemas.openxmlformats.org/officeDocument/2006/relationships" xmlns:p="http://schemas.openxmlformats.org/presentationml/2006/main">
   <p:cSld>
     <p:spTree>
@@ -5588,7 +6246,129 @@
 </p:sld>
 </file>
 
-<file path=ppt/slides/slide17.xml><?xml version="1.0" encoding="utf-8"?>
+<file path=ppt/slides/slide2.xml><?xml version="1.0" encoding="utf-8"?>
+<p:sld xmlns:a="http://schemas.openxmlformats.org/drawingml/2006/main" xmlns:r="http://schemas.openxmlformats.org/officeDocument/2006/relationships" xmlns:p="http://schemas.openxmlformats.org/presentationml/2006/main">
+  <p:cSld>
+    <p:spTree>
+      <p:nvGrpSpPr>
+        <p:cNvPr id="1" name=""/>
+        <p:cNvGrpSpPr/>
+        <p:nvPr/>
+      </p:nvGrpSpPr>
+      <p:grpSpPr>
+        <a:xfrm>
+          <a:off x="0" y="0"/>
+          <a:ext cx="0" cy="0"/>
+          <a:chOff x="0" y="0"/>
+          <a:chExt cx="0" cy="0"/>
+        </a:xfrm>
+      </p:grpSpPr>
+      <p:sp>
+        <p:nvSpPr>
+          <p:cNvPr id="2" name="Title 1">
+            <a:extLst>
+              <a:ext uri="{FF2B5EF4-FFF2-40B4-BE49-F238E27FC236}">
+                <a16:creationId xmlns:a16="http://schemas.microsoft.com/office/drawing/2014/main" id="{0C9DAE7E-37DE-4C5D-908F-55B8D87F3B2E}"/>
+              </a:ext>
+            </a:extLst>
+          </p:cNvPr>
+          <p:cNvSpPr>
+            <a:spLocks noGrp="1"/>
+          </p:cNvSpPr>
+          <p:nvPr>
+            <p:ph type="title"/>
+          </p:nvPr>
+        </p:nvSpPr>
+        <p:spPr/>
+        <p:txBody>
+          <a:bodyPr/>
+          <a:lstStyle/>
+          <a:p>
+            <a:r>
+              <a:rPr lang="en-US" dirty="0"/>
+              <a:t>If Review</a:t>
+            </a:r>
+          </a:p>
+        </p:txBody>
+      </p:sp>
+      <p:sp>
+        <p:nvSpPr>
+          <p:cNvPr id="3" name="Content Placeholder 2">
+            <a:extLst>
+              <a:ext uri="{FF2B5EF4-FFF2-40B4-BE49-F238E27FC236}">
+                <a16:creationId xmlns:a16="http://schemas.microsoft.com/office/drawing/2014/main" id="{CA01F07D-FD15-486E-9BAC-F39579B06C00}"/>
+              </a:ext>
+            </a:extLst>
+          </p:cNvPr>
+          <p:cNvSpPr>
+            <a:spLocks noGrp="1"/>
+          </p:cNvSpPr>
+          <p:nvPr>
+            <p:ph idx="1"/>
+          </p:nvPr>
+        </p:nvSpPr>
+        <p:spPr/>
+        <p:txBody>
+          <a:bodyPr/>
+          <a:lstStyle/>
+          <a:p>
+            <a:r>
+              <a:rPr lang="en-US" dirty="0"/>
+              <a:t>If-statements evaluate a “Boolean” condition</a:t>
+            </a:r>
+          </a:p>
+          <a:p>
+            <a:pPr lvl="1"/>
+            <a:r>
+              <a:rPr lang="en-US" dirty="0"/>
+              <a:t>Boolean condition – evaluates to True or False</a:t>
+            </a:r>
+          </a:p>
+          <a:p>
+            <a:r>
+              <a:rPr lang="en-US" dirty="0"/>
+              <a:t>If the condition is true, the code inside the if-statement will execute</a:t>
+            </a:r>
+          </a:p>
+          <a:p>
+            <a:pPr lvl="1"/>
+            <a:r>
+              <a:rPr lang="en-US" dirty="0"/>
+              <a:t>Use indentation to indicate what code is controlled by the if-statement</a:t>
+            </a:r>
+          </a:p>
+          <a:p>
+            <a:r>
+              <a:rPr lang="en-US" dirty="0"/>
+              <a:t>So far our code executes top to bottom and never goes back up</a:t>
+            </a:r>
+          </a:p>
+          <a:p>
+            <a:pPr lvl="1"/>
+            <a:r>
+              <a:rPr lang="en-US" dirty="0"/>
+              <a:t>Loops let us go back up and repeat code</a:t>
+            </a:r>
+          </a:p>
+          <a:p>
+            <a:endParaRPr lang="en-US" dirty="0"/>
+          </a:p>
+        </p:txBody>
+      </p:sp>
+    </p:spTree>
+    <p:extLst>
+      <p:ext uri="{BB962C8B-B14F-4D97-AF65-F5344CB8AC3E}">
+        <p14:creationId xmlns:p14="http://schemas.microsoft.com/office/powerpoint/2010/main" val="2673233627"/>
+      </p:ext>
+    </p:extLst>
+  </p:cSld>
+  <p:clrMapOvr>
+    <a:masterClrMapping/>
+  </p:clrMapOvr>
+</p:sld>
+</file>
+
+<file path=ppt/slides/slide20.xml><?xml version="1.0" encoding="utf-8"?>
 <p:sld xmlns:a="http://schemas.openxmlformats.org/drawingml/2006/main" xmlns:r="http://schemas.openxmlformats.org/officeDocument/2006/relationships" xmlns:p="http://schemas.openxmlformats.org/presentationml/2006/main">
   <p:cSld>
     <p:spTree>
@@ -5873,7 +6653,7 @@
 </p:sld>
 </file>
 
-<file path=ppt/slides/slide18.xml><?xml version="1.0" encoding="utf-8"?>
+<file path=ppt/slides/slide21.xml><?xml version="1.0" encoding="utf-8"?>
 <p:sld xmlns:a="http://schemas.openxmlformats.org/drawingml/2006/main" xmlns:r="http://schemas.openxmlformats.org/officeDocument/2006/relationships" xmlns:p="http://schemas.openxmlformats.org/presentationml/2006/main">
   <p:cSld>
     <p:bg>
@@ -6066,7 +6846,7 @@
 </p:sld>
 </file>
 
-<file path=ppt/slides/slide19.xml><?xml version="1.0" encoding="utf-8"?>
+<file path=ppt/slides/slide22.xml><?xml version="1.0" encoding="utf-8"?>
 <p:sld xmlns:a="http://schemas.openxmlformats.org/drawingml/2006/main" xmlns:r="http://schemas.openxmlformats.org/officeDocument/2006/relationships" xmlns:p="http://schemas.openxmlformats.org/presentationml/2006/main">
   <p:cSld>
     <p:spTree>
@@ -6344,129 +7124,7 @@
 </p:sld>
 </file>
 
-<file path=ppt/slides/slide2.xml><?xml version="1.0" encoding="utf-8"?>
-<p:sld xmlns:a="http://schemas.openxmlformats.org/drawingml/2006/main" xmlns:r="http://schemas.openxmlformats.org/officeDocument/2006/relationships" xmlns:p="http://schemas.openxmlformats.org/presentationml/2006/main">
-  <p:cSld>
-    <p:spTree>
-      <p:nvGrpSpPr>
-        <p:cNvPr id="1" name=""/>
-        <p:cNvGrpSpPr/>
-        <p:nvPr/>
-      </p:nvGrpSpPr>
-      <p:grpSpPr>
-        <a:xfrm>
-          <a:off x="0" y="0"/>
-          <a:ext cx="0" cy="0"/>
-          <a:chOff x="0" y="0"/>
-          <a:chExt cx="0" cy="0"/>
-        </a:xfrm>
-      </p:grpSpPr>
-      <p:sp>
-        <p:nvSpPr>
-          <p:cNvPr id="2" name="Title 1">
-            <a:extLst>
-              <a:ext uri="{FF2B5EF4-FFF2-40B4-BE49-F238E27FC236}">
-                <a16:creationId xmlns:a16="http://schemas.microsoft.com/office/drawing/2014/main" id="{0C9DAE7E-37DE-4C5D-908F-55B8D87F3B2E}"/>
-              </a:ext>
-            </a:extLst>
-          </p:cNvPr>
-          <p:cNvSpPr>
-            <a:spLocks noGrp="1"/>
-          </p:cNvSpPr>
-          <p:nvPr>
-            <p:ph type="title"/>
-          </p:nvPr>
-        </p:nvSpPr>
-        <p:spPr/>
-        <p:txBody>
-          <a:bodyPr/>
-          <a:lstStyle/>
-          <a:p>
-            <a:r>
-              <a:rPr lang="en-US" dirty="0"/>
-              <a:t>If Review</a:t>
-            </a:r>
-          </a:p>
-        </p:txBody>
-      </p:sp>
-      <p:sp>
-        <p:nvSpPr>
-          <p:cNvPr id="3" name="Content Placeholder 2">
-            <a:extLst>
-              <a:ext uri="{FF2B5EF4-FFF2-40B4-BE49-F238E27FC236}">
-                <a16:creationId xmlns:a16="http://schemas.microsoft.com/office/drawing/2014/main" id="{CA01F07D-FD15-486E-9BAC-F39579B06C00}"/>
-              </a:ext>
-            </a:extLst>
-          </p:cNvPr>
-          <p:cNvSpPr>
-            <a:spLocks noGrp="1"/>
-          </p:cNvSpPr>
-          <p:nvPr>
-            <p:ph idx="1"/>
-          </p:nvPr>
-        </p:nvSpPr>
-        <p:spPr/>
-        <p:txBody>
-          <a:bodyPr/>
-          <a:lstStyle/>
-          <a:p>
-            <a:r>
-              <a:rPr lang="en-US" dirty="0"/>
-              <a:t>If-statements evaluate a “Boolean” condition</a:t>
-            </a:r>
-          </a:p>
-          <a:p>
-            <a:pPr lvl="1"/>
-            <a:r>
-              <a:rPr lang="en-US" dirty="0"/>
-              <a:t>Boolean condition – evaluates to True or False</a:t>
-            </a:r>
-          </a:p>
-          <a:p>
-            <a:r>
-              <a:rPr lang="en-US" dirty="0"/>
-              <a:t>If the condition is true, the code inside the if-statement will execute</a:t>
-            </a:r>
-          </a:p>
-          <a:p>
-            <a:pPr lvl="1"/>
-            <a:r>
-              <a:rPr lang="en-US" dirty="0"/>
-              <a:t>Use indentation to indicate what code is controlled by the if-statement</a:t>
-            </a:r>
-          </a:p>
-          <a:p>
-            <a:r>
-              <a:rPr lang="en-US" dirty="0"/>
-              <a:t>So far our code executes top to bottom and never goes back up</a:t>
-            </a:r>
-          </a:p>
-          <a:p>
-            <a:pPr lvl="1"/>
-            <a:r>
-              <a:rPr lang="en-US" dirty="0"/>
-              <a:t>Loops let us go back up and repeat code</a:t>
-            </a:r>
-          </a:p>
-          <a:p>
-            <a:endParaRPr lang="en-US" dirty="0"/>
-          </a:p>
-        </p:txBody>
-      </p:sp>
-    </p:spTree>
-    <p:extLst>
-      <p:ext uri="{BB962C8B-B14F-4D97-AF65-F5344CB8AC3E}">
-        <p14:creationId xmlns:p14="http://schemas.microsoft.com/office/powerpoint/2010/main" val="2673233627"/>
-      </p:ext>
-    </p:extLst>
-  </p:cSld>
-  <p:clrMapOvr>
-    <a:masterClrMapping/>
-  </p:clrMapOvr>
-</p:sld>
-</file>
-
-<file path=ppt/slides/slide20.xml><?xml version="1.0" encoding="utf-8"?>
+<file path=ppt/slides/slide23.xml><?xml version="1.0" encoding="utf-8"?>
 <p:sld xmlns:a="http://schemas.openxmlformats.org/drawingml/2006/main" xmlns:r="http://schemas.openxmlformats.org/officeDocument/2006/relationships" xmlns:p="http://schemas.openxmlformats.org/presentationml/2006/main">
   <p:cSld>
     <p:spTree>
@@ -6696,7 +7354,7 @@
 </p:sld>
 </file>
 
-<file path=ppt/slides/slide21.xml><?xml version="1.0" encoding="utf-8"?>
+<file path=ppt/slides/slide24.xml><?xml version="1.0" encoding="utf-8"?>
 <p:sld xmlns:a="http://schemas.openxmlformats.org/drawingml/2006/main" xmlns:r="http://schemas.openxmlformats.org/officeDocument/2006/relationships" xmlns:p="http://schemas.openxmlformats.org/presentationml/2006/main">
   <p:cSld>
     <p:bg>
@@ -6889,7 +7547,7 @@
 </p:sld>
 </file>
 
-<file path=ppt/slides/slide22.xml><?xml version="1.0" encoding="utf-8"?>
+<file path=ppt/slides/slide25.xml><?xml version="1.0" encoding="utf-8"?>
 <p:sld xmlns:a="http://schemas.openxmlformats.org/drawingml/2006/main" xmlns:r="http://schemas.openxmlformats.org/officeDocument/2006/relationships" xmlns:p="http://schemas.openxmlformats.org/presentationml/2006/main">
   <p:cSld>
     <p:spTree>
@@ -6998,7 +7656,7 @@
 </p:sld>
 </file>
 
-<file path=ppt/slides/slide23.xml><?xml version="1.0" encoding="utf-8"?>
+<file path=ppt/slides/slide26.xml><?xml version="1.0" encoding="utf-8"?>
 <p:sld xmlns:a="http://schemas.openxmlformats.org/drawingml/2006/main" xmlns:r="http://schemas.openxmlformats.org/officeDocument/2006/relationships" xmlns:p="http://schemas.openxmlformats.org/presentationml/2006/main">
   <p:cSld>
     <p:spTree>
@@ -7137,7 +7795,7 @@
 </p:sld>
 </file>
 
-<file path=ppt/slides/slide24.xml><?xml version="1.0" encoding="utf-8"?>
+<file path=ppt/slides/slide27.xml><?xml version="1.0" encoding="utf-8"?>
 <p:sld xmlns:a="http://schemas.openxmlformats.org/drawingml/2006/main" xmlns:r="http://schemas.openxmlformats.org/officeDocument/2006/relationships" xmlns:p="http://schemas.openxmlformats.org/presentationml/2006/main">
   <p:cSld>
     <p:spTree>
@@ -7291,7 +7949,7 @@
 </p:sld>
 </file>
 
-<file path=ppt/slides/slide25.xml><?xml version="1.0" encoding="utf-8"?>
+<file path=ppt/slides/slide28.xml><?xml version="1.0" encoding="utf-8"?>
 <p:sld xmlns:a="http://schemas.openxmlformats.org/drawingml/2006/main" xmlns:r="http://schemas.openxmlformats.org/officeDocument/2006/relationships" xmlns:p="http://schemas.openxmlformats.org/presentationml/2006/main">
   <p:cSld>
     <p:spTree>
